--- a/DS Application/Lecture/1. N-gram Language Models Lecture.pptx
+++ b/DS Application/Lecture/1. N-gram Language Models Lecture.pptx
@@ -210,6 +210,9 @@
         </p15:guide>
       </p15:sldGuideLst>
     </p:ext>
+    <p:ext uri="{2D200454-40CA-4A62-9FC3-DE9A4176ACB9}">
+      <p15:notesGuideLst xmlns:p15="http://schemas.microsoft.com/office/powerpoint/2012/main"/>
+    </p:ext>
   </p:extLst>
 </p:presentation>
 </file>
@@ -603,14 +606,14 @@
           </a:ln>
           <a:extLst>
             <a:ext uri="{909E8E84-426E-40dd-AFC4-6F175D3DCCD1}">
-              <a14:hiddenFill xmlns:a14="http://schemas.microsoft.com/office/drawing/2010/main" xmlns="">
+              <a14:hiddenFill xmlns="" xmlns:a14="http://schemas.microsoft.com/office/drawing/2010/main">
                 <a:solidFill>
                   <a:srgbClr val="FFFFFF"/>
                 </a:solidFill>
               </a14:hiddenFill>
             </a:ext>
             <a:ext uri="{FAA26D3D-D897-4be2-8F04-BA451C77F1D7}">
-              <ma14:placeholderFlag xmlns:ma14="http://schemas.microsoft.com/office/mac/drawingml/2011/main" xmlns="" val="1"/>
+              <ma14:placeholderFlag xmlns="" xmlns:ma14="http://schemas.microsoft.com/office/mac/drawingml/2011/main" val="1"/>
             </a:ext>
           </a:extLst>
         </p:spPr>
@@ -1024,7 +1027,7 @@
       </p:grpSpPr>
       <p:sp>
         <p:nvSpPr>
-          <p:cNvPr id="78850" name="Rectangle 7"/>
+          <p:cNvPr id="76802" name="Rectangle 7"/>
           <p:cNvSpPr>
             <a:spLocks noGrp="1" noChangeArrowheads="1"/>
           </p:cNvSpPr>
@@ -1039,10 +1042,10 @@
           <a:bodyPr/>
           <a:lstStyle/>
           <a:p>
-            <a:fld id="{7F1DC5F2-6B6E-FD48-8039-2DB790B32523}" type="slidenum">
+            <a:fld id="{16C90346-8C42-B949-9ED1-59E585D457E3}" type="slidenum">
               <a:rPr lang="en-US"/>
               <a:pPr/>
-              <a:t>11</a:t>
+              <a:t>10</a:t>
             </a:fld>
             <a:endParaRPr lang="en-US"/>
           </a:p>
@@ -1050,7 +1053,7 @@
       </p:sp>
       <p:sp>
         <p:nvSpPr>
-          <p:cNvPr id="78851" name="Rectangle 2"/>
+          <p:cNvPr id="76803" name="Rectangle 2"/>
           <p:cNvSpPr>
             <a:spLocks noGrp="1" noRot="1" noChangeAspect="1" noChangeArrowheads="1"/>
           </p:cNvSpPr>
@@ -1067,7 +1070,7 @@
       </p:sp>
       <p:sp>
         <p:nvSpPr>
-          <p:cNvPr id="78852" name="Rectangle 3"/>
+          <p:cNvPr id="76804" name="Rectangle 3"/>
           <p:cNvSpPr>
             <a:spLocks noGrp="1" noChangeArrowheads="1"/>
           </p:cNvSpPr>
@@ -1139,7 +1142,7 @@
             <a:fld id="{7F1DC5F2-6B6E-FD48-8039-2DB790B32523}" type="slidenum">
               <a:rPr lang="en-US"/>
               <a:pPr/>
-              <a:t>12</a:t>
+              <a:t>11</a:t>
             </a:fld>
             <a:endParaRPr lang="en-US"/>
           </a:p>
@@ -1236,7 +1239,7 @@
             <a:fld id="{7F1DC5F2-6B6E-FD48-8039-2DB790B32523}" type="slidenum">
               <a:rPr lang="en-US"/>
               <a:pPr/>
-              <a:t>13</a:t>
+              <a:t>12</a:t>
             </a:fld>
             <a:endParaRPr lang="en-US"/>
           </a:p>
@@ -1315,7 +1318,7 @@
       </p:grpSpPr>
       <p:sp>
         <p:nvSpPr>
-          <p:cNvPr id="80898" name="Rectangle 7"/>
+          <p:cNvPr id="78850" name="Rectangle 7"/>
           <p:cNvSpPr>
             <a:spLocks noGrp="1" noChangeArrowheads="1"/>
           </p:cNvSpPr>
@@ -1330,10 +1333,10 @@
           <a:bodyPr/>
           <a:lstStyle/>
           <a:p>
-            <a:fld id="{A61A37D4-2F67-9A41-B61D-68722A521FD4}" type="slidenum">
+            <a:fld id="{7F1DC5F2-6B6E-FD48-8039-2DB790B32523}" type="slidenum">
               <a:rPr lang="en-US"/>
               <a:pPr/>
-              <a:t>14</a:t>
+              <a:t>13</a:t>
             </a:fld>
             <a:endParaRPr lang="en-US"/>
           </a:p>
@@ -1341,21 +1344,24 @@
       </p:sp>
       <p:sp>
         <p:nvSpPr>
-          <p:cNvPr id="80899" name="Rectangle 2"/>
-          <p:cNvSpPr>
-            <a:spLocks noGrp="1" noRot="1" noChangeAspect="1" noChangeArrowheads="1" noTextEdit="1"/>
+          <p:cNvPr id="78851" name="Rectangle 2"/>
+          <p:cNvSpPr>
+            <a:spLocks noGrp="1" noRot="1" noChangeAspect="1" noChangeArrowheads="1"/>
           </p:cNvSpPr>
           <p:nvPr>
             <p:ph type="sldImg"/>
           </p:nvPr>
         </p:nvSpPr>
         <p:spPr>
+          <a:solidFill>
+            <a:srgbClr val="FFFFFF"/>
+          </a:solidFill>
           <a:ln/>
         </p:spPr>
       </p:sp>
       <p:sp>
         <p:nvSpPr>
-          <p:cNvPr id="80900" name="Rectangle 3"/>
+          <p:cNvPr id="78852" name="Rectangle 3"/>
           <p:cNvSpPr>
             <a:spLocks noGrp="1" noChangeArrowheads="1"/>
           </p:cNvSpPr>
@@ -1364,8 +1370,14 @@
           </p:nvPr>
         </p:nvSpPr>
         <p:spPr>
-          <a:noFill/>
-          <a:ln/>
+          <a:solidFill>
+            <a:srgbClr val="FFFFFF"/>
+          </a:solidFill>
+          <a:ln>
+            <a:solidFill>
+              <a:srgbClr val="000000"/>
+            </a:solidFill>
+          </a:ln>
         </p:spPr>
         <p:txBody>
           <a:bodyPr/>
@@ -1403,7 +1415,7 @@
       </p:grpSpPr>
       <p:sp>
         <p:nvSpPr>
-          <p:cNvPr id="82946" name="Rectangle 7"/>
+          <p:cNvPr id="80898" name="Rectangle 7"/>
           <p:cNvSpPr>
             <a:spLocks noGrp="1" noChangeArrowheads="1"/>
           </p:cNvSpPr>
@@ -1418,10 +1430,10 @@
           <a:bodyPr/>
           <a:lstStyle/>
           <a:p>
-            <a:fld id="{6551B35A-A25C-A94E-9FD5-654338FF1842}" type="slidenum">
+            <a:fld id="{A61A37D4-2F67-9A41-B61D-68722A521FD4}" type="slidenum">
               <a:rPr lang="en-US"/>
               <a:pPr/>
-              <a:t>15</a:t>
+              <a:t>14</a:t>
             </a:fld>
             <a:endParaRPr lang="en-US"/>
           </a:p>
@@ -1429,7 +1441,7 @@
       </p:sp>
       <p:sp>
         <p:nvSpPr>
-          <p:cNvPr id="82947" name="Rectangle 2"/>
+          <p:cNvPr id="80899" name="Rectangle 2"/>
           <p:cNvSpPr>
             <a:spLocks noGrp="1" noRot="1" noChangeAspect="1" noChangeArrowheads="1" noTextEdit="1"/>
           </p:cNvSpPr>
@@ -1443,7 +1455,7 @@
       </p:sp>
       <p:sp>
         <p:nvSpPr>
-          <p:cNvPr id="82948" name="Rectangle 3"/>
+          <p:cNvPr id="80900" name="Rectangle 3"/>
           <p:cNvSpPr>
             <a:spLocks noGrp="1" noChangeArrowheads="1"/>
           </p:cNvSpPr>
@@ -1491,7 +1503,7 @@
       </p:grpSpPr>
       <p:sp>
         <p:nvSpPr>
-          <p:cNvPr id="87042" name="Rectangle 7"/>
+          <p:cNvPr id="82946" name="Rectangle 7"/>
           <p:cNvSpPr>
             <a:spLocks noGrp="1" noChangeArrowheads="1"/>
           </p:cNvSpPr>
@@ -1506,10 +1518,10 @@
           <a:bodyPr/>
           <a:lstStyle/>
           <a:p>
-            <a:fld id="{FDCDB1FB-B553-8842-96AB-B949BC658A96}" type="slidenum">
+            <a:fld id="{6551B35A-A25C-A94E-9FD5-654338FF1842}" type="slidenum">
               <a:rPr lang="en-US"/>
               <a:pPr/>
-              <a:t>16</a:t>
+              <a:t>15</a:t>
             </a:fld>
             <a:endParaRPr lang="en-US"/>
           </a:p>
@@ -1517,7 +1529,7 @@
       </p:sp>
       <p:sp>
         <p:nvSpPr>
-          <p:cNvPr id="87043" name="Rectangle 2"/>
+          <p:cNvPr id="82947" name="Rectangle 2"/>
           <p:cNvSpPr>
             <a:spLocks noGrp="1" noRot="1" noChangeAspect="1" noChangeArrowheads="1" noTextEdit="1"/>
           </p:cNvSpPr>
@@ -1531,7 +1543,7 @@
       </p:sp>
       <p:sp>
         <p:nvSpPr>
-          <p:cNvPr id="87044" name="Rectangle 3"/>
+          <p:cNvPr id="82948" name="Rectangle 3"/>
           <p:cNvSpPr>
             <a:spLocks noGrp="1" noChangeArrowheads="1"/>
           </p:cNvSpPr>
@@ -1579,7 +1591,7 @@
       </p:grpSpPr>
       <p:sp>
         <p:nvSpPr>
-          <p:cNvPr id="89090" name="Rectangle 7"/>
+          <p:cNvPr id="87042" name="Rectangle 7"/>
           <p:cNvSpPr>
             <a:spLocks noGrp="1" noChangeArrowheads="1"/>
           </p:cNvSpPr>
@@ -1594,10 +1606,10 @@
           <a:bodyPr/>
           <a:lstStyle/>
           <a:p>
-            <a:fld id="{7FB2B866-E83E-5A43-8CC5-7901D97D29F5}" type="slidenum">
+            <a:fld id="{FDCDB1FB-B553-8842-96AB-B949BC658A96}" type="slidenum">
               <a:rPr lang="en-US"/>
               <a:pPr/>
-              <a:t>17</a:t>
+              <a:t>16</a:t>
             </a:fld>
             <a:endParaRPr lang="en-US"/>
           </a:p>
@@ -1605,7 +1617,7 @@
       </p:sp>
       <p:sp>
         <p:nvSpPr>
-          <p:cNvPr id="89091" name="Rectangle 2"/>
+          <p:cNvPr id="87043" name="Rectangle 2"/>
           <p:cNvSpPr>
             <a:spLocks noGrp="1" noRot="1" noChangeAspect="1" noChangeArrowheads="1" noTextEdit="1"/>
           </p:cNvSpPr>
@@ -1619,7 +1631,7 @@
       </p:sp>
       <p:sp>
         <p:nvSpPr>
-          <p:cNvPr id="89092" name="Rectangle 3"/>
+          <p:cNvPr id="87044" name="Rectangle 3"/>
           <p:cNvSpPr>
             <a:spLocks noGrp="1" noChangeArrowheads="1"/>
           </p:cNvSpPr>
@@ -1667,7 +1679,7 @@
       </p:grpSpPr>
       <p:sp>
         <p:nvSpPr>
-          <p:cNvPr id="91138" name="Rectangle 7"/>
+          <p:cNvPr id="89090" name="Rectangle 7"/>
           <p:cNvSpPr>
             <a:spLocks noGrp="1" noChangeArrowheads="1"/>
           </p:cNvSpPr>
@@ -1682,10 +1694,10 @@
           <a:bodyPr/>
           <a:lstStyle/>
           <a:p>
-            <a:fld id="{EC8F4263-5B2E-CA40-9150-52BFC1C4104E}" type="slidenum">
+            <a:fld id="{7FB2B866-E83E-5A43-8CC5-7901D97D29F5}" type="slidenum">
               <a:rPr lang="en-US"/>
               <a:pPr/>
-              <a:t>18</a:t>
+              <a:t>17</a:t>
             </a:fld>
             <a:endParaRPr lang="en-US"/>
           </a:p>
@@ -1693,7 +1705,7 @@
       </p:sp>
       <p:sp>
         <p:nvSpPr>
-          <p:cNvPr id="91139" name="Rectangle 2"/>
+          <p:cNvPr id="89091" name="Rectangle 2"/>
           <p:cNvSpPr>
             <a:spLocks noGrp="1" noRot="1" noChangeAspect="1" noChangeArrowheads="1" noTextEdit="1"/>
           </p:cNvSpPr>
@@ -1707,7 +1719,7 @@
       </p:sp>
       <p:sp>
         <p:nvSpPr>
-          <p:cNvPr id="91140" name="Rectangle 3"/>
+          <p:cNvPr id="89092" name="Rectangle 3"/>
           <p:cNvSpPr>
             <a:spLocks noGrp="1" noChangeArrowheads="1"/>
           </p:cNvSpPr>
@@ -1755,7 +1767,7 @@
       </p:grpSpPr>
       <p:sp>
         <p:nvSpPr>
-          <p:cNvPr id="93186" name="Rectangle 7"/>
+          <p:cNvPr id="91138" name="Rectangle 7"/>
           <p:cNvSpPr>
             <a:spLocks noGrp="1" noChangeArrowheads="1"/>
           </p:cNvSpPr>
@@ -1770,10 +1782,10 @@
           <a:bodyPr/>
           <a:lstStyle/>
           <a:p>
-            <a:fld id="{61ABB749-D528-AD4D-9574-3C4930FCBF69}" type="slidenum">
+            <a:fld id="{EC8F4263-5B2E-CA40-9150-52BFC1C4104E}" type="slidenum">
               <a:rPr lang="en-US"/>
               <a:pPr/>
-              <a:t>19</a:t>
+              <a:t>18</a:t>
             </a:fld>
             <a:endParaRPr lang="en-US"/>
           </a:p>
@@ -1781,7 +1793,7 @@
       </p:sp>
       <p:sp>
         <p:nvSpPr>
-          <p:cNvPr id="93187" name="Rectangle 2"/>
+          <p:cNvPr id="91139" name="Rectangle 2"/>
           <p:cNvSpPr>
             <a:spLocks noGrp="1" noRot="1" noChangeAspect="1" noChangeArrowheads="1" noTextEdit="1"/>
           </p:cNvSpPr>
@@ -1795,7 +1807,7 @@
       </p:sp>
       <p:sp>
         <p:nvSpPr>
-          <p:cNvPr id="93188" name="Rectangle 3"/>
+          <p:cNvPr id="91140" name="Rectangle 3"/>
           <p:cNvSpPr>
             <a:spLocks noGrp="1" noChangeArrowheads="1"/>
           </p:cNvSpPr>
@@ -1843,7 +1855,7 @@
       </p:grpSpPr>
       <p:sp>
         <p:nvSpPr>
-          <p:cNvPr id="95234" name="Rectangle 7"/>
+          <p:cNvPr id="93186" name="Rectangle 7"/>
           <p:cNvSpPr>
             <a:spLocks noGrp="1" noChangeArrowheads="1"/>
           </p:cNvSpPr>
@@ -1858,10 +1870,10 @@
           <a:bodyPr/>
           <a:lstStyle/>
           <a:p>
-            <a:fld id="{0385F8AA-3268-C048-AE98-290B11BD1BCF}" type="slidenum">
+            <a:fld id="{61ABB749-D528-AD4D-9574-3C4930FCBF69}" type="slidenum">
               <a:rPr lang="en-US"/>
               <a:pPr/>
-              <a:t>20</a:t>
+              <a:t>19</a:t>
             </a:fld>
             <a:endParaRPr lang="en-US"/>
           </a:p>
@@ -1869,7 +1881,7 @@
       </p:sp>
       <p:sp>
         <p:nvSpPr>
-          <p:cNvPr id="95235" name="Rectangle 2"/>
+          <p:cNvPr id="93187" name="Rectangle 2"/>
           <p:cNvSpPr>
             <a:spLocks noGrp="1" noRot="1" noChangeAspect="1" noChangeArrowheads="1" noTextEdit="1"/>
           </p:cNvSpPr>
@@ -1883,7 +1895,7 @@
       </p:sp>
       <p:sp>
         <p:nvSpPr>
-          <p:cNvPr id="95236" name="Rectangle 3"/>
+          <p:cNvPr id="93188" name="Rectangle 3"/>
           <p:cNvSpPr>
             <a:spLocks noGrp="1" noChangeArrowheads="1"/>
           </p:cNvSpPr>
@@ -1957,19 +1969,8 @@
           <a:lstStyle/>
           <a:p>
             <a:r>
-              <a:rPr lang="en-IN" dirty="0" smtClean="0"/>
-              <a:t>LM can also help in augmentative and alternative communication systems. </a:t>
-            </a:r>
-            <a:r>
-              <a:rPr kumimoji="1" lang="en-US" sz="1200" b="0" i="0" u="none" strike="noStrike" kern="1200" baseline="0" dirty="0" smtClean="0">
-                <a:solidFill>
-                  <a:schemeClr val="tx1"/>
-                </a:solidFill>
-                <a:latin typeface="Arial" pitchFamily="-65" charset="0"/>
-                <a:ea typeface="ＭＳ Ｐゴシック" pitchFamily="-65" charset="-128"/>
-                <a:cs typeface="ＭＳ Ｐゴシック" pitchFamily="-65" charset="-128"/>
-              </a:rPr>
-              <a:t>People often use such AAC devices if they are physically unable to speak or sign but can instead use eye gaze or other specific movements to select words from a menu to be spoken by the system. Word prediction can be used to suggest likely words for the menu.</a:t>
+              <a:rPr lang="en-US" dirty="0"/>
+              <a:t>Probabilistic Language Model: Compute the Probability of Sentence or Sequence of words</a:t>
             </a:r>
             <a:endParaRPr lang="en-IN" dirty="0"/>
           </a:p>
@@ -1982,7 +1983,7 @@
             <a:spLocks noGrp="1"/>
           </p:cNvSpPr>
           <p:nvPr>
-            <p:ph type="sldNum" sz="quarter" idx="10"/>
+            <p:ph type="sldNum" sz="quarter" idx="5"/>
           </p:nvPr>
         </p:nvSpPr>
         <p:spPr/>
@@ -1993,7 +1994,7 @@
             <a:fld id="{3EB9031F-EB71-7642-8F3C-6FDC1408CB92}" type="slidenum">
               <a:rPr lang="en-US" smtClean="0"/>
               <a:pPr/>
-              <a:t>3</a:t>
+              <a:t>2</a:t>
             </a:fld>
             <a:endParaRPr lang="en-US"/>
           </a:p>
@@ -2002,7 +2003,7 @@
     </p:spTree>
     <p:extLst>
       <p:ext uri="{BB962C8B-B14F-4D97-AF65-F5344CB8AC3E}">
-        <p14:creationId xmlns:p14="http://schemas.microsoft.com/office/powerpoint/2010/main" val="2839502783"/>
+        <p14:creationId xmlns:p14="http://schemas.microsoft.com/office/powerpoint/2010/main" val="79473129"/>
       </p:ext>
     </p:extLst>
   </p:cSld>
@@ -2031,7 +2032,7 @@
       </p:grpSpPr>
       <p:sp>
         <p:nvSpPr>
-          <p:cNvPr id="123906" name="Rectangle 7"/>
+          <p:cNvPr id="95234" name="Rectangle 7"/>
           <p:cNvSpPr>
             <a:spLocks noGrp="1" noChangeArrowheads="1"/>
           </p:cNvSpPr>
@@ -2046,10 +2047,10 @@
           <a:bodyPr/>
           <a:lstStyle/>
           <a:p>
-            <a:fld id="{F5DA7D60-81B6-1445-80B8-DE5A6AFB51DE}" type="slidenum">
+            <a:fld id="{0385F8AA-3268-C048-AE98-290B11BD1BCF}" type="slidenum">
               <a:rPr lang="en-US"/>
               <a:pPr/>
-              <a:t>21</a:t>
+              <a:t>20</a:t>
             </a:fld>
             <a:endParaRPr lang="en-US"/>
           </a:p>
@@ -2057,24 +2058,21 @@
       </p:sp>
       <p:sp>
         <p:nvSpPr>
-          <p:cNvPr id="123907" name="Rectangle 2"/>
-          <p:cNvSpPr>
-            <a:spLocks noGrp="1" noRot="1" noChangeAspect="1" noChangeArrowheads="1"/>
+          <p:cNvPr id="95235" name="Rectangle 2"/>
+          <p:cNvSpPr>
+            <a:spLocks noGrp="1" noRot="1" noChangeAspect="1" noChangeArrowheads="1" noTextEdit="1"/>
           </p:cNvSpPr>
           <p:nvPr>
             <p:ph type="sldImg"/>
           </p:nvPr>
         </p:nvSpPr>
         <p:spPr>
-          <a:solidFill>
-            <a:srgbClr val="FFFFFF"/>
-          </a:solidFill>
           <a:ln/>
         </p:spPr>
       </p:sp>
       <p:sp>
         <p:nvSpPr>
-          <p:cNvPr id="123908" name="Rectangle 3"/>
+          <p:cNvPr id="95236" name="Rectangle 3"/>
           <p:cNvSpPr>
             <a:spLocks noGrp="1" noChangeArrowheads="1"/>
           </p:cNvSpPr>
@@ -2083,14 +2081,8 @@
           </p:nvPr>
         </p:nvSpPr>
         <p:spPr>
-          <a:solidFill>
-            <a:srgbClr val="FFFFFF"/>
-          </a:solidFill>
-          <a:ln>
-            <a:solidFill>
-              <a:srgbClr val="000000"/>
-            </a:solidFill>
-          </a:ln>
+          <a:noFill/>
+          <a:ln/>
         </p:spPr>
         <p:txBody>
           <a:bodyPr/>
@@ -2128,7 +2120,7 @@
       </p:grpSpPr>
       <p:sp>
         <p:nvSpPr>
-          <p:cNvPr id="125954" name="Rectangle 7"/>
+          <p:cNvPr id="123906" name="Rectangle 7"/>
           <p:cNvSpPr>
             <a:spLocks noGrp="1" noChangeArrowheads="1"/>
           </p:cNvSpPr>
@@ -2143,10 +2135,10 @@
           <a:bodyPr/>
           <a:lstStyle/>
           <a:p>
-            <a:fld id="{214F729A-4249-1742-AADD-33BB3B70F773}" type="slidenum">
+            <a:fld id="{F5DA7D60-81B6-1445-80B8-DE5A6AFB51DE}" type="slidenum">
               <a:rPr lang="en-US"/>
               <a:pPr/>
-              <a:t>22</a:t>
+              <a:t>21</a:t>
             </a:fld>
             <a:endParaRPr lang="en-US"/>
           </a:p>
@@ -2154,7 +2146,7 @@
       </p:sp>
       <p:sp>
         <p:nvSpPr>
-          <p:cNvPr id="125955" name="Rectangle 2"/>
+          <p:cNvPr id="123907" name="Rectangle 2"/>
           <p:cNvSpPr>
             <a:spLocks noGrp="1" noRot="1" noChangeAspect="1" noChangeArrowheads="1"/>
           </p:cNvSpPr>
@@ -2171,7 +2163,7 @@
       </p:sp>
       <p:sp>
         <p:nvSpPr>
-          <p:cNvPr id="125956" name="Rectangle 3"/>
+          <p:cNvPr id="123908" name="Rectangle 3"/>
           <p:cNvSpPr>
             <a:spLocks noGrp="1" noChangeArrowheads="1"/>
           </p:cNvSpPr>
@@ -2225,7 +2217,7 @@
       </p:grpSpPr>
       <p:sp>
         <p:nvSpPr>
-          <p:cNvPr id="128002" name="Rectangle 7"/>
+          <p:cNvPr id="125954" name="Rectangle 7"/>
           <p:cNvSpPr>
             <a:spLocks noGrp="1" noChangeArrowheads="1"/>
           </p:cNvSpPr>
@@ -2240,10 +2232,10 @@
           <a:bodyPr/>
           <a:lstStyle/>
           <a:p>
-            <a:fld id="{E4859A4C-9875-4B42-BF3D-1C5A14F9F2BD}" type="slidenum">
+            <a:fld id="{214F729A-4249-1742-AADD-33BB3B70F773}" type="slidenum">
               <a:rPr lang="en-US"/>
               <a:pPr/>
-              <a:t>23</a:t>
+              <a:t>22</a:t>
             </a:fld>
             <a:endParaRPr lang="en-US"/>
           </a:p>
@@ -2251,7 +2243,7 @@
       </p:sp>
       <p:sp>
         <p:nvSpPr>
-          <p:cNvPr id="128003" name="Rectangle 2"/>
+          <p:cNvPr id="125955" name="Rectangle 2"/>
           <p:cNvSpPr>
             <a:spLocks noGrp="1" noRot="1" noChangeAspect="1" noChangeArrowheads="1"/>
           </p:cNvSpPr>
@@ -2268,7 +2260,7 @@
       </p:sp>
       <p:sp>
         <p:nvSpPr>
-          <p:cNvPr id="128004" name="Rectangle 3"/>
+          <p:cNvPr id="125956" name="Rectangle 3"/>
           <p:cNvSpPr>
             <a:spLocks noGrp="1" noChangeArrowheads="1"/>
           </p:cNvSpPr>
@@ -2322,7 +2314,7 @@
       </p:grpSpPr>
       <p:sp>
         <p:nvSpPr>
-          <p:cNvPr id="17410" name="Rectangle 7"/>
+          <p:cNvPr id="128002" name="Rectangle 7"/>
           <p:cNvSpPr>
             <a:spLocks noGrp="1" noChangeArrowheads="1"/>
           </p:cNvSpPr>
@@ -2337,10 +2329,10 @@
           <a:bodyPr/>
           <a:lstStyle/>
           <a:p>
-            <a:fld id="{78DD14ED-9F17-3C4B-92FE-F8C6D73CA7E0}" type="slidenum">
+            <a:fld id="{E4859A4C-9875-4B42-BF3D-1C5A14F9F2BD}" type="slidenum">
               <a:rPr lang="en-US"/>
               <a:pPr/>
-              <a:t>25</a:t>
+              <a:t>23</a:t>
             </a:fld>
             <a:endParaRPr lang="en-US"/>
           </a:p>
@@ -2348,21 +2340,24 @@
       </p:sp>
       <p:sp>
         <p:nvSpPr>
-          <p:cNvPr id="17411" name="Rectangle 2"/>
-          <p:cNvSpPr>
-            <a:spLocks noGrp="1" noRot="1" noChangeAspect="1" noChangeArrowheads="1" noTextEdit="1"/>
+          <p:cNvPr id="128003" name="Rectangle 2"/>
+          <p:cNvSpPr>
+            <a:spLocks noGrp="1" noRot="1" noChangeAspect="1" noChangeArrowheads="1"/>
           </p:cNvSpPr>
           <p:nvPr>
             <p:ph type="sldImg"/>
           </p:nvPr>
         </p:nvSpPr>
         <p:spPr>
+          <a:solidFill>
+            <a:srgbClr val="FFFFFF"/>
+          </a:solidFill>
           <a:ln/>
         </p:spPr>
       </p:sp>
       <p:sp>
         <p:nvSpPr>
-          <p:cNvPr id="17412" name="Rectangle 3"/>
+          <p:cNvPr id="128004" name="Rectangle 3"/>
           <p:cNvSpPr>
             <a:spLocks noGrp="1" noChangeArrowheads="1"/>
           </p:cNvSpPr>
@@ -2371,8 +2366,14 @@
           </p:nvPr>
         </p:nvSpPr>
         <p:spPr>
-          <a:noFill/>
-          <a:ln/>
+          <a:solidFill>
+            <a:srgbClr val="FFFFFF"/>
+          </a:solidFill>
+          <a:ln>
+            <a:solidFill>
+              <a:srgbClr val="000000"/>
+            </a:solidFill>
+          </a:ln>
         </p:spPr>
         <p:txBody>
           <a:bodyPr/>
@@ -2428,7 +2429,7 @@
             <a:fld id="{78DD14ED-9F17-3C4B-92FE-F8C6D73CA7E0}" type="slidenum">
               <a:rPr lang="en-US"/>
               <a:pPr/>
-              <a:t>26</a:t>
+              <a:t>25</a:t>
             </a:fld>
             <a:endParaRPr lang="en-US"/>
           </a:p>
@@ -2498,7 +2499,7 @@
       </p:grpSpPr>
       <p:sp>
         <p:nvSpPr>
-          <p:cNvPr id="132098" name="Rectangle 7"/>
+          <p:cNvPr id="17410" name="Rectangle 7"/>
           <p:cNvSpPr>
             <a:spLocks noGrp="1" noChangeArrowheads="1"/>
           </p:cNvSpPr>
@@ -2513,10 +2514,10 @@
           <a:bodyPr/>
           <a:lstStyle/>
           <a:p>
-            <a:fld id="{72E30983-8456-3646-A731-6FFF29DE70A4}" type="slidenum">
+            <a:fld id="{78DD14ED-9F17-3C4B-92FE-F8C6D73CA7E0}" type="slidenum">
               <a:rPr lang="en-US"/>
               <a:pPr/>
-              <a:t>27</a:t>
+              <a:t>26</a:t>
             </a:fld>
             <a:endParaRPr lang="en-US"/>
           </a:p>
@@ -2524,7 +2525,7 @@
       </p:sp>
       <p:sp>
         <p:nvSpPr>
-          <p:cNvPr id="132099" name="Rectangle 2"/>
+          <p:cNvPr id="17411" name="Rectangle 2"/>
           <p:cNvSpPr>
             <a:spLocks noGrp="1" noRot="1" noChangeAspect="1" noChangeArrowheads="1" noTextEdit="1"/>
           </p:cNvSpPr>
@@ -2538,7 +2539,7 @@
       </p:sp>
       <p:sp>
         <p:nvSpPr>
-          <p:cNvPr id="132100" name="Rectangle 3"/>
+          <p:cNvPr id="17412" name="Rectangle 3"/>
           <p:cNvSpPr>
             <a:spLocks noGrp="1" noChangeArrowheads="1"/>
           </p:cNvSpPr>
@@ -2586,7 +2587,7 @@
       </p:grpSpPr>
       <p:sp>
         <p:nvSpPr>
-          <p:cNvPr id="134146" name="Rectangle 7"/>
+          <p:cNvPr id="132098" name="Rectangle 7"/>
           <p:cNvSpPr>
             <a:spLocks noGrp="1" noChangeArrowheads="1"/>
           </p:cNvSpPr>
@@ -2601,10 +2602,10 @@
           <a:bodyPr/>
           <a:lstStyle/>
           <a:p>
-            <a:fld id="{3A8AC387-3E46-1143-BAAD-D9B1D56CD6CB}" type="slidenum">
+            <a:fld id="{72E30983-8456-3646-A731-6FFF29DE70A4}" type="slidenum">
               <a:rPr lang="en-US"/>
               <a:pPr/>
-              <a:t>28</a:t>
+              <a:t>27</a:t>
             </a:fld>
             <a:endParaRPr lang="en-US"/>
           </a:p>
@@ -2612,24 +2613,21 @@
       </p:sp>
       <p:sp>
         <p:nvSpPr>
-          <p:cNvPr id="134147" name="Rectangle 2"/>
-          <p:cNvSpPr>
-            <a:spLocks noGrp="1" noRot="1" noChangeAspect="1" noChangeArrowheads="1"/>
+          <p:cNvPr id="132099" name="Rectangle 2"/>
+          <p:cNvSpPr>
+            <a:spLocks noGrp="1" noRot="1" noChangeAspect="1" noChangeArrowheads="1" noTextEdit="1"/>
           </p:cNvSpPr>
           <p:nvPr>
             <p:ph type="sldImg"/>
           </p:nvPr>
         </p:nvSpPr>
         <p:spPr>
-          <a:solidFill>
-            <a:srgbClr val="FFFFFF"/>
-          </a:solidFill>
           <a:ln/>
         </p:spPr>
       </p:sp>
       <p:sp>
         <p:nvSpPr>
-          <p:cNvPr id="134148" name="Rectangle 3"/>
+          <p:cNvPr id="132100" name="Rectangle 3"/>
           <p:cNvSpPr>
             <a:spLocks noGrp="1" noChangeArrowheads="1"/>
           </p:cNvSpPr>
@@ -2638,14 +2636,8 @@
           </p:nvPr>
         </p:nvSpPr>
         <p:spPr>
-          <a:solidFill>
-            <a:srgbClr val="FFFFFF"/>
-          </a:solidFill>
-          <a:ln>
-            <a:solidFill>
-              <a:srgbClr val="000000"/>
-            </a:solidFill>
-          </a:ln>
+          <a:noFill/>
+          <a:ln/>
         </p:spPr>
         <p:txBody>
           <a:bodyPr/>
@@ -2683,7 +2675,7 @@
       </p:grpSpPr>
       <p:sp>
         <p:nvSpPr>
-          <p:cNvPr id="136194" name="Rectangle 7"/>
+          <p:cNvPr id="134146" name="Rectangle 7"/>
           <p:cNvSpPr>
             <a:spLocks noGrp="1" noChangeArrowheads="1"/>
           </p:cNvSpPr>
@@ -2698,10 +2690,10 @@
           <a:bodyPr/>
           <a:lstStyle/>
           <a:p>
-            <a:fld id="{EAC2B776-986B-2545-8075-7FDAA4407823}" type="slidenum">
+            <a:fld id="{3A8AC387-3E46-1143-BAAD-D9B1D56CD6CB}" type="slidenum">
               <a:rPr lang="en-US"/>
               <a:pPr/>
-              <a:t>29</a:t>
+              <a:t>28</a:t>
             </a:fld>
             <a:endParaRPr lang="en-US"/>
           </a:p>
@@ -2709,7 +2701,7 @@
       </p:sp>
       <p:sp>
         <p:nvSpPr>
-          <p:cNvPr id="136195" name="Rectangle 2"/>
+          <p:cNvPr id="134147" name="Rectangle 2"/>
           <p:cNvSpPr>
             <a:spLocks noGrp="1" noRot="1" noChangeAspect="1" noChangeArrowheads="1"/>
           </p:cNvSpPr>
@@ -2726,7 +2718,7 @@
       </p:sp>
       <p:sp>
         <p:nvSpPr>
-          <p:cNvPr id="136196" name="Rectangle 3"/>
+          <p:cNvPr id="134148" name="Rectangle 3"/>
           <p:cNvSpPr>
             <a:spLocks noGrp="1" noChangeArrowheads="1"/>
           </p:cNvSpPr>
@@ -2780,7 +2772,7 @@
       </p:grpSpPr>
       <p:sp>
         <p:nvSpPr>
-          <p:cNvPr id="138242" name="Rectangle 7"/>
+          <p:cNvPr id="136194" name="Rectangle 7"/>
           <p:cNvSpPr>
             <a:spLocks noGrp="1" noChangeArrowheads="1"/>
           </p:cNvSpPr>
@@ -2795,10 +2787,10 @@
           <a:bodyPr/>
           <a:lstStyle/>
           <a:p>
-            <a:fld id="{833EBD86-0A01-3B4B-B540-6B90BD60E5F2}" type="slidenum">
+            <a:fld id="{EAC2B776-986B-2545-8075-7FDAA4407823}" type="slidenum">
               <a:rPr lang="en-US"/>
               <a:pPr/>
-              <a:t>31</a:t>
+              <a:t>29</a:t>
             </a:fld>
             <a:endParaRPr lang="en-US"/>
           </a:p>
@@ -2806,7 +2798,7 @@
       </p:sp>
       <p:sp>
         <p:nvSpPr>
-          <p:cNvPr id="138243" name="Rectangle 2"/>
+          <p:cNvPr id="136195" name="Rectangle 2"/>
           <p:cNvSpPr>
             <a:spLocks noGrp="1" noRot="1" noChangeAspect="1" noChangeArrowheads="1"/>
           </p:cNvSpPr>
@@ -2823,7 +2815,7 @@
       </p:sp>
       <p:sp>
         <p:nvSpPr>
-          <p:cNvPr id="138244" name="Rectangle 3"/>
+          <p:cNvPr id="136196" name="Rectangle 3"/>
           <p:cNvSpPr>
             <a:spLocks noGrp="1" noChangeArrowheads="1"/>
           </p:cNvSpPr>
@@ -2877,7 +2869,7 @@
       </p:grpSpPr>
       <p:sp>
         <p:nvSpPr>
-          <p:cNvPr id="140290" name="Rectangle 7"/>
+          <p:cNvPr id="138242" name="Rectangle 7"/>
           <p:cNvSpPr>
             <a:spLocks noGrp="1" noChangeArrowheads="1"/>
           </p:cNvSpPr>
@@ -2892,10 +2884,10 @@
           <a:bodyPr/>
           <a:lstStyle/>
           <a:p>
-            <a:fld id="{517E7037-918C-AD43-B18B-F7E97BD73A15}" type="slidenum">
+            <a:fld id="{833EBD86-0A01-3B4B-B540-6B90BD60E5F2}" type="slidenum">
               <a:rPr lang="en-US"/>
               <a:pPr/>
-              <a:t>32</a:t>
+              <a:t>31</a:t>
             </a:fld>
             <a:endParaRPr lang="en-US"/>
           </a:p>
@@ -2903,7 +2895,7 @@
       </p:sp>
       <p:sp>
         <p:nvSpPr>
-          <p:cNvPr id="140291" name="Rectangle 2"/>
+          <p:cNvPr id="138243" name="Rectangle 2"/>
           <p:cNvSpPr>
             <a:spLocks noGrp="1" noRot="1" noChangeAspect="1" noChangeArrowheads="1"/>
           </p:cNvSpPr>
@@ -2920,7 +2912,7 @@
       </p:sp>
       <p:sp>
         <p:nvSpPr>
-          <p:cNvPr id="140292" name="Rectangle 3"/>
+          <p:cNvPr id="138244" name="Rectangle 3"/>
           <p:cNvSpPr>
             <a:spLocks noGrp="1" noChangeArrowheads="1"/>
           </p:cNvSpPr>
@@ -2948,11 +2940,6 @@
         </p:txBody>
       </p:sp>
     </p:spTree>
-    <p:extLst>
-      <p:ext uri="{BB962C8B-B14F-4D97-AF65-F5344CB8AC3E}">
-        <p14:creationId xmlns:p14="http://schemas.microsoft.com/office/powerpoint/2010/main" val="2691778896"/>
-      </p:ext>
-    </p:extLst>
   </p:cSld>
   <p:clrMapOvr>
     <a:masterClrMapping/>
@@ -2979,77 +2966,80 @@
       </p:grpSpPr>
       <p:sp>
         <p:nvSpPr>
-          <p:cNvPr id="64514" name="Rectangle 7"/>
-          <p:cNvSpPr>
-            <a:spLocks noGrp="1" noChangeArrowheads="1"/>
-          </p:cNvSpPr>
-          <p:nvPr>
-            <p:ph type="sldNum" sz="quarter" idx="5"/>
-          </p:nvPr>
-        </p:nvSpPr>
-        <p:spPr>
-          <a:noFill/>
-        </p:spPr>
+          <p:cNvPr id="2" name="Slide Image Placeholder 1"/>
+          <p:cNvSpPr>
+            <a:spLocks noGrp="1" noRot="1" noChangeAspect="1"/>
+          </p:cNvSpPr>
+          <p:nvPr>
+            <p:ph type="sldImg"/>
+          </p:nvPr>
+        </p:nvSpPr>
+        <p:spPr/>
+      </p:sp>
+      <p:sp>
+        <p:nvSpPr>
+          <p:cNvPr id="3" name="Notes Placeholder 2"/>
+          <p:cNvSpPr>
+            <a:spLocks noGrp="1"/>
+          </p:cNvSpPr>
+          <p:nvPr>
+            <p:ph type="body" idx="1"/>
+          </p:nvPr>
+        </p:nvSpPr>
+        <p:spPr/>
         <p:txBody>
           <a:bodyPr/>
           <a:lstStyle/>
           <a:p>
-            <a:fld id="{E357E1AA-3B5C-7144-BCE2-DB2BE2D704A0}" type="slidenum">
-              <a:rPr lang="en-US"/>
+            <a:r>
+              <a:rPr lang="en-IN" dirty="0"/>
+              <a:t>LM can also help in augmentative and alternative communication systems. </a:t>
+            </a:r>
+            <a:r>
+              <a:rPr kumimoji="1" lang="en-US" sz="1200" b="0" i="0" u="none" strike="noStrike" kern="1200" baseline="0" dirty="0">
+                <a:solidFill>
+                  <a:schemeClr val="tx1"/>
+                </a:solidFill>
+                <a:latin typeface="Arial" pitchFamily="-65" charset="0"/>
+                <a:ea typeface="ＭＳ Ｐゴシック" pitchFamily="-65" charset="-128"/>
+                <a:cs typeface="ＭＳ Ｐゴシック" pitchFamily="-65" charset="-128"/>
+              </a:rPr>
+              <a:t>People often use such AAC devices if they are physically unable to speak or sign but can instead use eye gaze or other specific movements to select words from a menu to be spoken by the system. Word prediction can be used to suggest likely words for the menu.</a:t>
+            </a:r>
+            <a:endParaRPr lang="en-IN" dirty="0"/>
+          </a:p>
+        </p:txBody>
+      </p:sp>
+      <p:sp>
+        <p:nvSpPr>
+          <p:cNvPr id="4" name="Slide Number Placeholder 3"/>
+          <p:cNvSpPr>
+            <a:spLocks noGrp="1"/>
+          </p:cNvSpPr>
+          <p:nvPr>
+            <p:ph type="sldNum" sz="quarter" idx="10"/>
+          </p:nvPr>
+        </p:nvSpPr>
+        <p:spPr/>
+        <p:txBody>
+          <a:bodyPr/>
+          <a:lstStyle/>
+          <a:p>
+            <a:fld id="{3EB9031F-EB71-7642-8F3C-6FDC1408CB92}" type="slidenum">
+              <a:rPr lang="en-US" smtClean="0"/>
               <a:pPr/>
-              <a:t>4</a:t>
+              <a:t>3</a:t>
             </a:fld>
             <a:endParaRPr lang="en-US"/>
           </a:p>
         </p:txBody>
       </p:sp>
-      <p:sp>
-        <p:nvSpPr>
-          <p:cNvPr id="64515" name="Rectangle 2"/>
-          <p:cNvSpPr>
-            <a:spLocks noGrp="1" noRot="1" noChangeAspect="1" noChangeArrowheads="1"/>
-          </p:cNvSpPr>
-          <p:nvPr>
-            <p:ph type="sldImg"/>
-          </p:nvPr>
-        </p:nvSpPr>
-        <p:spPr>
-          <a:solidFill>
-            <a:srgbClr val="FFFFFF"/>
-          </a:solidFill>
-          <a:ln/>
-        </p:spPr>
-      </p:sp>
-      <p:sp>
-        <p:nvSpPr>
-          <p:cNvPr id="64516" name="Rectangle 3"/>
-          <p:cNvSpPr>
-            <a:spLocks noGrp="1" noChangeArrowheads="1"/>
-          </p:cNvSpPr>
-          <p:nvPr>
-            <p:ph type="body" idx="1"/>
-          </p:nvPr>
-        </p:nvSpPr>
-        <p:spPr>
-          <a:solidFill>
-            <a:srgbClr val="FFFFFF"/>
-          </a:solidFill>
-          <a:ln>
-            <a:solidFill>
-              <a:srgbClr val="000000"/>
-            </a:solidFill>
-          </a:ln>
-        </p:spPr>
-        <p:txBody>
-          <a:bodyPr/>
-          <a:lstStyle/>
-          <a:p>
-            <a:pPr eaLnBrk="1" hangingPunct="1"/>
-            <a:endParaRPr lang="en-US"/>
-          </a:p>
-        </p:txBody>
-      </p:sp>
     </p:spTree>
+    <p:extLst>
+      <p:ext uri="{BB962C8B-B14F-4D97-AF65-F5344CB8AC3E}">
+        <p14:creationId xmlns:p14="http://schemas.microsoft.com/office/powerpoint/2010/main" val="2839502783"/>
+      </p:ext>
+    </p:extLst>
   </p:cSld>
   <p:clrMapOvr>
     <a:masterClrMapping/>
@@ -3094,7 +3084,7 @@
             <a:fld id="{517E7037-918C-AD43-B18B-F7E97BD73A15}" type="slidenum">
               <a:rPr lang="en-US"/>
               <a:pPr/>
-              <a:t>33</a:t>
+              <a:t>32</a:t>
             </a:fld>
             <a:endParaRPr lang="en-US"/>
           </a:p>
@@ -3149,7 +3139,7 @@
     </p:spTree>
     <p:extLst>
       <p:ext uri="{BB962C8B-B14F-4D97-AF65-F5344CB8AC3E}">
-        <p14:creationId xmlns:p14="http://schemas.microsoft.com/office/powerpoint/2010/main" val="4264701639"/>
+        <p14:creationId xmlns:p14="http://schemas.microsoft.com/office/powerpoint/2010/main" val="2691778896"/>
       </p:ext>
     </p:extLst>
   </p:cSld>
@@ -3178,7 +3168,7 @@
       </p:grpSpPr>
       <p:sp>
         <p:nvSpPr>
-          <p:cNvPr id="142338" name="Rectangle 7"/>
+          <p:cNvPr id="140290" name="Rectangle 7"/>
           <p:cNvSpPr>
             <a:spLocks noGrp="1" noChangeArrowheads="1"/>
           </p:cNvSpPr>
@@ -3193,10 +3183,10 @@
           <a:bodyPr/>
           <a:lstStyle/>
           <a:p>
-            <a:fld id="{089A74BD-9984-AD46-A37E-56B3C0F9FC15}" type="slidenum">
+            <a:fld id="{517E7037-918C-AD43-B18B-F7E97BD73A15}" type="slidenum">
               <a:rPr lang="en-US"/>
               <a:pPr/>
-              <a:t>34</a:t>
+              <a:t>33</a:t>
             </a:fld>
             <a:endParaRPr lang="en-US"/>
           </a:p>
@@ -3204,21 +3194,24 @@
       </p:sp>
       <p:sp>
         <p:nvSpPr>
-          <p:cNvPr id="142339" name="Rectangle 2"/>
-          <p:cNvSpPr>
-            <a:spLocks noGrp="1" noRot="1" noChangeAspect="1" noChangeArrowheads="1" noTextEdit="1"/>
+          <p:cNvPr id="140291" name="Rectangle 2"/>
+          <p:cNvSpPr>
+            <a:spLocks noGrp="1" noRot="1" noChangeAspect="1" noChangeArrowheads="1"/>
           </p:cNvSpPr>
           <p:nvPr>
             <p:ph type="sldImg"/>
           </p:nvPr>
         </p:nvSpPr>
         <p:spPr>
+          <a:solidFill>
+            <a:srgbClr val="FFFFFF"/>
+          </a:solidFill>
           <a:ln/>
         </p:spPr>
       </p:sp>
       <p:sp>
         <p:nvSpPr>
-          <p:cNvPr id="142340" name="Rectangle 3"/>
+          <p:cNvPr id="140292" name="Rectangle 3"/>
           <p:cNvSpPr>
             <a:spLocks noGrp="1" noChangeArrowheads="1"/>
           </p:cNvSpPr>
@@ -3227,19 +3220,30 @@
           </p:nvPr>
         </p:nvSpPr>
         <p:spPr>
-          <a:noFill/>
-          <a:ln/>
+          <a:solidFill>
+            <a:srgbClr val="FFFFFF"/>
+          </a:solidFill>
+          <a:ln>
+            <a:solidFill>
+              <a:srgbClr val="000000"/>
+            </a:solidFill>
+          </a:ln>
         </p:spPr>
         <p:txBody>
           <a:bodyPr/>
           <a:lstStyle/>
           <a:p>
             <a:pPr eaLnBrk="1" hangingPunct="1"/>
-            <a:endParaRPr lang="en-US" dirty="0"/>
+            <a:endParaRPr lang="en-US"/>
           </a:p>
         </p:txBody>
       </p:sp>
     </p:spTree>
+    <p:extLst>
+      <p:ext uri="{BB962C8B-B14F-4D97-AF65-F5344CB8AC3E}">
+        <p14:creationId xmlns:p14="http://schemas.microsoft.com/office/powerpoint/2010/main" val="4264701639"/>
+      </p:ext>
+    </p:extLst>
   </p:cSld>
   <p:clrMapOvr>
     <a:masterClrMapping/>
@@ -3266,7 +3270,7 @@
       </p:grpSpPr>
       <p:sp>
         <p:nvSpPr>
-          <p:cNvPr id="144386" name="Rectangle 7"/>
+          <p:cNvPr id="142338" name="Rectangle 7"/>
           <p:cNvSpPr>
             <a:spLocks noGrp="1" noChangeArrowheads="1"/>
           </p:cNvSpPr>
@@ -3281,10 +3285,10 @@
           <a:bodyPr/>
           <a:lstStyle/>
           <a:p>
-            <a:fld id="{C073864A-ADC2-1B43-A5CC-41DA2E2D0DBB}" type="slidenum">
+            <a:fld id="{089A74BD-9984-AD46-A37E-56B3C0F9FC15}" type="slidenum">
               <a:rPr lang="en-US"/>
               <a:pPr/>
-              <a:t>35</a:t>
+              <a:t>34</a:t>
             </a:fld>
             <a:endParaRPr lang="en-US"/>
           </a:p>
@@ -3292,7 +3296,7 @@
       </p:sp>
       <p:sp>
         <p:nvSpPr>
-          <p:cNvPr id="144387" name="Rectangle 2"/>
+          <p:cNvPr id="142339" name="Rectangle 2"/>
           <p:cNvSpPr>
             <a:spLocks noGrp="1" noRot="1" noChangeAspect="1" noChangeArrowheads="1" noTextEdit="1"/>
           </p:cNvSpPr>
@@ -3306,7 +3310,7 @@
       </p:sp>
       <p:sp>
         <p:nvSpPr>
-          <p:cNvPr id="144388" name="Rectangle 3"/>
+          <p:cNvPr id="142340" name="Rectangle 3"/>
           <p:cNvSpPr>
             <a:spLocks noGrp="1" noChangeArrowheads="1"/>
           </p:cNvSpPr>
@@ -3323,7 +3327,7 @@
           <a:lstStyle/>
           <a:p>
             <a:pPr eaLnBrk="1" hangingPunct="1"/>
-            <a:endParaRPr lang="en-US"/>
+            <a:endParaRPr lang="en-US" dirty="0"/>
           </a:p>
         </p:txBody>
       </p:sp>
@@ -3354,7 +3358,7 @@
       </p:grpSpPr>
       <p:sp>
         <p:nvSpPr>
-          <p:cNvPr id="17410" name="Rectangle 7"/>
+          <p:cNvPr id="144386" name="Rectangle 7"/>
           <p:cNvSpPr>
             <a:spLocks noGrp="1" noChangeArrowheads="1"/>
           </p:cNvSpPr>
@@ -3369,10 +3373,10 @@
           <a:bodyPr/>
           <a:lstStyle/>
           <a:p>
-            <a:fld id="{78DD14ED-9F17-3C4B-92FE-F8C6D73CA7E0}" type="slidenum">
+            <a:fld id="{C073864A-ADC2-1B43-A5CC-41DA2E2D0DBB}" type="slidenum">
               <a:rPr lang="en-US"/>
               <a:pPr/>
-              <a:t>36</a:t>
+              <a:t>35</a:t>
             </a:fld>
             <a:endParaRPr lang="en-US"/>
           </a:p>
@@ -3380,7 +3384,7 @@
       </p:sp>
       <p:sp>
         <p:nvSpPr>
-          <p:cNvPr id="17411" name="Rectangle 2"/>
+          <p:cNvPr id="144387" name="Rectangle 2"/>
           <p:cNvSpPr>
             <a:spLocks noGrp="1" noRot="1" noChangeAspect="1" noChangeArrowheads="1" noTextEdit="1"/>
           </p:cNvSpPr>
@@ -3394,7 +3398,7 @@
       </p:sp>
       <p:sp>
         <p:nvSpPr>
-          <p:cNvPr id="17412" name="Rectangle 3"/>
+          <p:cNvPr id="144388" name="Rectangle 3"/>
           <p:cNvSpPr>
             <a:spLocks noGrp="1" noChangeArrowheads="1"/>
           </p:cNvSpPr>
@@ -3460,7 +3464,7 @@
             <a:fld id="{78DD14ED-9F17-3C4B-92FE-F8C6D73CA7E0}" type="slidenum">
               <a:rPr lang="en-US"/>
               <a:pPr/>
-              <a:t>37</a:t>
+              <a:t>36</a:t>
             </a:fld>
             <a:endParaRPr lang="en-US"/>
           </a:p>
@@ -3530,7 +3534,7 @@
       </p:grpSpPr>
       <p:sp>
         <p:nvSpPr>
-          <p:cNvPr id="97282" name="Rectangle 7"/>
+          <p:cNvPr id="17410" name="Rectangle 7"/>
           <p:cNvSpPr>
             <a:spLocks noGrp="1" noChangeArrowheads="1"/>
           </p:cNvSpPr>
@@ -3545,10 +3549,10 @@
           <a:bodyPr/>
           <a:lstStyle/>
           <a:p>
-            <a:fld id="{74D3ED4E-DB9F-744D-9849-EACE796ACD8F}" type="slidenum">
+            <a:fld id="{78DD14ED-9F17-3C4B-92FE-F8C6D73CA7E0}" type="slidenum">
               <a:rPr lang="en-US"/>
               <a:pPr/>
-              <a:t>38</a:t>
+              <a:t>37</a:t>
             </a:fld>
             <a:endParaRPr lang="en-US"/>
           </a:p>
@@ -3556,7 +3560,7 @@
       </p:sp>
       <p:sp>
         <p:nvSpPr>
-          <p:cNvPr id="97283" name="Rectangle 2"/>
+          <p:cNvPr id="17411" name="Rectangle 2"/>
           <p:cNvSpPr>
             <a:spLocks noGrp="1" noRot="1" noChangeAspect="1" noChangeArrowheads="1" noTextEdit="1"/>
           </p:cNvSpPr>
@@ -3570,7 +3574,7 @@
       </p:sp>
       <p:sp>
         <p:nvSpPr>
-          <p:cNvPr id="97284" name="Rectangle 3"/>
+          <p:cNvPr id="17412" name="Rectangle 3"/>
           <p:cNvSpPr>
             <a:spLocks noGrp="1" noChangeArrowheads="1"/>
           </p:cNvSpPr>
@@ -3618,7 +3622,7 @@
       </p:grpSpPr>
       <p:sp>
         <p:nvSpPr>
-          <p:cNvPr id="99330" name="Rectangle 7"/>
+          <p:cNvPr id="97282" name="Rectangle 7"/>
           <p:cNvSpPr>
             <a:spLocks noGrp="1" noChangeArrowheads="1"/>
           </p:cNvSpPr>
@@ -3633,10 +3637,10 @@
           <a:bodyPr/>
           <a:lstStyle/>
           <a:p>
-            <a:fld id="{CAE80086-1B83-2040-8086-B47A972B7777}" type="slidenum">
+            <a:fld id="{74D3ED4E-DB9F-744D-9849-EACE796ACD8F}" type="slidenum">
               <a:rPr lang="en-US"/>
               <a:pPr/>
-              <a:t>39</a:t>
+              <a:t>38</a:t>
             </a:fld>
             <a:endParaRPr lang="en-US"/>
           </a:p>
@@ -3644,7 +3648,7 @@
       </p:sp>
       <p:sp>
         <p:nvSpPr>
-          <p:cNvPr id="99331" name="Rectangle 2"/>
+          <p:cNvPr id="97283" name="Rectangle 2"/>
           <p:cNvSpPr>
             <a:spLocks noGrp="1" noRot="1" noChangeAspect="1" noChangeArrowheads="1" noTextEdit="1"/>
           </p:cNvSpPr>
@@ -3658,7 +3662,7 @@
       </p:sp>
       <p:sp>
         <p:nvSpPr>
-          <p:cNvPr id="99332" name="Rectangle 3"/>
+          <p:cNvPr id="97284" name="Rectangle 3"/>
           <p:cNvSpPr>
             <a:spLocks noGrp="1" noChangeArrowheads="1"/>
           </p:cNvSpPr>
@@ -3706,7 +3710,7 @@
       </p:grpSpPr>
       <p:sp>
         <p:nvSpPr>
-          <p:cNvPr id="101378" name="Rectangle 7"/>
+          <p:cNvPr id="99330" name="Rectangle 7"/>
           <p:cNvSpPr>
             <a:spLocks noGrp="1" noChangeArrowheads="1"/>
           </p:cNvSpPr>
@@ -3721,10 +3725,10 @@
           <a:bodyPr/>
           <a:lstStyle/>
           <a:p>
-            <a:fld id="{C80D5628-1D87-E04A-B86B-0EF3EEC2AD53}" type="slidenum">
+            <a:fld id="{CAE80086-1B83-2040-8086-B47A972B7777}" type="slidenum">
               <a:rPr lang="en-US"/>
               <a:pPr/>
-              <a:t>40</a:t>
+              <a:t>39</a:t>
             </a:fld>
             <a:endParaRPr lang="en-US"/>
           </a:p>
@@ -3732,7 +3736,7 @@
       </p:sp>
       <p:sp>
         <p:nvSpPr>
-          <p:cNvPr id="101379" name="Rectangle 2"/>
+          <p:cNvPr id="99331" name="Rectangle 2"/>
           <p:cNvSpPr>
             <a:spLocks noGrp="1" noRot="1" noChangeAspect="1" noChangeArrowheads="1" noTextEdit="1"/>
           </p:cNvSpPr>
@@ -3746,7 +3750,7 @@
       </p:sp>
       <p:sp>
         <p:nvSpPr>
-          <p:cNvPr id="101380" name="Rectangle 3"/>
+          <p:cNvPr id="99332" name="Rectangle 3"/>
           <p:cNvSpPr>
             <a:spLocks noGrp="1" noChangeArrowheads="1"/>
           </p:cNvSpPr>
@@ -3794,7 +3798,7 @@
       </p:grpSpPr>
       <p:sp>
         <p:nvSpPr>
-          <p:cNvPr id="103426" name="Rectangle 7"/>
+          <p:cNvPr id="101378" name="Rectangle 7"/>
           <p:cNvSpPr>
             <a:spLocks noGrp="1" noChangeArrowheads="1"/>
           </p:cNvSpPr>
@@ -3809,10 +3813,10 @@
           <a:bodyPr/>
           <a:lstStyle/>
           <a:p>
-            <a:fld id="{429AE968-BC95-3747-90B0-3E8B9B166255}" type="slidenum">
+            <a:fld id="{C80D5628-1D87-E04A-B86B-0EF3EEC2AD53}" type="slidenum">
               <a:rPr lang="en-US"/>
               <a:pPr/>
-              <a:t>41</a:t>
+              <a:t>40</a:t>
             </a:fld>
             <a:endParaRPr lang="en-US"/>
           </a:p>
@@ -3820,7 +3824,7 @@
       </p:sp>
       <p:sp>
         <p:nvSpPr>
-          <p:cNvPr id="103427" name="Rectangle 2"/>
+          <p:cNvPr id="101379" name="Rectangle 2"/>
           <p:cNvSpPr>
             <a:spLocks noGrp="1" noRot="1" noChangeAspect="1" noChangeArrowheads="1" noTextEdit="1"/>
           </p:cNvSpPr>
@@ -3834,7 +3838,7 @@
       </p:sp>
       <p:sp>
         <p:nvSpPr>
-          <p:cNvPr id="103428" name="Rectangle 3"/>
+          <p:cNvPr id="101380" name="Rectangle 3"/>
           <p:cNvSpPr>
             <a:spLocks noGrp="1" noChangeArrowheads="1"/>
           </p:cNvSpPr>
@@ -3882,7 +3886,7 @@
       </p:grpSpPr>
       <p:sp>
         <p:nvSpPr>
-          <p:cNvPr id="105474" name="Rectangle 7"/>
+          <p:cNvPr id="103426" name="Rectangle 7"/>
           <p:cNvSpPr>
             <a:spLocks noGrp="1" noChangeArrowheads="1"/>
           </p:cNvSpPr>
@@ -3897,10 +3901,10 @@
           <a:bodyPr/>
           <a:lstStyle/>
           <a:p>
-            <a:fld id="{EF976AF8-D263-4B45-97F7-441DF3B68CF6}" type="slidenum">
+            <a:fld id="{429AE968-BC95-3747-90B0-3E8B9B166255}" type="slidenum">
               <a:rPr lang="en-US"/>
               <a:pPr/>
-              <a:t>43</a:t>
+              <a:t>41</a:t>
             </a:fld>
             <a:endParaRPr lang="en-US"/>
           </a:p>
@@ -3908,24 +3912,21 @@
       </p:sp>
       <p:sp>
         <p:nvSpPr>
-          <p:cNvPr id="105475" name="Rectangle 2"/>
-          <p:cNvSpPr>
-            <a:spLocks noGrp="1" noRot="1" noChangeAspect="1" noChangeArrowheads="1"/>
+          <p:cNvPr id="103427" name="Rectangle 2"/>
+          <p:cNvSpPr>
+            <a:spLocks noGrp="1" noRot="1" noChangeAspect="1" noChangeArrowheads="1" noTextEdit="1"/>
           </p:cNvSpPr>
           <p:nvPr>
             <p:ph type="sldImg"/>
           </p:nvPr>
         </p:nvSpPr>
         <p:spPr>
-          <a:solidFill>
-            <a:srgbClr val="FFFFFF"/>
-          </a:solidFill>
           <a:ln/>
         </p:spPr>
       </p:sp>
       <p:sp>
         <p:nvSpPr>
-          <p:cNvPr id="105476" name="Rectangle 3"/>
+          <p:cNvPr id="103428" name="Rectangle 3"/>
           <p:cNvSpPr>
             <a:spLocks noGrp="1" noChangeArrowheads="1"/>
           </p:cNvSpPr>
@@ -3934,14 +3935,8 @@
           </p:nvPr>
         </p:nvSpPr>
         <p:spPr>
-          <a:solidFill>
-            <a:srgbClr val="FFFFFF"/>
-          </a:solidFill>
-          <a:ln>
-            <a:solidFill>
-              <a:srgbClr val="000000"/>
-            </a:solidFill>
-          </a:ln>
+          <a:noFill/>
+          <a:ln/>
         </p:spPr>
         <p:txBody>
           <a:bodyPr/>
@@ -3979,7 +3974,7 @@
       </p:grpSpPr>
       <p:sp>
         <p:nvSpPr>
-          <p:cNvPr id="66562" name="Rectangle 7"/>
+          <p:cNvPr id="64514" name="Rectangle 7"/>
           <p:cNvSpPr>
             <a:spLocks noGrp="1" noChangeArrowheads="1"/>
           </p:cNvSpPr>
@@ -3994,10 +3989,10 @@
           <a:bodyPr/>
           <a:lstStyle/>
           <a:p>
-            <a:fld id="{92223D22-0F96-2447-8062-54A2324D8AD1}" type="slidenum">
+            <a:fld id="{E357E1AA-3B5C-7144-BCE2-DB2BE2D704A0}" type="slidenum">
               <a:rPr lang="en-US"/>
               <a:pPr/>
-              <a:t>5</a:t>
+              <a:t>4</a:t>
             </a:fld>
             <a:endParaRPr lang="en-US"/>
           </a:p>
@@ -4005,21 +4000,24 @@
       </p:sp>
       <p:sp>
         <p:nvSpPr>
-          <p:cNvPr id="66563" name="Rectangle 2"/>
-          <p:cNvSpPr>
-            <a:spLocks noGrp="1" noRot="1" noChangeAspect="1" noChangeArrowheads="1" noTextEdit="1"/>
+          <p:cNvPr id="64515" name="Rectangle 2"/>
+          <p:cNvSpPr>
+            <a:spLocks noGrp="1" noRot="1" noChangeAspect="1" noChangeArrowheads="1"/>
           </p:cNvSpPr>
           <p:nvPr>
             <p:ph type="sldImg"/>
           </p:nvPr>
         </p:nvSpPr>
         <p:spPr>
+          <a:solidFill>
+            <a:srgbClr val="FFFFFF"/>
+          </a:solidFill>
           <a:ln/>
         </p:spPr>
       </p:sp>
       <p:sp>
         <p:nvSpPr>
-          <p:cNvPr id="66564" name="Rectangle 3"/>
+          <p:cNvPr id="64516" name="Rectangle 3"/>
           <p:cNvSpPr>
             <a:spLocks noGrp="1" noChangeArrowheads="1"/>
           </p:cNvSpPr>
@@ -4028,8 +4026,14 @@
           </p:nvPr>
         </p:nvSpPr>
         <p:spPr>
-          <a:noFill/>
-          <a:ln/>
+          <a:solidFill>
+            <a:srgbClr val="FFFFFF"/>
+          </a:solidFill>
+          <a:ln>
+            <a:solidFill>
+              <a:srgbClr val="000000"/>
+            </a:solidFill>
+          </a:ln>
         </p:spPr>
         <p:txBody>
           <a:bodyPr/>
@@ -4067,7 +4071,7 @@
       </p:grpSpPr>
       <p:sp>
         <p:nvSpPr>
-          <p:cNvPr id="65537" name="Rectangle 7"/>
+          <p:cNvPr id="105474" name="Rectangle 7"/>
           <p:cNvSpPr>
             <a:spLocks noGrp="1" noChangeArrowheads="1"/>
           </p:cNvSpPr>
@@ -4075,236 +4079,65 @@
             <p:ph type="sldNum" sz="quarter" idx="5"/>
           </p:nvPr>
         </p:nvSpPr>
-        <p:spPr bwMode="auto">
+        <p:spPr>
           <a:noFill/>
-          <a:extLst>
-            <a:ext uri="{909E8E84-426E-40dd-AFC4-6F175D3DCCD1}">
-              <a14:hiddenFill xmlns:a14="http://schemas.microsoft.com/office/drawing/2010/main" xmlns="">
-                <a:solidFill>
-                  <a:srgbClr val="FFFFFF"/>
-                </a:solidFill>
-              </a14:hiddenFill>
-            </a:ext>
-            <a:ext uri="{91240B29-F687-4f45-9708-019B960494DF}">
-              <a14:hiddenLine xmlns:a14="http://schemas.microsoft.com/office/drawing/2010/main" xmlns="" w="9525">
-                <a:solidFill>
-                  <a:srgbClr val="000000"/>
-                </a:solidFill>
-                <a:miter lim="800000"/>
-                <a:headEnd/>
-                <a:tailEnd/>
-              </a14:hiddenLine>
-            </a:ext>
-          </a:extLst>
         </p:spPr>
         <p:txBody>
           <a:bodyPr/>
-          <a:lstStyle>
-            <a:lvl1pPr eaLnBrk="0" hangingPunct="0">
-              <a:defRPr sz="2400">
-                <a:solidFill>
-                  <a:schemeClr val="tx1"/>
-                </a:solidFill>
-                <a:latin typeface="Arial" charset="0"/>
-                <a:ea typeface="ＭＳ Ｐゴシック" charset="0"/>
-                <a:cs typeface="ＭＳ Ｐゴシック" charset="0"/>
-              </a:defRPr>
-            </a:lvl1pPr>
-            <a:lvl2pPr marL="742950" indent="-285750" eaLnBrk="0" hangingPunct="0">
-              <a:defRPr sz="2400">
-                <a:solidFill>
-                  <a:schemeClr val="tx1"/>
-                </a:solidFill>
-                <a:latin typeface="Arial" charset="0"/>
-                <a:ea typeface="ＭＳ Ｐゴシック" charset="0"/>
-              </a:defRPr>
-            </a:lvl2pPr>
-            <a:lvl3pPr marL="1143000" indent="-228600" eaLnBrk="0" hangingPunct="0">
-              <a:defRPr sz="2400">
-                <a:solidFill>
-                  <a:schemeClr val="tx1"/>
-                </a:solidFill>
-                <a:latin typeface="Arial" charset="0"/>
-                <a:ea typeface="ＭＳ Ｐゴシック" charset="0"/>
-              </a:defRPr>
-            </a:lvl3pPr>
-            <a:lvl4pPr marL="1600200" indent="-228600" eaLnBrk="0" hangingPunct="0">
-              <a:defRPr sz="2400">
-                <a:solidFill>
-                  <a:schemeClr val="tx1"/>
-                </a:solidFill>
-                <a:latin typeface="Arial" charset="0"/>
-                <a:ea typeface="ＭＳ Ｐゴシック" charset="0"/>
-              </a:defRPr>
-            </a:lvl4pPr>
-            <a:lvl5pPr marL="2057400" indent="-228600" eaLnBrk="0" hangingPunct="0">
-              <a:defRPr sz="2400">
-                <a:solidFill>
-                  <a:schemeClr val="tx1"/>
-                </a:solidFill>
-                <a:latin typeface="Arial" charset="0"/>
-                <a:ea typeface="ＭＳ Ｐゴシック" charset="0"/>
-              </a:defRPr>
-            </a:lvl5pPr>
-            <a:lvl6pPr marL="2514600" indent="-228600" eaLnBrk="0" fontAlgn="base" hangingPunct="0">
-              <a:spcBef>
-                <a:spcPct val="0"/>
-              </a:spcBef>
-              <a:spcAft>
-                <a:spcPct val="0"/>
-              </a:spcAft>
-              <a:defRPr sz="2400">
-                <a:solidFill>
-                  <a:schemeClr val="tx1"/>
-                </a:solidFill>
-                <a:latin typeface="Arial" charset="0"/>
-                <a:ea typeface="ＭＳ Ｐゴシック" charset="0"/>
-              </a:defRPr>
-            </a:lvl6pPr>
-            <a:lvl7pPr marL="2971800" indent="-228600" eaLnBrk="0" fontAlgn="base" hangingPunct="0">
-              <a:spcBef>
-                <a:spcPct val="0"/>
-              </a:spcBef>
-              <a:spcAft>
-                <a:spcPct val="0"/>
-              </a:spcAft>
-              <a:defRPr sz="2400">
-                <a:solidFill>
-                  <a:schemeClr val="tx1"/>
-                </a:solidFill>
-                <a:latin typeface="Arial" charset="0"/>
-                <a:ea typeface="ＭＳ Ｐゴシック" charset="0"/>
-              </a:defRPr>
-            </a:lvl7pPr>
-            <a:lvl8pPr marL="3429000" indent="-228600" eaLnBrk="0" fontAlgn="base" hangingPunct="0">
-              <a:spcBef>
-                <a:spcPct val="0"/>
-              </a:spcBef>
-              <a:spcAft>
-                <a:spcPct val="0"/>
-              </a:spcAft>
-              <a:defRPr sz="2400">
-                <a:solidFill>
-                  <a:schemeClr val="tx1"/>
-                </a:solidFill>
-                <a:latin typeface="Arial" charset="0"/>
-                <a:ea typeface="ＭＳ Ｐゴシック" charset="0"/>
-              </a:defRPr>
-            </a:lvl8pPr>
-            <a:lvl9pPr marL="3886200" indent="-228600" eaLnBrk="0" fontAlgn="base" hangingPunct="0">
-              <a:spcBef>
-                <a:spcPct val="0"/>
-              </a:spcBef>
-              <a:spcAft>
-                <a:spcPct val="0"/>
-              </a:spcAft>
-              <a:defRPr sz="2400">
-                <a:solidFill>
-                  <a:schemeClr val="tx1"/>
-                </a:solidFill>
-                <a:latin typeface="Arial" charset="0"/>
-                <a:ea typeface="ＭＳ Ｐゴシック" charset="0"/>
-              </a:defRPr>
-            </a:lvl9pPr>
-          </a:lstStyle>
-          <a:p>
-            <a:pPr eaLnBrk="1" hangingPunct="1"/>
-            <a:fld id="{5D138486-EADF-6047-899A-01D4ECB9C2CD}" type="slidenum">
-              <a:rPr lang="en-US" sz="1200">
-                <a:latin typeface="Calibri" charset="0"/>
-              </a:rPr>
-              <a:pPr eaLnBrk="1" hangingPunct="1"/>
-              <a:t>44</a:t>
+          <a:lstStyle/>
+          <a:p>
+            <a:fld id="{EF976AF8-D263-4B45-97F7-441DF3B68CF6}" type="slidenum">
+              <a:rPr lang="en-US"/>
+              <a:pPr/>
+              <a:t>43</a:t>
             </a:fld>
-            <a:endParaRPr lang="en-US" sz="1200">
-              <a:latin typeface="Calibri" charset="0"/>
-            </a:endParaRPr>
-          </a:p>
-        </p:txBody>
-      </p:sp>
-      <p:sp>
-        <p:nvSpPr>
-          <p:cNvPr id="65538" name="Rectangle 2"/>
-          <p:cNvSpPr>
-            <a:spLocks noGrp="1" noRot="1" noChangeAspect="1" noChangeArrowheads="1" noTextEdit="1"/>
+            <a:endParaRPr lang="en-US"/>
+          </a:p>
+        </p:txBody>
+      </p:sp>
+      <p:sp>
+        <p:nvSpPr>
+          <p:cNvPr id="105475" name="Rectangle 2"/>
+          <p:cNvSpPr>
+            <a:spLocks noGrp="1" noRot="1" noChangeAspect="1" noChangeArrowheads="1"/>
           </p:cNvSpPr>
           <p:nvPr>
             <p:ph type="sldImg"/>
           </p:nvPr>
         </p:nvSpPr>
-        <p:spPr bwMode="auto">
-          <a:noFill/>
+        <p:spPr>
+          <a:solidFill>
+            <a:srgbClr val="FFFFFF"/>
+          </a:solidFill>
+          <a:ln/>
+        </p:spPr>
+      </p:sp>
+      <p:sp>
+        <p:nvSpPr>
+          <p:cNvPr id="105476" name="Rectangle 3"/>
+          <p:cNvSpPr>
+            <a:spLocks noGrp="1" noChangeArrowheads="1"/>
+          </p:cNvSpPr>
+          <p:nvPr>
+            <p:ph type="body" idx="1"/>
+          </p:nvPr>
+        </p:nvSpPr>
+        <p:spPr>
+          <a:solidFill>
+            <a:srgbClr val="FFFFFF"/>
+          </a:solidFill>
           <a:ln>
             <a:solidFill>
               <a:srgbClr val="000000"/>
             </a:solidFill>
-            <a:miter lim="800000"/>
-            <a:headEnd/>
-            <a:tailEnd/>
           </a:ln>
-          <a:extLst>
-            <a:ext uri="{909E8E84-426E-40dd-AFC4-6F175D3DCCD1}">
-              <a14:hiddenFill xmlns:a14="http://schemas.microsoft.com/office/drawing/2010/main" xmlns="">
-                <a:solidFill>
-                  <a:srgbClr val="FFFFFF"/>
-                </a:solidFill>
-              </a14:hiddenFill>
-            </a:ext>
-            <a:ext uri="{FAA26D3D-D897-4be2-8F04-BA451C77F1D7}">
-              <ma14:placeholderFlag xmlns:ma14="http://schemas.microsoft.com/office/mac/drawingml/2011/main" xmlns="" val="1"/>
-            </a:ext>
-          </a:extLst>
-        </p:spPr>
-      </p:sp>
-      <p:sp>
-        <p:nvSpPr>
-          <p:cNvPr id="65539" name="Rectangle 3"/>
-          <p:cNvSpPr>
-            <a:spLocks noGrp="1" noChangeArrowheads="1"/>
-          </p:cNvSpPr>
-          <p:nvPr>
-            <p:ph type="body" idx="1"/>
-          </p:nvPr>
-        </p:nvSpPr>
-        <p:spPr bwMode="auto">
-          <a:noFill/>
-          <a:extLst>
-            <a:ext uri="{909E8E84-426E-40dd-AFC4-6F175D3DCCD1}">
-              <a14:hiddenFill xmlns:a14="http://schemas.microsoft.com/office/drawing/2010/main" xmlns="">
-                <a:solidFill>
-                  <a:srgbClr val="FFFFFF"/>
-                </a:solidFill>
-              </a14:hiddenFill>
-            </a:ext>
-            <a:ext uri="{91240B29-F687-4f45-9708-019B960494DF}">
-              <a14:hiddenLine xmlns:a14="http://schemas.microsoft.com/office/drawing/2010/main" xmlns="" w="9525">
-                <a:solidFill>
-                  <a:srgbClr val="000000"/>
-                </a:solidFill>
-                <a:miter lim="800000"/>
-                <a:headEnd/>
-                <a:tailEnd/>
-              </a14:hiddenLine>
-            </a:ext>
-            <a:ext uri="{FAA26D3D-D897-4be2-8F04-BA451C77F1D7}">
-              <ma14:placeholderFlag xmlns:ma14="http://schemas.microsoft.com/office/mac/drawingml/2011/main" xmlns="" val="1"/>
-            </a:ext>
-          </a:extLst>
         </p:spPr>
         <p:txBody>
           <a:bodyPr/>
           <a:lstStyle/>
           <a:p>
-            <a:pPr eaLnBrk="1" hangingPunct="1">
-              <a:spcBef>
-                <a:spcPct val="0"/>
-              </a:spcBef>
-            </a:pPr>
-            <a:endParaRPr lang="en-US">
-              <a:latin typeface="Calibri" charset="0"/>
-              <a:ea typeface="ＭＳ Ｐゴシック" charset="0"/>
-              <a:cs typeface="ＭＳ Ｐゴシック" charset="0"/>
-            </a:endParaRPr>
+            <a:pPr eaLnBrk="1" hangingPunct="1"/>
+            <a:endParaRPr lang="en-US"/>
           </a:p>
         </p:txBody>
       </p:sp>
@@ -4335,7 +4168,7 @@
       </p:grpSpPr>
       <p:sp>
         <p:nvSpPr>
-          <p:cNvPr id="17410" name="Rectangle 7"/>
+          <p:cNvPr id="65537" name="Rectangle 7"/>
           <p:cNvSpPr>
             <a:spLocks noGrp="1" noChangeArrowheads="1"/>
           </p:cNvSpPr>
@@ -4343,56 +4176,236 @@
             <p:ph type="sldNum" sz="quarter" idx="5"/>
           </p:nvPr>
         </p:nvSpPr>
-        <p:spPr>
+        <p:spPr bwMode="auto">
           <a:noFill/>
+          <a:extLst>
+            <a:ext uri="{909E8E84-426E-40dd-AFC4-6F175D3DCCD1}">
+              <a14:hiddenFill xmlns="" xmlns:a14="http://schemas.microsoft.com/office/drawing/2010/main">
+                <a:solidFill>
+                  <a:srgbClr val="FFFFFF"/>
+                </a:solidFill>
+              </a14:hiddenFill>
+            </a:ext>
+            <a:ext uri="{91240B29-F687-4f45-9708-019B960494DF}">
+              <a14:hiddenLine xmlns="" xmlns:a14="http://schemas.microsoft.com/office/drawing/2010/main" w="9525">
+                <a:solidFill>
+                  <a:srgbClr val="000000"/>
+                </a:solidFill>
+                <a:miter lim="800000"/>
+                <a:headEnd/>
+                <a:tailEnd/>
+              </a14:hiddenLine>
+            </a:ext>
+          </a:extLst>
+        </p:spPr>
+        <p:txBody>
+          <a:bodyPr/>
+          <a:lstStyle>
+            <a:lvl1pPr eaLnBrk="0" hangingPunct="0">
+              <a:defRPr sz="2400">
+                <a:solidFill>
+                  <a:schemeClr val="tx1"/>
+                </a:solidFill>
+                <a:latin typeface="Arial" charset="0"/>
+                <a:ea typeface="ＭＳ Ｐゴシック" charset="0"/>
+                <a:cs typeface="ＭＳ Ｐゴシック" charset="0"/>
+              </a:defRPr>
+            </a:lvl1pPr>
+            <a:lvl2pPr marL="742950" indent="-285750" eaLnBrk="0" hangingPunct="0">
+              <a:defRPr sz="2400">
+                <a:solidFill>
+                  <a:schemeClr val="tx1"/>
+                </a:solidFill>
+                <a:latin typeface="Arial" charset="0"/>
+                <a:ea typeface="ＭＳ Ｐゴシック" charset="0"/>
+              </a:defRPr>
+            </a:lvl2pPr>
+            <a:lvl3pPr marL="1143000" indent="-228600" eaLnBrk="0" hangingPunct="0">
+              <a:defRPr sz="2400">
+                <a:solidFill>
+                  <a:schemeClr val="tx1"/>
+                </a:solidFill>
+                <a:latin typeface="Arial" charset="0"/>
+                <a:ea typeface="ＭＳ Ｐゴシック" charset="0"/>
+              </a:defRPr>
+            </a:lvl3pPr>
+            <a:lvl4pPr marL="1600200" indent="-228600" eaLnBrk="0" hangingPunct="0">
+              <a:defRPr sz="2400">
+                <a:solidFill>
+                  <a:schemeClr val="tx1"/>
+                </a:solidFill>
+                <a:latin typeface="Arial" charset="0"/>
+                <a:ea typeface="ＭＳ Ｐゴシック" charset="0"/>
+              </a:defRPr>
+            </a:lvl4pPr>
+            <a:lvl5pPr marL="2057400" indent="-228600" eaLnBrk="0" hangingPunct="0">
+              <a:defRPr sz="2400">
+                <a:solidFill>
+                  <a:schemeClr val="tx1"/>
+                </a:solidFill>
+                <a:latin typeface="Arial" charset="0"/>
+                <a:ea typeface="ＭＳ Ｐゴシック" charset="0"/>
+              </a:defRPr>
+            </a:lvl5pPr>
+            <a:lvl6pPr marL="2514600" indent="-228600" eaLnBrk="0" fontAlgn="base" hangingPunct="0">
+              <a:spcBef>
+                <a:spcPct val="0"/>
+              </a:spcBef>
+              <a:spcAft>
+                <a:spcPct val="0"/>
+              </a:spcAft>
+              <a:defRPr sz="2400">
+                <a:solidFill>
+                  <a:schemeClr val="tx1"/>
+                </a:solidFill>
+                <a:latin typeface="Arial" charset="0"/>
+                <a:ea typeface="ＭＳ Ｐゴシック" charset="0"/>
+              </a:defRPr>
+            </a:lvl6pPr>
+            <a:lvl7pPr marL="2971800" indent="-228600" eaLnBrk="0" fontAlgn="base" hangingPunct="0">
+              <a:spcBef>
+                <a:spcPct val="0"/>
+              </a:spcBef>
+              <a:spcAft>
+                <a:spcPct val="0"/>
+              </a:spcAft>
+              <a:defRPr sz="2400">
+                <a:solidFill>
+                  <a:schemeClr val="tx1"/>
+                </a:solidFill>
+                <a:latin typeface="Arial" charset="0"/>
+                <a:ea typeface="ＭＳ Ｐゴシック" charset="0"/>
+              </a:defRPr>
+            </a:lvl7pPr>
+            <a:lvl8pPr marL="3429000" indent="-228600" eaLnBrk="0" fontAlgn="base" hangingPunct="0">
+              <a:spcBef>
+                <a:spcPct val="0"/>
+              </a:spcBef>
+              <a:spcAft>
+                <a:spcPct val="0"/>
+              </a:spcAft>
+              <a:defRPr sz="2400">
+                <a:solidFill>
+                  <a:schemeClr val="tx1"/>
+                </a:solidFill>
+                <a:latin typeface="Arial" charset="0"/>
+                <a:ea typeface="ＭＳ Ｐゴシック" charset="0"/>
+              </a:defRPr>
+            </a:lvl8pPr>
+            <a:lvl9pPr marL="3886200" indent="-228600" eaLnBrk="0" fontAlgn="base" hangingPunct="0">
+              <a:spcBef>
+                <a:spcPct val="0"/>
+              </a:spcBef>
+              <a:spcAft>
+                <a:spcPct val="0"/>
+              </a:spcAft>
+              <a:defRPr sz="2400">
+                <a:solidFill>
+                  <a:schemeClr val="tx1"/>
+                </a:solidFill>
+                <a:latin typeface="Arial" charset="0"/>
+                <a:ea typeface="ＭＳ Ｐゴシック" charset="0"/>
+              </a:defRPr>
+            </a:lvl9pPr>
+          </a:lstStyle>
+          <a:p>
+            <a:pPr eaLnBrk="1" hangingPunct="1"/>
+            <a:fld id="{5D138486-EADF-6047-899A-01D4ECB9C2CD}" type="slidenum">
+              <a:rPr lang="en-US" sz="1200">
+                <a:latin typeface="Calibri" charset="0"/>
+              </a:rPr>
+              <a:pPr eaLnBrk="1" hangingPunct="1"/>
+              <a:t>44</a:t>
+            </a:fld>
+            <a:endParaRPr lang="en-US" sz="1200">
+              <a:latin typeface="Calibri" charset="0"/>
+            </a:endParaRPr>
+          </a:p>
+        </p:txBody>
+      </p:sp>
+      <p:sp>
+        <p:nvSpPr>
+          <p:cNvPr id="65538" name="Rectangle 2"/>
+          <p:cNvSpPr>
+            <a:spLocks noGrp="1" noRot="1" noChangeAspect="1" noChangeArrowheads="1" noTextEdit="1"/>
+          </p:cNvSpPr>
+          <p:nvPr>
+            <p:ph type="sldImg"/>
+          </p:nvPr>
+        </p:nvSpPr>
+        <p:spPr bwMode="auto">
+          <a:noFill/>
+          <a:ln>
+            <a:solidFill>
+              <a:srgbClr val="000000"/>
+            </a:solidFill>
+            <a:miter lim="800000"/>
+            <a:headEnd/>
+            <a:tailEnd/>
+          </a:ln>
+          <a:extLst>
+            <a:ext uri="{909E8E84-426E-40dd-AFC4-6F175D3DCCD1}">
+              <a14:hiddenFill xmlns="" xmlns:a14="http://schemas.microsoft.com/office/drawing/2010/main">
+                <a:solidFill>
+                  <a:srgbClr val="FFFFFF"/>
+                </a:solidFill>
+              </a14:hiddenFill>
+            </a:ext>
+            <a:ext uri="{FAA26D3D-D897-4be2-8F04-BA451C77F1D7}">
+              <ma14:placeholderFlag xmlns="" xmlns:ma14="http://schemas.microsoft.com/office/mac/drawingml/2011/main" val="1"/>
+            </a:ext>
+          </a:extLst>
+        </p:spPr>
+      </p:sp>
+      <p:sp>
+        <p:nvSpPr>
+          <p:cNvPr id="65539" name="Rectangle 3"/>
+          <p:cNvSpPr>
+            <a:spLocks noGrp="1" noChangeArrowheads="1"/>
+          </p:cNvSpPr>
+          <p:nvPr>
+            <p:ph type="body" idx="1"/>
+          </p:nvPr>
+        </p:nvSpPr>
+        <p:spPr bwMode="auto">
+          <a:noFill/>
+          <a:extLst>
+            <a:ext uri="{909E8E84-426E-40dd-AFC4-6F175D3DCCD1}">
+              <a14:hiddenFill xmlns="" xmlns:a14="http://schemas.microsoft.com/office/drawing/2010/main">
+                <a:solidFill>
+                  <a:srgbClr val="FFFFFF"/>
+                </a:solidFill>
+              </a14:hiddenFill>
+            </a:ext>
+            <a:ext uri="{91240B29-F687-4f45-9708-019B960494DF}">
+              <a14:hiddenLine xmlns="" xmlns:a14="http://schemas.microsoft.com/office/drawing/2010/main" w="9525">
+                <a:solidFill>
+                  <a:srgbClr val="000000"/>
+                </a:solidFill>
+                <a:miter lim="800000"/>
+                <a:headEnd/>
+                <a:tailEnd/>
+              </a14:hiddenLine>
+            </a:ext>
+            <a:ext uri="{FAA26D3D-D897-4be2-8F04-BA451C77F1D7}">
+              <ma14:placeholderFlag xmlns="" xmlns:ma14="http://schemas.microsoft.com/office/mac/drawingml/2011/main" val="1"/>
+            </a:ext>
+          </a:extLst>
         </p:spPr>
         <p:txBody>
           <a:bodyPr/>
           <a:lstStyle/>
           <a:p>
-            <a:fld id="{78DD14ED-9F17-3C4B-92FE-F8C6D73CA7E0}" type="slidenum">
-              <a:rPr lang="en-US"/>
-              <a:pPr/>
-              <a:t>46</a:t>
-            </a:fld>
-            <a:endParaRPr lang="en-US"/>
-          </a:p>
-        </p:txBody>
-      </p:sp>
-      <p:sp>
-        <p:nvSpPr>
-          <p:cNvPr id="17411" name="Rectangle 2"/>
-          <p:cNvSpPr>
-            <a:spLocks noGrp="1" noRot="1" noChangeAspect="1" noChangeArrowheads="1" noTextEdit="1"/>
-          </p:cNvSpPr>
-          <p:nvPr>
-            <p:ph type="sldImg"/>
-          </p:nvPr>
-        </p:nvSpPr>
-        <p:spPr>
-          <a:ln/>
-        </p:spPr>
-      </p:sp>
-      <p:sp>
-        <p:nvSpPr>
-          <p:cNvPr id="17412" name="Rectangle 3"/>
-          <p:cNvSpPr>
-            <a:spLocks noGrp="1" noChangeArrowheads="1"/>
-          </p:cNvSpPr>
-          <p:nvPr>
-            <p:ph type="body" idx="1"/>
-          </p:nvPr>
-        </p:nvSpPr>
-        <p:spPr>
-          <a:noFill/>
-          <a:ln/>
-        </p:spPr>
-        <p:txBody>
-          <a:bodyPr/>
-          <a:lstStyle/>
-          <a:p>
-            <a:pPr eaLnBrk="1" hangingPunct="1"/>
-            <a:endParaRPr lang="en-US"/>
+            <a:pPr eaLnBrk="1" hangingPunct="1">
+              <a:spcBef>
+                <a:spcPct val="0"/>
+              </a:spcBef>
+            </a:pPr>
+            <a:endParaRPr lang="en-US">
+              <a:latin typeface="Calibri" charset="0"/>
+              <a:ea typeface="ＭＳ Ｐゴシック" charset="0"/>
+              <a:cs typeface="ＭＳ Ｐゴシック" charset="0"/>
+            </a:endParaRPr>
           </a:p>
         </p:txBody>
       </p:sp>
@@ -4441,7 +4454,7 @@
             <a:fld id="{78DD14ED-9F17-3C4B-92FE-F8C6D73CA7E0}" type="slidenum">
               <a:rPr lang="en-US"/>
               <a:pPr/>
-              <a:t>47</a:t>
+              <a:t>46</a:t>
             </a:fld>
             <a:endParaRPr lang="en-US"/>
           </a:p>
@@ -4511,7 +4524,7 @@
       </p:grpSpPr>
       <p:sp>
         <p:nvSpPr>
-          <p:cNvPr id="65537" name="Rectangle 7"/>
+          <p:cNvPr id="17410" name="Rectangle 7"/>
           <p:cNvSpPr>
             <a:spLocks noGrp="1" noChangeArrowheads="1"/>
           </p:cNvSpPr>
@@ -4519,236 +4532,56 @@
             <p:ph type="sldNum" sz="quarter" idx="5"/>
           </p:nvPr>
         </p:nvSpPr>
-        <p:spPr bwMode="auto">
+        <p:spPr>
           <a:noFill/>
-          <a:extLst>
-            <a:ext uri="{909E8E84-426E-40dd-AFC4-6F175D3DCCD1}">
-              <a14:hiddenFill xmlns:a14="http://schemas.microsoft.com/office/drawing/2010/main" xmlns="">
-                <a:solidFill>
-                  <a:srgbClr val="FFFFFF"/>
-                </a:solidFill>
-              </a14:hiddenFill>
-            </a:ext>
-            <a:ext uri="{91240B29-F687-4f45-9708-019B960494DF}">
-              <a14:hiddenLine xmlns:a14="http://schemas.microsoft.com/office/drawing/2010/main" xmlns="" w="9525">
-                <a:solidFill>
-                  <a:srgbClr val="000000"/>
-                </a:solidFill>
-                <a:miter lim="800000"/>
-                <a:headEnd/>
-                <a:tailEnd/>
-              </a14:hiddenLine>
-            </a:ext>
-          </a:extLst>
-        </p:spPr>
-        <p:txBody>
-          <a:bodyPr/>
-          <a:lstStyle>
-            <a:lvl1pPr eaLnBrk="0" hangingPunct="0">
-              <a:defRPr sz="2400">
-                <a:solidFill>
-                  <a:schemeClr val="tx1"/>
-                </a:solidFill>
-                <a:latin typeface="Arial" charset="0"/>
-                <a:ea typeface="ＭＳ Ｐゴシック" charset="0"/>
-                <a:cs typeface="ＭＳ Ｐゴシック" charset="0"/>
-              </a:defRPr>
-            </a:lvl1pPr>
-            <a:lvl2pPr marL="742950" indent="-285750" eaLnBrk="0" hangingPunct="0">
-              <a:defRPr sz="2400">
-                <a:solidFill>
-                  <a:schemeClr val="tx1"/>
-                </a:solidFill>
-                <a:latin typeface="Arial" charset="0"/>
-                <a:ea typeface="ＭＳ Ｐゴシック" charset="0"/>
-              </a:defRPr>
-            </a:lvl2pPr>
-            <a:lvl3pPr marL="1143000" indent="-228600" eaLnBrk="0" hangingPunct="0">
-              <a:defRPr sz="2400">
-                <a:solidFill>
-                  <a:schemeClr val="tx1"/>
-                </a:solidFill>
-                <a:latin typeface="Arial" charset="0"/>
-                <a:ea typeface="ＭＳ Ｐゴシック" charset="0"/>
-              </a:defRPr>
-            </a:lvl3pPr>
-            <a:lvl4pPr marL="1600200" indent="-228600" eaLnBrk="0" hangingPunct="0">
-              <a:defRPr sz="2400">
-                <a:solidFill>
-                  <a:schemeClr val="tx1"/>
-                </a:solidFill>
-                <a:latin typeface="Arial" charset="0"/>
-                <a:ea typeface="ＭＳ Ｐゴシック" charset="0"/>
-              </a:defRPr>
-            </a:lvl4pPr>
-            <a:lvl5pPr marL="2057400" indent="-228600" eaLnBrk="0" hangingPunct="0">
-              <a:defRPr sz="2400">
-                <a:solidFill>
-                  <a:schemeClr val="tx1"/>
-                </a:solidFill>
-                <a:latin typeface="Arial" charset="0"/>
-                <a:ea typeface="ＭＳ Ｐゴシック" charset="0"/>
-              </a:defRPr>
-            </a:lvl5pPr>
-            <a:lvl6pPr marL="2514600" indent="-228600" eaLnBrk="0" fontAlgn="base" hangingPunct="0">
-              <a:spcBef>
-                <a:spcPct val="0"/>
-              </a:spcBef>
-              <a:spcAft>
-                <a:spcPct val="0"/>
-              </a:spcAft>
-              <a:defRPr sz="2400">
-                <a:solidFill>
-                  <a:schemeClr val="tx1"/>
-                </a:solidFill>
-                <a:latin typeface="Arial" charset="0"/>
-                <a:ea typeface="ＭＳ Ｐゴシック" charset="0"/>
-              </a:defRPr>
-            </a:lvl6pPr>
-            <a:lvl7pPr marL="2971800" indent="-228600" eaLnBrk="0" fontAlgn="base" hangingPunct="0">
-              <a:spcBef>
-                <a:spcPct val="0"/>
-              </a:spcBef>
-              <a:spcAft>
-                <a:spcPct val="0"/>
-              </a:spcAft>
-              <a:defRPr sz="2400">
-                <a:solidFill>
-                  <a:schemeClr val="tx1"/>
-                </a:solidFill>
-                <a:latin typeface="Arial" charset="0"/>
-                <a:ea typeface="ＭＳ Ｐゴシック" charset="0"/>
-              </a:defRPr>
-            </a:lvl7pPr>
-            <a:lvl8pPr marL="3429000" indent="-228600" eaLnBrk="0" fontAlgn="base" hangingPunct="0">
-              <a:spcBef>
-                <a:spcPct val="0"/>
-              </a:spcBef>
-              <a:spcAft>
-                <a:spcPct val="0"/>
-              </a:spcAft>
-              <a:defRPr sz="2400">
-                <a:solidFill>
-                  <a:schemeClr val="tx1"/>
-                </a:solidFill>
-                <a:latin typeface="Arial" charset="0"/>
-                <a:ea typeface="ＭＳ Ｐゴシック" charset="0"/>
-              </a:defRPr>
-            </a:lvl8pPr>
-            <a:lvl9pPr marL="3886200" indent="-228600" eaLnBrk="0" fontAlgn="base" hangingPunct="0">
-              <a:spcBef>
-                <a:spcPct val="0"/>
-              </a:spcBef>
-              <a:spcAft>
-                <a:spcPct val="0"/>
-              </a:spcAft>
-              <a:defRPr sz="2400">
-                <a:solidFill>
-                  <a:schemeClr val="tx1"/>
-                </a:solidFill>
-                <a:latin typeface="Arial" charset="0"/>
-                <a:ea typeface="ＭＳ Ｐゴシック" charset="0"/>
-              </a:defRPr>
-            </a:lvl9pPr>
-          </a:lstStyle>
-          <a:p>
-            <a:pPr eaLnBrk="1" hangingPunct="1"/>
-            <a:fld id="{5D138486-EADF-6047-899A-01D4ECB9C2CD}" type="slidenum">
-              <a:rPr lang="en-US" sz="1200">
-                <a:latin typeface="Calibri" charset="0"/>
-              </a:rPr>
-              <a:pPr eaLnBrk="1" hangingPunct="1"/>
-              <a:t>48</a:t>
-            </a:fld>
-            <a:endParaRPr lang="en-US" sz="1200">
-              <a:latin typeface="Calibri" charset="0"/>
-            </a:endParaRPr>
-          </a:p>
-        </p:txBody>
-      </p:sp>
-      <p:sp>
-        <p:nvSpPr>
-          <p:cNvPr id="65538" name="Rectangle 2"/>
-          <p:cNvSpPr>
-            <a:spLocks noGrp="1" noRot="1" noChangeAspect="1" noChangeArrowheads="1" noTextEdit="1"/>
-          </p:cNvSpPr>
-          <p:nvPr>
-            <p:ph type="sldImg"/>
-          </p:nvPr>
-        </p:nvSpPr>
-        <p:spPr bwMode="auto">
-          <a:noFill/>
-          <a:ln>
-            <a:solidFill>
-              <a:srgbClr val="000000"/>
-            </a:solidFill>
-            <a:miter lim="800000"/>
-            <a:headEnd/>
-            <a:tailEnd/>
-          </a:ln>
-          <a:extLst>
-            <a:ext uri="{909E8E84-426E-40dd-AFC4-6F175D3DCCD1}">
-              <a14:hiddenFill xmlns:a14="http://schemas.microsoft.com/office/drawing/2010/main" xmlns="">
-                <a:solidFill>
-                  <a:srgbClr val="FFFFFF"/>
-                </a:solidFill>
-              </a14:hiddenFill>
-            </a:ext>
-            <a:ext uri="{FAA26D3D-D897-4be2-8F04-BA451C77F1D7}">
-              <ma14:placeholderFlag xmlns:ma14="http://schemas.microsoft.com/office/mac/drawingml/2011/main" xmlns="" val="1"/>
-            </a:ext>
-          </a:extLst>
-        </p:spPr>
-      </p:sp>
-      <p:sp>
-        <p:nvSpPr>
-          <p:cNvPr id="65539" name="Rectangle 3"/>
-          <p:cNvSpPr>
-            <a:spLocks noGrp="1" noChangeArrowheads="1"/>
-          </p:cNvSpPr>
-          <p:nvPr>
-            <p:ph type="body" idx="1"/>
-          </p:nvPr>
-        </p:nvSpPr>
-        <p:spPr bwMode="auto">
-          <a:noFill/>
-          <a:extLst>
-            <a:ext uri="{909E8E84-426E-40dd-AFC4-6F175D3DCCD1}">
-              <a14:hiddenFill xmlns:a14="http://schemas.microsoft.com/office/drawing/2010/main" xmlns="">
-                <a:solidFill>
-                  <a:srgbClr val="FFFFFF"/>
-                </a:solidFill>
-              </a14:hiddenFill>
-            </a:ext>
-            <a:ext uri="{91240B29-F687-4f45-9708-019B960494DF}">
-              <a14:hiddenLine xmlns:a14="http://schemas.microsoft.com/office/drawing/2010/main" xmlns="" w="9525">
-                <a:solidFill>
-                  <a:srgbClr val="000000"/>
-                </a:solidFill>
-                <a:miter lim="800000"/>
-                <a:headEnd/>
-                <a:tailEnd/>
-              </a14:hiddenLine>
-            </a:ext>
-            <a:ext uri="{FAA26D3D-D897-4be2-8F04-BA451C77F1D7}">
-              <ma14:placeholderFlag xmlns:ma14="http://schemas.microsoft.com/office/mac/drawingml/2011/main" xmlns="" val="1"/>
-            </a:ext>
-          </a:extLst>
         </p:spPr>
         <p:txBody>
           <a:bodyPr/>
           <a:lstStyle/>
           <a:p>
-            <a:pPr eaLnBrk="1" hangingPunct="1">
-              <a:spcBef>
-                <a:spcPct val="0"/>
-              </a:spcBef>
-            </a:pPr>
-            <a:endParaRPr lang="en-US">
-              <a:latin typeface="Calibri" charset="0"/>
-              <a:ea typeface="ＭＳ Ｐゴシック" charset="0"/>
-              <a:cs typeface="ＭＳ Ｐゴシック" charset="0"/>
-            </a:endParaRPr>
+            <a:fld id="{78DD14ED-9F17-3C4B-92FE-F8C6D73CA7E0}" type="slidenum">
+              <a:rPr lang="en-US"/>
+              <a:pPr/>
+              <a:t>47</a:t>
+            </a:fld>
+            <a:endParaRPr lang="en-US"/>
+          </a:p>
+        </p:txBody>
+      </p:sp>
+      <p:sp>
+        <p:nvSpPr>
+          <p:cNvPr id="17411" name="Rectangle 2"/>
+          <p:cNvSpPr>
+            <a:spLocks noGrp="1" noRot="1" noChangeAspect="1" noChangeArrowheads="1" noTextEdit="1"/>
+          </p:cNvSpPr>
+          <p:nvPr>
+            <p:ph type="sldImg"/>
+          </p:nvPr>
+        </p:nvSpPr>
+        <p:spPr>
+          <a:ln/>
+        </p:spPr>
+      </p:sp>
+      <p:sp>
+        <p:nvSpPr>
+          <p:cNvPr id="17412" name="Rectangle 3"/>
+          <p:cNvSpPr>
+            <a:spLocks noGrp="1" noChangeArrowheads="1"/>
+          </p:cNvSpPr>
+          <p:nvPr>
+            <p:ph type="body" idx="1"/>
+          </p:nvPr>
+        </p:nvSpPr>
+        <p:spPr>
+          <a:noFill/>
+          <a:ln/>
+        </p:spPr>
+        <p:txBody>
+          <a:bodyPr/>
+          <a:lstStyle/>
+          <a:p>
+            <a:pPr eaLnBrk="1" hangingPunct="1"/>
+            <a:endParaRPr lang="en-US"/>
           </a:p>
         </p:txBody>
       </p:sp>
@@ -4779,7 +4612,7 @@
       </p:grpSpPr>
       <p:sp>
         <p:nvSpPr>
-          <p:cNvPr id="111618" name="Rectangle 7"/>
+          <p:cNvPr id="65537" name="Rectangle 7"/>
           <p:cNvSpPr>
             <a:spLocks noGrp="1" noChangeArrowheads="1"/>
           </p:cNvSpPr>
@@ -4787,65 +4620,236 @@
             <p:ph type="sldNum" sz="quarter" idx="5"/>
           </p:nvPr>
         </p:nvSpPr>
-        <p:spPr>
+        <p:spPr bwMode="auto">
           <a:noFill/>
+          <a:extLst>
+            <a:ext uri="{909E8E84-426E-40dd-AFC4-6F175D3DCCD1}">
+              <a14:hiddenFill xmlns="" xmlns:a14="http://schemas.microsoft.com/office/drawing/2010/main">
+                <a:solidFill>
+                  <a:srgbClr val="FFFFFF"/>
+                </a:solidFill>
+              </a14:hiddenFill>
+            </a:ext>
+            <a:ext uri="{91240B29-F687-4f45-9708-019B960494DF}">
+              <a14:hiddenLine xmlns="" xmlns:a14="http://schemas.microsoft.com/office/drawing/2010/main" w="9525">
+                <a:solidFill>
+                  <a:srgbClr val="000000"/>
+                </a:solidFill>
+                <a:miter lim="800000"/>
+                <a:headEnd/>
+                <a:tailEnd/>
+              </a14:hiddenLine>
+            </a:ext>
+          </a:extLst>
         </p:spPr>
         <p:txBody>
           <a:bodyPr/>
-          <a:lstStyle/>
-          <a:p>
-            <a:fld id="{B00714BF-B725-3A42-9963-355062504B2E}" type="slidenum">
-              <a:rPr lang="en-US"/>
-              <a:pPr/>
-              <a:t>49</a:t>
+          <a:lstStyle>
+            <a:lvl1pPr eaLnBrk="0" hangingPunct="0">
+              <a:defRPr sz="2400">
+                <a:solidFill>
+                  <a:schemeClr val="tx1"/>
+                </a:solidFill>
+                <a:latin typeface="Arial" charset="0"/>
+                <a:ea typeface="ＭＳ Ｐゴシック" charset="0"/>
+                <a:cs typeface="ＭＳ Ｐゴシック" charset="0"/>
+              </a:defRPr>
+            </a:lvl1pPr>
+            <a:lvl2pPr marL="742950" indent="-285750" eaLnBrk="0" hangingPunct="0">
+              <a:defRPr sz="2400">
+                <a:solidFill>
+                  <a:schemeClr val="tx1"/>
+                </a:solidFill>
+                <a:latin typeface="Arial" charset="0"/>
+                <a:ea typeface="ＭＳ Ｐゴシック" charset="0"/>
+              </a:defRPr>
+            </a:lvl2pPr>
+            <a:lvl3pPr marL="1143000" indent="-228600" eaLnBrk="0" hangingPunct="0">
+              <a:defRPr sz="2400">
+                <a:solidFill>
+                  <a:schemeClr val="tx1"/>
+                </a:solidFill>
+                <a:latin typeface="Arial" charset="0"/>
+                <a:ea typeface="ＭＳ Ｐゴシック" charset="0"/>
+              </a:defRPr>
+            </a:lvl3pPr>
+            <a:lvl4pPr marL="1600200" indent="-228600" eaLnBrk="0" hangingPunct="0">
+              <a:defRPr sz="2400">
+                <a:solidFill>
+                  <a:schemeClr val="tx1"/>
+                </a:solidFill>
+                <a:latin typeface="Arial" charset="0"/>
+                <a:ea typeface="ＭＳ Ｐゴシック" charset="0"/>
+              </a:defRPr>
+            </a:lvl4pPr>
+            <a:lvl5pPr marL="2057400" indent="-228600" eaLnBrk="0" hangingPunct="0">
+              <a:defRPr sz="2400">
+                <a:solidFill>
+                  <a:schemeClr val="tx1"/>
+                </a:solidFill>
+                <a:latin typeface="Arial" charset="0"/>
+                <a:ea typeface="ＭＳ Ｐゴシック" charset="0"/>
+              </a:defRPr>
+            </a:lvl5pPr>
+            <a:lvl6pPr marL="2514600" indent="-228600" eaLnBrk="0" fontAlgn="base" hangingPunct="0">
+              <a:spcBef>
+                <a:spcPct val="0"/>
+              </a:spcBef>
+              <a:spcAft>
+                <a:spcPct val="0"/>
+              </a:spcAft>
+              <a:defRPr sz="2400">
+                <a:solidFill>
+                  <a:schemeClr val="tx1"/>
+                </a:solidFill>
+                <a:latin typeface="Arial" charset="0"/>
+                <a:ea typeface="ＭＳ Ｐゴシック" charset="0"/>
+              </a:defRPr>
+            </a:lvl6pPr>
+            <a:lvl7pPr marL="2971800" indent="-228600" eaLnBrk="0" fontAlgn="base" hangingPunct="0">
+              <a:spcBef>
+                <a:spcPct val="0"/>
+              </a:spcBef>
+              <a:spcAft>
+                <a:spcPct val="0"/>
+              </a:spcAft>
+              <a:defRPr sz="2400">
+                <a:solidFill>
+                  <a:schemeClr val="tx1"/>
+                </a:solidFill>
+                <a:latin typeface="Arial" charset="0"/>
+                <a:ea typeface="ＭＳ Ｐゴシック" charset="0"/>
+              </a:defRPr>
+            </a:lvl7pPr>
+            <a:lvl8pPr marL="3429000" indent="-228600" eaLnBrk="0" fontAlgn="base" hangingPunct="0">
+              <a:spcBef>
+                <a:spcPct val="0"/>
+              </a:spcBef>
+              <a:spcAft>
+                <a:spcPct val="0"/>
+              </a:spcAft>
+              <a:defRPr sz="2400">
+                <a:solidFill>
+                  <a:schemeClr val="tx1"/>
+                </a:solidFill>
+                <a:latin typeface="Arial" charset="0"/>
+                <a:ea typeface="ＭＳ Ｐゴシック" charset="0"/>
+              </a:defRPr>
+            </a:lvl8pPr>
+            <a:lvl9pPr marL="3886200" indent="-228600" eaLnBrk="0" fontAlgn="base" hangingPunct="0">
+              <a:spcBef>
+                <a:spcPct val="0"/>
+              </a:spcBef>
+              <a:spcAft>
+                <a:spcPct val="0"/>
+              </a:spcAft>
+              <a:defRPr sz="2400">
+                <a:solidFill>
+                  <a:schemeClr val="tx1"/>
+                </a:solidFill>
+                <a:latin typeface="Arial" charset="0"/>
+                <a:ea typeface="ＭＳ Ｐゴシック" charset="0"/>
+              </a:defRPr>
+            </a:lvl9pPr>
+          </a:lstStyle>
+          <a:p>
+            <a:pPr eaLnBrk="1" hangingPunct="1"/>
+            <a:fld id="{5D138486-EADF-6047-899A-01D4ECB9C2CD}" type="slidenum">
+              <a:rPr lang="en-US" sz="1200">
+                <a:latin typeface="Calibri" charset="0"/>
+              </a:rPr>
+              <a:pPr eaLnBrk="1" hangingPunct="1"/>
+              <a:t>48</a:t>
             </a:fld>
-            <a:endParaRPr lang="en-US"/>
-          </a:p>
-        </p:txBody>
-      </p:sp>
-      <p:sp>
-        <p:nvSpPr>
-          <p:cNvPr id="111619" name="Rectangle 2"/>
-          <p:cNvSpPr>
-            <a:spLocks noGrp="1" noRot="1" noChangeAspect="1" noChangeArrowheads="1"/>
+            <a:endParaRPr lang="en-US" sz="1200">
+              <a:latin typeface="Calibri" charset="0"/>
+            </a:endParaRPr>
+          </a:p>
+        </p:txBody>
+      </p:sp>
+      <p:sp>
+        <p:nvSpPr>
+          <p:cNvPr id="65538" name="Rectangle 2"/>
+          <p:cNvSpPr>
+            <a:spLocks noGrp="1" noRot="1" noChangeAspect="1" noChangeArrowheads="1" noTextEdit="1"/>
           </p:cNvSpPr>
           <p:nvPr>
             <p:ph type="sldImg"/>
           </p:nvPr>
         </p:nvSpPr>
-        <p:spPr>
-          <a:solidFill>
-            <a:srgbClr val="FFFFFF"/>
-          </a:solidFill>
-          <a:ln/>
-        </p:spPr>
-      </p:sp>
-      <p:sp>
-        <p:nvSpPr>
-          <p:cNvPr id="111620" name="Rectangle 3"/>
-          <p:cNvSpPr>
-            <a:spLocks noGrp="1" noChangeArrowheads="1"/>
-          </p:cNvSpPr>
-          <p:nvPr>
-            <p:ph type="body" idx="1"/>
-          </p:nvPr>
-        </p:nvSpPr>
-        <p:spPr>
-          <a:solidFill>
-            <a:srgbClr val="FFFFFF"/>
-          </a:solidFill>
+        <p:spPr bwMode="auto">
+          <a:noFill/>
           <a:ln>
             <a:solidFill>
               <a:srgbClr val="000000"/>
             </a:solidFill>
+            <a:miter lim="800000"/>
+            <a:headEnd/>
+            <a:tailEnd/>
           </a:ln>
+          <a:extLst>
+            <a:ext uri="{909E8E84-426E-40dd-AFC4-6F175D3DCCD1}">
+              <a14:hiddenFill xmlns="" xmlns:a14="http://schemas.microsoft.com/office/drawing/2010/main">
+                <a:solidFill>
+                  <a:srgbClr val="FFFFFF"/>
+                </a:solidFill>
+              </a14:hiddenFill>
+            </a:ext>
+            <a:ext uri="{FAA26D3D-D897-4be2-8F04-BA451C77F1D7}">
+              <ma14:placeholderFlag xmlns="" xmlns:ma14="http://schemas.microsoft.com/office/mac/drawingml/2011/main" val="1"/>
+            </a:ext>
+          </a:extLst>
+        </p:spPr>
+      </p:sp>
+      <p:sp>
+        <p:nvSpPr>
+          <p:cNvPr id="65539" name="Rectangle 3"/>
+          <p:cNvSpPr>
+            <a:spLocks noGrp="1" noChangeArrowheads="1"/>
+          </p:cNvSpPr>
+          <p:nvPr>
+            <p:ph type="body" idx="1"/>
+          </p:nvPr>
+        </p:nvSpPr>
+        <p:spPr bwMode="auto">
+          <a:noFill/>
+          <a:extLst>
+            <a:ext uri="{909E8E84-426E-40dd-AFC4-6F175D3DCCD1}">
+              <a14:hiddenFill xmlns="" xmlns:a14="http://schemas.microsoft.com/office/drawing/2010/main">
+                <a:solidFill>
+                  <a:srgbClr val="FFFFFF"/>
+                </a:solidFill>
+              </a14:hiddenFill>
+            </a:ext>
+            <a:ext uri="{91240B29-F687-4f45-9708-019B960494DF}">
+              <a14:hiddenLine xmlns="" xmlns:a14="http://schemas.microsoft.com/office/drawing/2010/main" w="9525">
+                <a:solidFill>
+                  <a:srgbClr val="000000"/>
+                </a:solidFill>
+                <a:miter lim="800000"/>
+                <a:headEnd/>
+                <a:tailEnd/>
+              </a14:hiddenLine>
+            </a:ext>
+            <a:ext uri="{FAA26D3D-D897-4be2-8F04-BA451C77F1D7}">
+              <ma14:placeholderFlag xmlns="" xmlns:ma14="http://schemas.microsoft.com/office/mac/drawingml/2011/main" val="1"/>
+            </a:ext>
+          </a:extLst>
         </p:spPr>
         <p:txBody>
           <a:bodyPr/>
           <a:lstStyle/>
           <a:p>
-            <a:pPr eaLnBrk="1" hangingPunct="1"/>
-            <a:endParaRPr lang="en-US"/>
+            <a:pPr eaLnBrk="1" hangingPunct="1">
+              <a:spcBef>
+                <a:spcPct val="0"/>
+              </a:spcBef>
+            </a:pPr>
+            <a:endParaRPr lang="en-US">
+              <a:latin typeface="Calibri" charset="0"/>
+              <a:ea typeface="ＭＳ Ｐゴシック" charset="0"/>
+              <a:cs typeface="ＭＳ Ｐゴシック" charset="0"/>
+            </a:endParaRPr>
           </a:p>
         </p:txBody>
       </p:sp>
@@ -4876,7 +4880,7 @@
       </p:grpSpPr>
       <p:sp>
         <p:nvSpPr>
-          <p:cNvPr id="84994" name="Rectangle 7"/>
+          <p:cNvPr id="111618" name="Rectangle 7"/>
           <p:cNvSpPr>
             <a:spLocks noGrp="1" noChangeArrowheads="1"/>
           </p:cNvSpPr>
@@ -4891,10 +4895,10 @@
           <a:bodyPr/>
           <a:lstStyle/>
           <a:p>
-            <a:fld id="{DF7CB46A-BDA9-BF4B-8B31-B0B558F3313A}" type="slidenum">
+            <a:fld id="{B00714BF-B725-3A42-9963-355062504B2E}" type="slidenum">
               <a:rPr lang="en-US"/>
               <a:pPr/>
-              <a:t>50</a:t>
+              <a:t>49</a:t>
             </a:fld>
             <a:endParaRPr lang="en-US"/>
           </a:p>
@@ -4902,21 +4906,24 @@
       </p:sp>
       <p:sp>
         <p:nvSpPr>
-          <p:cNvPr id="84995" name="Rectangle 2"/>
-          <p:cNvSpPr>
-            <a:spLocks noGrp="1" noRot="1" noChangeAspect="1" noChangeArrowheads="1" noTextEdit="1"/>
+          <p:cNvPr id="111619" name="Rectangle 2"/>
+          <p:cNvSpPr>
+            <a:spLocks noGrp="1" noRot="1" noChangeAspect="1" noChangeArrowheads="1"/>
           </p:cNvSpPr>
           <p:nvPr>
             <p:ph type="sldImg"/>
           </p:nvPr>
         </p:nvSpPr>
         <p:spPr>
+          <a:solidFill>
+            <a:srgbClr val="FFFFFF"/>
+          </a:solidFill>
           <a:ln/>
         </p:spPr>
       </p:sp>
       <p:sp>
         <p:nvSpPr>
-          <p:cNvPr id="84996" name="Rectangle 3"/>
+          <p:cNvPr id="111620" name="Rectangle 3"/>
           <p:cNvSpPr>
             <a:spLocks noGrp="1" noChangeArrowheads="1"/>
           </p:cNvSpPr>
@@ -4925,8 +4932,14 @@
           </p:nvPr>
         </p:nvSpPr>
         <p:spPr>
-          <a:noFill/>
-          <a:ln/>
+          <a:solidFill>
+            <a:srgbClr val="FFFFFF"/>
+          </a:solidFill>
+          <a:ln>
+            <a:solidFill>
+              <a:srgbClr val="000000"/>
+            </a:solidFill>
+          </a:ln>
         </p:spPr>
         <p:txBody>
           <a:bodyPr/>
@@ -4964,7 +4977,7 @@
       </p:grpSpPr>
       <p:sp>
         <p:nvSpPr>
-          <p:cNvPr id="73729" name="Rectangle 7"/>
+          <p:cNvPr id="84994" name="Rectangle 7"/>
           <p:cNvSpPr>
             <a:spLocks noGrp="1" noChangeArrowheads="1"/>
           </p:cNvSpPr>
@@ -4972,224 +4985,56 @@
             <p:ph type="sldNum" sz="quarter" idx="5"/>
           </p:nvPr>
         </p:nvSpPr>
-        <p:spPr bwMode="auto">
+        <p:spPr>
           <a:noFill/>
-          <a:extLst>
-            <a:ext uri="{909E8E84-426E-40dd-AFC4-6F175D3DCCD1}">
-              <a14:hiddenFill xmlns:a14="http://schemas.microsoft.com/office/drawing/2010/main" xmlns="">
-                <a:solidFill>
-                  <a:srgbClr val="FFFFFF"/>
-                </a:solidFill>
-              </a14:hiddenFill>
-            </a:ext>
-            <a:ext uri="{91240B29-F687-4f45-9708-019B960494DF}">
-              <a14:hiddenLine xmlns:a14="http://schemas.microsoft.com/office/drawing/2010/main" xmlns="" w="9525">
-                <a:solidFill>
-                  <a:srgbClr val="000000"/>
-                </a:solidFill>
-                <a:miter lim="800000"/>
-                <a:headEnd/>
-                <a:tailEnd/>
-              </a14:hiddenLine>
-            </a:ext>
-          </a:extLst>
-        </p:spPr>
-        <p:txBody>
-          <a:bodyPr/>
-          <a:lstStyle>
-            <a:lvl1pPr eaLnBrk="0" hangingPunct="0">
-              <a:defRPr sz="2400">
-                <a:solidFill>
-                  <a:schemeClr val="tx1"/>
-                </a:solidFill>
-                <a:latin typeface="Arial" charset="0"/>
-                <a:ea typeface="ＭＳ Ｐゴシック" charset="0"/>
-                <a:cs typeface="ＭＳ Ｐゴシック" charset="0"/>
-              </a:defRPr>
-            </a:lvl1pPr>
-            <a:lvl2pPr marL="742950" indent="-285750" eaLnBrk="0" hangingPunct="0">
-              <a:defRPr sz="2400">
-                <a:solidFill>
-                  <a:schemeClr val="tx1"/>
-                </a:solidFill>
-                <a:latin typeface="Arial" charset="0"/>
-                <a:ea typeface="ＭＳ Ｐゴシック" charset="0"/>
-              </a:defRPr>
-            </a:lvl2pPr>
-            <a:lvl3pPr marL="1143000" indent="-228600" eaLnBrk="0" hangingPunct="0">
-              <a:defRPr sz="2400">
-                <a:solidFill>
-                  <a:schemeClr val="tx1"/>
-                </a:solidFill>
-                <a:latin typeface="Arial" charset="0"/>
-                <a:ea typeface="ＭＳ Ｐゴシック" charset="0"/>
-              </a:defRPr>
-            </a:lvl3pPr>
-            <a:lvl4pPr marL="1600200" indent="-228600" eaLnBrk="0" hangingPunct="0">
-              <a:defRPr sz="2400">
-                <a:solidFill>
-                  <a:schemeClr val="tx1"/>
-                </a:solidFill>
-                <a:latin typeface="Arial" charset="0"/>
-                <a:ea typeface="ＭＳ Ｐゴシック" charset="0"/>
-              </a:defRPr>
-            </a:lvl4pPr>
-            <a:lvl5pPr marL="2057400" indent="-228600" eaLnBrk="0" hangingPunct="0">
-              <a:defRPr sz="2400">
-                <a:solidFill>
-                  <a:schemeClr val="tx1"/>
-                </a:solidFill>
-                <a:latin typeface="Arial" charset="0"/>
-                <a:ea typeface="ＭＳ Ｐゴシック" charset="0"/>
-              </a:defRPr>
-            </a:lvl5pPr>
-            <a:lvl6pPr marL="2514600" indent="-228600" eaLnBrk="0" fontAlgn="base" hangingPunct="0">
-              <a:spcBef>
-                <a:spcPct val="0"/>
-              </a:spcBef>
-              <a:spcAft>
-                <a:spcPct val="0"/>
-              </a:spcAft>
-              <a:defRPr sz="2400">
-                <a:solidFill>
-                  <a:schemeClr val="tx1"/>
-                </a:solidFill>
-                <a:latin typeface="Arial" charset="0"/>
-                <a:ea typeface="ＭＳ Ｐゴシック" charset="0"/>
-              </a:defRPr>
-            </a:lvl6pPr>
-            <a:lvl7pPr marL="2971800" indent="-228600" eaLnBrk="0" fontAlgn="base" hangingPunct="0">
-              <a:spcBef>
-                <a:spcPct val="0"/>
-              </a:spcBef>
-              <a:spcAft>
-                <a:spcPct val="0"/>
-              </a:spcAft>
-              <a:defRPr sz="2400">
-                <a:solidFill>
-                  <a:schemeClr val="tx1"/>
-                </a:solidFill>
-                <a:latin typeface="Arial" charset="0"/>
-                <a:ea typeface="ＭＳ Ｐゴシック" charset="0"/>
-              </a:defRPr>
-            </a:lvl7pPr>
-            <a:lvl8pPr marL="3429000" indent="-228600" eaLnBrk="0" fontAlgn="base" hangingPunct="0">
-              <a:spcBef>
-                <a:spcPct val="0"/>
-              </a:spcBef>
-              <a:spcAft>
-                <a:spcPct val="0"/>
-              </a:spcAft>
-              <a:defRPr sz="2400">
-                <a:solidFill>
-                  <a:schemeClr val="tx1"/>
-                </a:solidFill>
-                <a:latin typeface="Arial" charset="0"/>
-                <a:ea typeface="ＭＳ Ｐゴシック" charset="0"/>
-              </a:defRPr>
-            </a:lvl8pPr>
-            <a:lvl9pPr marL="3886200" indent="-228600" eaLnBrk="0" fontAlgn="base" hangingPunct="0">
-              <a:spcBef>
-                <a:spcPct val="0"/>
-              </a:spcBef>
-              <a:spcAft>
-                <a:spcPct val="0"/>
-              </a:spcAft>
-              <a:defRPr sz="2400">
-                <a:solidFill>
-                  <a:schemeClr val="tx1"/>
-                </a:solidFill>
-                <a:latin typeface="Arial" charset="0"/>
-                <a:ea typeface="ＭＳ Ｐゴシック" charset="0"/>
-              </a:defRPr>
-            </a:lvl9pPr>
-          </a:lstStyle>
-          <a:p>
-            <a:pPr eaLnBrk="1" hangingPunct="1"/>
-            <a:fld id="{C281DC2A-315A-1A4F-89A0-2FADEFC62277}" type="slidenum">
-              <a:rPr lang="en-US" sz="1200">
-                <a:latin typeface="Calibri" charset="0"/>
-              </a:rPr>
-              <a:pPr eaLnBrk="1" hangingPunct="1"/>
-              <a:t>51</a:t>
-            </a:fld>
-            <a:endParaRPr lang="en-US" sz="1200">
-              <a:latin typeface="Calibri" charset="0"/>
-            </a:endParaRPr>
-          </a:p>
-        </p:txBody>
-      </p:sp>
-      <p:sp>
-        <p:nvSpPr>
-          <p:cNvPr id="73730" name="Rectangle 2"/>
-          <p:cNvSpPr>
-            <a:spLocks noGrp="1" noRot="1" noChangeAspect="1" noChangeArrowheads="1"/>
-          </p:cNvSpPr>
-          <p:nvPr>
-            <p:ph type="sldImg"/>
-          </p:nvPr>
-        </p:nvSpPr>
-        <p:spPr bwMode="auto">
-          <a:solidFill>
-            <a:srgbClr val="FFFFFF"/>
-          </a:solidFill>
-          <a:ln>
-            <a:solidFill>
-              <a:srgbClr val="000000"/>
-            </a:solidFill>
-            <a:miter lim="800000"/>
-            <a:headEnd/>
-            <a:tailEnd/>
-          </a:ln>
-          <a:extLst>
-            <a:ext uri="{FAA26D3D-D897-4be2-8F04-BA451C77F1D7}">
-              <ma14:placeholderFlag xmlns:ma14="http://schemas.microsoft.com/office/mac/drawingml/2011/main" xmlns="" val="1"/>
-            </a:ext>
-          </a:extLst>
-        </p:spPr>
-      </p:sp>
-      <p:sp>
-        <p:nvSpPr>
-          <p:cNvPr id="73731" name="Rectangle 3"/>
-          <p:cNvSpPr>
-            <a:spLocks noGrp="1" noChangeArrowheads="1"/>
-          </p:cNvSpPr>
-          <p:nvPr>
-            <p:ph type="body" idx="1"/>
-          </p:nvPr>
-        </p:nvSpPr>
-        <p:spPr bwMode="auto">
-          <a:solidFill>
-            <a:srgbClr val="FFFFFF"/>
-          </a:solidFill>
-          <a:ln>
-            <a:solidFill>
-              <a:srgbClr val="000000"/>
-            </a:solidFill>
-            <a:miter lim="800000"/>
-            <a:headEnd/>
-            <a:tailEnd/>
-          </a:ln>
-          <a:extLst>
-            <a:ext uri="{FAA26D3D-D897-4be2-8F04-BA451C77F1D7}">
-              <ma14:placeholderFlag xmlns:ma14="http://schemas.microsoft.com/office/mac/drawingml/2011/main" xmlns="" val="1"/>
-            </a:ext>
-          </a:extLst>
         </p:spPr>
         <p:txBody>
           <a:bodyPr/>
           <a:lstStyle/>
           <a:p>
-            <a:pPr eaLnBrk="1" hangingPunct="1">
-              <a:spcBef>
-                <a:spcPct val="0"/>
-              </a:spcBef>
-            </a:pPr>
-            <a:endParaRPr lang="en-US">
-              <a:latin typeface="Calibri" charset="0"/>
-              <a:ea typeface="ＭＳ Ｐゴシック" charset="0"/>
-              <a:cs typeface="ＭＳ Ｐゴシック" charset="0"/>
-            </a:endParaRPr>
+            <a:fld id="{DF7CB46A-BDA9-BF4B-8B31-B0B558F3313A}" type="slidenum">
+              <a:rPr lang="en-US"/>
+              <a:pPr/>
+              <a:t>50</a:t>
+            </a:fld>
+            <a:endParaRPr lang="en-US"/>
+          </a:p>
+        </p:txBody>
+      </p:sp>
+      <p:sp>
+        <p:nvSpPr>
+          <p:cNvPr id="84995" name="Rectangle 2"/>
+          <p:cNvSpPr>
+            <a:spLocks noGrp="1" noRot="1" noChangeAspect="1" noChangeArrowheads="1" noTextEdit="1"/>
+          </p:cNvSpPr>
+          <p:nvPr>
+            <p:ph type="sldImg"/>
+          </p:nvPr>
+        </p:nvSpPr>
+        <p:spPr>
+          <a:ln/>
+        </p:spPr>
+      </p:sp>
+      <p:sp>
+        <p:nvSpPr>
+          <p:cNvPr id="84996" name="Rectangle 3"/>
+          <p:cNvSpPr>
+            <a:spLocks noGrp="1" noChangeArrowheads="1"/>
+          </p:cNvSpPr>
+          <p:nvPr>
+            <p:ph type="body" idx="1"/>
+          </p:nvPr>
+        </p:nvSpPr>
+        <p:spPr>
+          <a:noFill/>
+          <a:ln/>
+        </p:spPr>
+        <p:txBody>
+          <a:bodyPr/>
+          <a:lstStyle/>
+          <a:p>
+            <a:pPr eaLnBrk="1" hangingPunct="1"/>
+            <a:endParaRPr lang="en-US"/>
           </a:p>
         </p:txBody>
       </p:sp>
@@ -5220,7 +5065,7 @@
       </p:grpSpPr>
       <p:sp>
         <p:nvSpPr>
-          <p:cNvPr id="75777" name="Rectangle 7"/>
+          <p:cNvPr id="73729" name="Rectangle 7"/>
           <p:cNvSpPr>
             <a:spLocks noGrp="1" noChangeArrowheads="1"/>
           </p:cNvSpPr>
@@ -5232,14 +5077,14 @@
           <a:noFill/>
           <a:extLst>
             <a:ext uri="{909E8E84-426E-40dd-AFC4-6F175D3DCCD1}">
-              <a14:hiddenFill xmlns:a14="http://schemas.microsoft.com/office/drawing/2010/main" xmlns="">
+              <a14:hiddenFill xmlns="" xmlns:a14="http://schemas.microsoft.com/office/drawing/2010/main">
                 <a:solidFill>
                   <a:srgbClr val="FFFFFF"/>
                 </a:solidFill>
               </a14:hiddenFill>
             </a:ext>
             <a:ext uri="{91240B29-F687-4f45-9708-019B960494DF}">
-              <a14:hiddenLine xmlns:a14="http://schemas.microsoft.com/office/drawing/2010/main" xmlns="" w="9525">
+              <a14:hiddenLine xmlns="" xmlns:a14="http://schemas.microsoft.com/office/drawing/2010/main" w="9525">
                 <a:solidFill>
                   <a:srgbClr val="000000"/>
                 </a:solidFill>
@@ -5362,12 +5207,12 @@
           </a:lstStyle>
           <a:p>
             <a:pPr eaLnBrk="1" hangingPunct="1"/>
-            <a:fld id="{280DD158-683E-CA43-8AEA-0C7A6F3C7159}" type="slidenum">
+            <a:fld id="{C281DC2A-315A-1A4F-89A0-2FADEFC62277}" type="slidenum">
               <a:rPr lang="en-US" sz="1200">
                 <a:latin typeface="Calibri" charset="0"/>
               </a:rPr>
               <a:pPr eaLnBrk="1" hangingPunct="1"/>
-              <a:t>52</a:t>
+              <a:t>51</a:t>
             </a:fld>
             <a:endParaRPr lang="en-US" sz="1200">
               <a:latin typeface="Calibri" charset="0"/>
@@ -5377,7 +5222,7 @@
       </p:sp>
       <p:sp>
         <p:nvSpPr>
-          <p:cNvPr id="75778" name="Rectangle 2"/>
+          <p:cNvPr id="73730" name="Rectangle 2"/>
           <p:cNvSpPr>
             <a:spLocks noGrp="1" noRot="1" noChangeAspect="1" noChangeArrowheads="1"/>
           </p:cNvSpPr>
@@ -5399,14 +5244,14 @@
           </a:ln>
           <a:extLst>
             <a:ext uri="{FAA26D3D-D897-4be2-8F04-BA451C77F1D7}">
-              <ma14:placeholderFlag xmlns:ma14="http://schemas.microsoft.com/office/mac/drawingml/2011/main" xmlns="" val="1"/>
+              <ma14:placeholderFlag xmlns="" xmlns:ma14="http://schemas.microsoft.com/office/mac/drawingml/2011/main" val="1"/>
             </a:ext>
           </a:extLst>
         </p:spPr>
       </p:sp>
       <p:sp>
         <p:nvSpPr>
-          <p:cNvPr id="75779" name="Rectangle 3"/>
+          <p:cNvPr id="73731" name="Rectangle 3"/>
           <p:cNvSpPr>
             <a:spLocks noGrp="1" noChangeArrowheads="1"/>
           </p:cNvSpPr>
@@ -5428,7 +5273,7 @@
           </a:ln>
           <a:extLst>
             <a:ext uri="{FAA26D3D-D897-4be2-8F04-BA451C77F1D7}">
-              <ma14:placeholderFlag xmlns:ma14="http://schemas.microsoft.com/office/mac/drawingml/2011/main" xmlns="" val="1"/>
+              <ma14:placeholderFlag xmlns="" xmlns:ma14="http://schemas.microsoft.com/office/mac/drawingml/2011/main" val="1"/>
             </a:ext>
           </a:extLst>
         </p:spPr>
@@ -5441,7 +5286,7 @@
                 <a:spcPct val="0"/>
               </a:spcBef>
             </a:pPr>
-            <a:endParaRPr lang="en-US" dirty="0">
+            <a:endParaRPr lang="en-US">
               <a:latin typeface="Calibri" charset="0"/>
               <a:ea typeface="ＭＳ Ｐゴシック" charset="0"/>
               <a:cs typeface="ＭＳ Ｐゴシック" charset="0"/>
@@ -5476,7 +5321,7 @@
       </p:grpSpPr>
       <p:sp>
         <p:nvSpPr>
-          <p:cNvPr id="77825" name="Rectangle 7"/>
+          <p:cNvPr id="75777" name="Rectangle 7"/>
           <p:cNvSpPr>
             <a:spLocks noGrp="1" noChangeArrowheads="1"/>
           </p:cNvSpPr>
@@ -5488,14 +5333,14 @@
           <a:noFill/>
           <a:extLst>
             <a:ext uri="{909E8E84-426E-40dd-AFC4-6F175D3DCCD1}">
-              <a14:hiddenFill xmlns:a14="http://schemas.microsoft.com/office/drawing/2010/main" xmlns="">
+              <a14:hiddenFill xmlns="" xmlns:a14="http://schemas.microsoft.com/office/drawing/2010/main">
                 <a:solidFill>
                   <a:srgbClr val="FFFFFF"/>
                 </a:solidFill>
               </a14:hiddenFill>
             </a:ext>
             <a:ext uri="{91240B29-F687-4f45-9708-019B960494DF}">
-              <a14:hiddenLine xmlns:a14="http://schemas.microsoft.com/office/drawing/2010/main" xmlns="" w="9525">
+              <a14:hiddenLine xmlns="" xmlns:a14="http://schemas.microsoft.com/office/drawing/2010/main" w="9525">
                 <a:solidFill>
                   <a:srgbClr val="000000"/>
                 </a:solidFill>
@@ -5618,12 +5463,12 @@
           </a:lstStyle>
           <a:p>
             <a:pPr eaLnBrk="1" hangingPunct="1"/>
-            <a:fld id="{C1C26481-6374-7A4A-85A2-FE0A76AD0611}" type="slidenum">
+            <a:fld id="{280DD158-683E-CA43-8AEA-0C7A6F3C7159}" type="slidenum">
               <a:rPr lang="en-US" sz="1200">
                 <a:latin typeface="Calibri" charset="0"/>
               </a:rPr>
               <a:pPr eaLnBrk="1" hangingPunct="1"/>
-              <a:t>53</a:t>
+              <a:t>52</a:t>
             </a:fld>
             <a:endParaRPr lang="en-US" sz="1200">
               <a:latin typeface="Calibri" charset="0"/>
@@ -5633,7 +5478,7 @@
       </p:sp>
       <p:sp>
         <p:nvSpPr>
-          <p:cNvPr id="77826" name="Rectangle 2"/>
+          <p:cNvPr id="75778" name="Rectangle 2"/>
           <p:cNvSpPr>
             <a:spLocks noGrp="1" noRot="1" noChangeAspect="1" noChangeArrowheads="1"/>
           </p:cNvSpPr>
@@ -5655,14 +5500,14 @@
           </a:ln>
           <a:extLst>
             <a:ext uri="{FAA26D3D-D897-4be2-8F04-BA451C77F1D7}">
-              <ma14:placeholderFlag xmlns:ma14="http://schemas.microsoft.com/office/mac/drawingml/2011/main" xmlns="" val="1"/>
+              <ma14:placeholderFlag xmlns="" xmlns:ma14="http://schemas.microsoft.com/office/mac/drawingml/2011/main" val="1"/>
             </a:ext>
           </a:extLst>
         </p:spPr>
       </p:sp>
       <p:sp>
         <p:nvSpPr>
-          <p:cNvPr id="77827" name="Rectangle 3"/>
+          <p:cNvPr id="75779" name="Rectangle 3"/>
           <p:cNvSpPr>
             <a:spLocks noGrp="1" noChangeArrowheads="1"/>
           </p:cNvSpPr>
@@ -5684,7 +5529,7 @@
           </a:ln>
           <a:extLst>
             <a:ext uri="{FAA26D3D-D897-4be2-8F04-BA451C77F1D7}">
-              <ma14:placeholderFlag xmlns:ma14="http://schemas.microsoft.com/office/mac/drawingml/2011/main" xmlns="" val="1"/>
+              <ma14:placeholderFlag xmlns="" xmlns:ma14="http://schemas.microsoft.com/office/mac/drawingml/2011/main" val="1"/>
             </a:ext>
           </a:extLst>
         </p:spPr>
@@ -5697,7 +5542,7 @@
                 <a:spcPct val="0"/>
               </a:spcBef>
             </a:pPr>
-            <a:endParaRPr lang="en-US">
+            <a:endParaRPr lang="en-US" dirty="0">
               <a:latin typeface="Calibri" charset="0"/>
               <a:ea typeface="ＭＳ Ｐゴシック" charset="0"/>
               <a:cs typeface="ＭＳ Ｐゴシック" charset="0"/>
@@ -5732,7 +5577,7 @@
       </p:grpSpPr>
       <p:sp>
         <p:nvSpPr>
-          <p:cNvPr id="79873" name="Rectangle 7"/>
+          <p:cNvPr id="77825" name="Rectangle 7"/>
           <p:cNvSpPr>
             <a:spLocks noGrp="1" noChangeArrowheads="1"/>
           </p:cNvSpPr>
@@ -5744,14 +5589,14 @@
           <a:noFill/>
           <a:extLst>
             <a:ext uri="{909E8E84-426E-40dd-AFC4-6F175D3DCCD1}">
-              <a14:hiddenFill xmlns:a14="http://schemas.microsoft.com/office/drawing/2010/main" xmlns="">
+              <a14:hiddenFill xmlns="" xmlns:a14="http://schemas.microsoft.com/office/drawing/2010/main">
                 <a:solidFill>
                   <a:srgbClr val="FFFFFF"/>
                 </a:solidFill>
               </a14:hiddenFill>
             </a:ext>
             <a:ext uri="{91240B29-F687-4f45-9708-019B960494DF}">
-              <a14:hiddenLine xmlns:a14="http://schemas.microsoft.com/office/drawing/2010/main" xmlns="" w="9525">
+              <a14:hiddenLine xmlns="" xmlns:a14="http://schemas.microsoft.com/office/drawing/2010/main" w="9525">
                 <a:solidFill>
                   <a:srgbClr val="000000"/>
                 </a:solidFill>
@@ -5874,12 +5719,12 @@
           </a:lstStyle>
           <a:p>
             <a:pPr eaLnBrk="1" hangingPunct="1"/>
-            <a:fld id="{148DC6ED-55DD-354E-B142-4C651FCA36AE}" type="slidenum">
+            <a:fld id="{C1C26481-6374-7A4A-85A2-FE0A76AD0611}" type="slidenum">
               <a:rPr lang="en-US" sz="1200">
                 <a:latin typeface="Calibri" charset="0"/>
               </a:rPr>
               <a:pPr eaLnBrk="1" hangingPunct="1"/>
-              <a:t>54</a:t>
+              <a:t>53</a:t>
             </a:fld>
             <a:endParaRPr lang="en-US" sz="1200">
               <a:latin typeface="Calibri" charset="0"/>
@@ -5889,16 +5734,18 @@
       </p:sp>
       <p:sp>
         <p:nvSpPr>
-          <p:cNvPr id="79874" name="Rectangle 2"/>
-          <p:cNvSpPr>
-            <a:spLocks noGrp="1" noRot="1" noChangeAspect="1" noChangeArrowheads="1" noTextEdit="1"/>
+          <p:cNvPr id="77826" name="Rectangle 2"/>
+          <p:cNvSpPr>
+            <a:spLocks noGrp="1" noRot="1" noChangeAspect="1" noChangeArrowheads="1"/>
           </p:cNvSpPr>
           <p:nvPr>
             <p:ph type="sldImg"/>
           </p:nvPr>
         </p:nvSpPr>
         <p:spPr bwMode="auto">
-          <a:noFill/>
+          <a:solidFill>
+            <a:srgbClr val="FFFFFF"/>
+          </a:solidFill>
           <a:ln>
             <a:solidFill>
               <a:srgbClr val="000000"/>
@@ -5908,22 +5755,15 @@
             <a:tailEnd/>
           </a:ln>
           <a:extLst>
-            <a:ext uri="{909E8E84-426E-40dd-AFC4-6F175D3DCCD1}">
-              <a14:hiddenFill xmlns:a14="http://schemas.microsoft.com/office/drawing/2010/main" xmlns="">
-                <a:solidFill>
-                  <a:srgbClr val="FFFFFF"/>
-                </a:solidFill>
-              </a14:hiddenFill>
-            </a:ext>
             <a:ext uri="{FAA26D3D-D897-4be2-8F04-BA451C77F1D7}">
-              <ma14:placeholderFlag xmlns:ma14="http://schemas.microsoft.com/office/mac/drawingml/2011/main" xmlns="" val="1"/>
+              <ma14:placeholderFlag xmlns="" xmlns:ma14="http://schemas.microsoft.com/office/mac/drawingml/2011/main" val="1"/>
             </a:ext>
           </a:extLst>
         </p:spPr>
       </p:sp>
       <p:sp>
         <p:nvSpPr>
-          <p:cNvPr id="79875" name="Rectangle 3"/>
+          <p:cNvPr id="77827" name="Rectangle 3"/>
           <p:cNvSpPr>
             <a:spLocks noGrp="1" noChangeArrowheads="1"/>
           </p:cNvSpPr>
@@ -5932,103 +5772,33 @@
           </p:nvPr>
         </p:nvSpPr>
         <p:spPr bwMode="auto">
-          <a:noFill/>
+          <a:solidFill>
+            <a:srgbClr val="FFFFFF"/>
+          </a:solidFill>
+          <a:ln>
+            <a:solidFill>
+              <a:srgbClr val="000000"/>
+            </a:solidFill>
+            <a:miter lim="800000"/>
+            <a:headEnd/>
+            <a:tailEnd/>
+          </a:ln>
           <a:extLst>
-            <a:ext uri="{909E8E84-426E-40dd-AFC4-6F175D3DCCD1}">
-              <a14:hiddenFill xmlns:a14="http://schemas.microsoft.com/office/drawing/2010/main" xmlns="">
-                <a:solidFill>
-                  <a:srgbClr val="FFFFFF"/>
-                </a:solidFill>
-              </a14:hiddenFill>
-            </a:ext>
-            <a:ext uri="{91240B29-F687-4f45-9708-019B960494DF}">
-              <a14:hiddenLine xmlns:a14="http://schemas.microsoft.com/office/drawing/2010/main" xmlns="" w="9525">
-                <a:solidFill>
-                  <a:srgbClr val="000000"/>
-                </a:solidFill>
-                <a:miter lim="800000"/>
-                <a:headEnd/>
-                <a:tailEnd/>
-              </a14:hiddenLine>
-            </a:ext>
             <a:ext uri="{FAA26D3D-D897-4be2-8F04-BA451C77F1D7}">
-              <ma14:placeholderFlag xmlns:ma14="http://schemas.microsoft.com/office/mac/drawingml/2011/main" xmlns="" val="1"/>
+              <ma14:placeholderFlag xmlns="" xmlns:ma14="http://schemas.microsoft.com/office/mac/drawingml/2011/main" val="1"/>
             </a:ext>
           </a:extLst>
         </p:spPr>
         <p:txBody>
           <a:bodyPr/>
           <a:lstStyle/>
-          <a:p>
-            <a:pPr eaLnBrk="1" hangingPunct="1"/>
-            <a:r>
-              <a:rPr lang="en-US" sz="2400" dirty="0">
-                <a:latin typeface="Calibri" charset="0"/>
-              </a:rPr>
-              <a:t>C(want to) went from 608 to 238, </a:t>
-            </a:r>
-            <a:r>
-              <a:rPr lang="en-US" dirty="0">
-                <a:latin typeface="Calibri" charset="0"/>
-              </a:rPr>
-              <a:t> </a:t>
-            </a:r>
-            <a:r>
-              <a:rPr lang="en-US" sz="2400" dirty="0">
-                <a:latin typeface="Calibri" charset="0"/>
-              </a:rPr>
-              <a:t>P(</a:t>
-            </a:r>
-            <a:r>
-              <a:rPr lang="en-US" sz="2400" dirty="0" err="1">
-                <a:latin typeface="Calibri" charset="0"/>
-              </a:rPr>
-              <a:t>to|want</a:t>
-            </a:r>
-            <a:r>
-              <a:rPr lang="en-US" sz="2400" dirty="0">
-                <a:latin typeface="Calibri" charset="0"/>
-              </a:rPr>
-              <a:t>) from .66 to .26!</a:t>
-            </a:r>
-          </a:p>
-          <a:p>
-            <a:pPr eaLnBrk="1" hangingPunct="1"/>
-            <a:r>
-              <a:rPr lang="en-US" sz="2400" dirty="0">
-                <a:latin typeface="Calibri" charset="0"/>
-              </a:rPr>
-              <a:t>Discount d= c*/c</a:t>
-            </a:r>
-          </a:p>
-          <a:p>
-            <a:pPr lvl="1" eaLnBrk="1" hangingPunct="1"/>
-            <a:r>
-              <a:rPr lang="en-US" sz="2000" dirty="0">
-                <a:latin typeface="Calibri" charset="0"/>
-              </a:rPr>
-              <a:t>d for “</a:t>
-            </a:r>
-            <a:r>
-              <a:rPr lang="en-US" sz="2000" dirty="0" err="1">
-                <a:latin typeface="Calibri" charset="0"/>
-              </a:rPr>
-              <a:t>chinese</a:t>
-            </a:r>
-            <a:r>
-              <a:rPr lang="en-US" sz="2000" dirty="0">
-                <a:latin typeface="Calibri" charset="0"/>
-              </a:rPr>
-              <a:t> food” =.10!!!   A 10x reduction</a:t>
-            </a:r>
-          </a:p>
           <a:p>
             <a:pPr eaLnBrk="1" hangingPunct="1">
               <a:spcBef>
                 <a:spcPct val="0"/>
               </a:spcBef>
             </a:pPr>
-            <a:endParaRPr lang="en-US" dirty="0">
+            <a:endParaRPr lang="en-US">
               <a:latin typeface="Calibri" charset="0"/>
               <a:ea typeface="ＭＳ Ｐゴシック" charset="0"/>
               <a:cs typeface="ＭＳ Ｐゴシック" charset="0"/>
@@ -6063,7 +5833,7 @@
       </p:grpSpPr>
       <p:sp>
         <p:nvSpPr>
-          <p:cNvPr id="68610" name="Rectangle 7"/>
+          <p:cNvPr id="66562" name="Rectangle 7"/>
           <p:cNvSpPr>
             <a:spLocks noGrp="1" noChangeArrowheads="1"/>
           </p:cNvSpPr>
@@ -6078,10 +5848,10 @@
           <a:bodyPr/>
           <a:lstStyle/>
           <a:p>
-            <a:fld id="{DAAAF750-AC54-8649-86DE-2549480B55BA}" type="slidenum">
+            <a:fld id="{92223D22-0F96-2447-8062-54A2324D8AD1}" type="slidenum">
               <a:rPr lang="en-US"/>
               <a:pPr/>
-              <a:t>6</a:t>
+              <a:t>5</a:t>
             </a:fld>
             <a:endParaRPr lang="en-US"/>
           </a:p>
@@ -6089,24 +5859,21 @@
       </p:sp>
       <p:sp>
         <p:nvSpPr>
-          <p:cNvPr id="68611" name="Rectangle 2"/>
-          <p:cNvSpPr>
-            <a:spLocks noGrp="1" noRot="1" noChangeAspect="1" noChangeArrowheads="1"/>
+          <p:cNvPr id="66563" name="Rectangle 2"/>
+          <p:cNvSpPr>
+            <a:spLocks noGrp="1" noRot="1" noChangeAspect="1" noChangeArrowheads="1" noTextEdit="1"/>
           </p:cNvSpPr>
           <p:nvPr>
             <p:ph type="sldImg"/>
           </p:nvPr>
         </p:nvSpPr>
         <p:spPr>
-          <a:solidFill>
-            <a:srgbClr val="FFFFFF"/>
-          </a:solidFill>
           <a:ln/>
         </p:spPr>
       </p:sp>
       <p:sp>
         <p:nvSpPr>
-          <p:cNvPr id="68612" name="Rectangle 3"/>
+          <p:cNvPr id="66564" name="Rectangle 3"/>
           <p:cNvSpPr>
             <a:spLocks noGrp="1" noChangeArrowheads="1"/>
           </p:cNvSpPr>
@@ -6115,21 +5882,15 @@
           </p:nvPr>
         </p:nvSpPr>
         <p:spPr>
-          <a:solidFill>
-            <a:srgbClr val="FFFFFF"/>
-          </a:solidFill>
-          <a:ln>
-            <a:solidFill>
-              <a:srgbClr val="000000"/>
-            </a:solidFill>
-          </a:ln>
+          <a:noFill/>
+          <a:ln/>
         </p:spPr>
         <p:txBody>
           <a:bodyPr/>
           <a:lstStyle/>
           <a:p>
             <a:pPr eaLnBrk="1" hangingPunct="1"/>
-            <a:endParaRPr lang="en-US" dirty="0"/>
+            <a:endParaRPr lang="en-US"/>
           </a:p>
         </p:txBody>
       </p:sp>
@@ -6160,7 +5921,7 @@
       </p:grpSpPr>
       <p:sp>
         <p:nvSpPr>
-          <p:cNvPr id="119810" name="Rectangle 7"/>
+          <p:cNvPr id="79873" name="Rectangle 7"/>
           <p:cNvSpPr>
             <a:spLocks noGrp="1" noChangeArrowheads="1"/>
           </p:cNvSpPr>
@@ -6168,65 +5929,299 @@
             <p:ph type="sldNum" sz="quarter" idx="5"/>
           </p:nvPr>
         </p:nvSpPr>
-        <p:spPr>
+        <p:spPr bwMode="auto">
           <a:noFill/>
+          <a:extLst>
+            <a:ext uri="{909E8E84-426E-40dd-AFC4-6F175D3DCCD1}">
+              <a14:hiddenFill xmlns="" xmlns:a14="http://schemas.microsoft.com/office/drawing/2010/main">
+                <a:solidFill>
+                  <a:srgbClr val="FFFFFF"/>
+                </a:solidFill>
+              </a14:hiddenFill>
+            </a:ext>
+            <a:ext uri="{91240B29-F687-4f45-9708-019B960494DF}">
+              <a14:hiddenLine xmlns="" xmlns:a14="http://schemas.microsoft.com/office/drawing/2010/main" w="9525">
+                <a:solidFill>
+                  <a:srgbClr val="000000"/>
+                </a:solidFill>
+                <a:miter lim="800000"/>
+                <a:headEnd/>
+                <a:tailEnd/>
+              </a14:hiddenLine>
+            </a:ext>
+          </a:extLst>
         </p:spPr>
         <p:txBody>
           <a:bodyPr/>
-          <a:lstStyle/>
-          <a:p>
-            <a:fld id="{7DFC8D75-8A9A-0B40-A7CB-F4679CC4E3D2}" type="slidenum">
-              <a:rPr lang="en-US"/>
-              <a:pPr/>
-              <a:t>55</a:t>
+          <a:lstStyle>
+            <a:lvl1pPr eaLnBrk="0" hangingPunct="0">
+              <a:defRPr sz="2400">
+                <a:solidFill>
+                  <a:schemeClr val="tx1"/>
+                </a:solidFill>
+                <a:latin typeface="Arial" charset="0"/>
+                <a:ea typeface="ＭＳ Ｐゴシック" charset="0"/>
+                <a:cs typeface="ＭＳ Ｐゴシック" charset="0"/>
+              </a:defRPr>
+            </a:lvl1pPr>
+            <a:lvl2pPr marL="742950" indent="-285750" eaLnBrk="0" hangingPunct="0">
+              <a:defRPr sz="2400">
+                <a:solidFill>
+                  <a:schemeClr val="tx1"/>
+                </a:solidFill>
+                <a:latin typeface="Arial" charset="0"/>
+                <a:ea typeface="ＭＳ Ｐゴシック" charset="0"/>
+              </a:defRPr>
+            </a:lvl2pPr>
+            <a:lvl3pPr marL="1143000" indent="-228600" eaLnBrk="0" hangingPunct="0">
+              <a:defRPr sz="2400">
+                <a:solidFill>
+                  <a:schemeClr val="tx1"/>
+                </a:solidFill>
+                <a:latin typeface="Arial" charset="0"/>
+                <a:ea typeface="ＭＳ Ｐゴシック" charset="0"/>
+              </a:defRPr>
+            </a:lvl3pPr>
+            <a:lvl4pPr marL="1600200" indent="-228600" eaLnBrk="0" hangingPunct="0">
+              <a:defRPr sz="2400">
+                <a:solidFill>
+                  <a:schemeClr val="tx1"/>
+                </a:solidFill>
+                <a:latin typeface="Arial" charset="0"/>
+                <a:ea typeface="ＭＳ Ｐゴシック" charset="0"/>
+              </a:defRPr>
+            </a:lvl4pPr>
+            <a:lvl5pPr marL="2057400" indent="-228600" eaLnBrk="0" hangingPunct="0">
+              <a:defRPr sz="2400">
+                <a:solidFill>
+                  <a:schemeClr val="tx1"/>
+                </a:solidFill>
+                <a:latin typeface="Arial" charset="0"/>
+                <a:ea typeface="ＭＳ Ｐゴシック" charset="0"/>
+              </a:defRPr>
+            </a:lvl5pPr>
+            <a:lvl6pPr marL="2514600" indent="-228600" eaLnBrk="0" fontAlgn="base" hangingPunct="0">
+              <a:spcBef>
+                <a:spcPct val="0"/>
+              </a:spcBef>
+              <a:spcAft>
+                <a:spcPct val="0"/>
+              </a:spcAft>
+              <a:defRPr sz="2400">
+                <a:solidFill>
+                  <a:schemeClr val="tx1"/>
+                </a:solidFill>
+                <a:latin typeface="Arial" charset="0"/>
+                <a:ea typeface="ＭＳ Ｐゴシック" charset="0"/>
+              </a:defRPr>
+            </a:lvl6pPr>
+            <a:lvl7pPr marL="2971800" indent="-228600" eaLnBrk="0" fontAlgn="base" hangingPunct="0">
+              <a:spcBef>
+                <a:spcPct val="0"/>
+              </a:spcBef>
+              <a:spcAft>
+                <a:spcPct val="0"/>
+              </a:spcAft>
+              <a:defRPr sz="2400">
+                <a:solidFill>
+                  <a:schemeClr val="tx1"/>
+                </a:solidFill>
+                <a:latin typeface="Arial" charset="0"/>
+                <a:ea typeface="ＭＳ Ｐゴシック" charset="0"/>
+              </a:defRPr>
+            </a:lvl7pPr>
+            <a:lvl8pPr marL="3429000" indent="-228600" eaLnBrk="0" fontAlgn="base" hangingPunct="0">
+              <a:spcBef>
+                <a:spcPct val="0"/>
+              </a:spcBef>
+              <a:spcAft>
+                <a:spcPct val="0"/>
+              </a:spcAft>
+              <a:defRPr sz="2400">
+                <a:solidFill>
+                  <a:schemeClr val="tx1"/>
+                </a:solidFill>
+                <a:latin typeface="Arial" charset="0"/>
+                <a:ea typeface="ＭＳ Ｐゴシック" charset="0"/>
+              </a:defRPr>
+            </a:lvl8pPr>
+            <a:lvl9pPr marL="3886200" indent="-228600" eaLnBrk="0" fontAlgn="base" hangingPunct="0">
+              <a:spcBef>
+                <a:spcPct val="0"/>
+              </a:spcBef>
+              <a:spcAft>
+                <a:spcPct val="0"/>
+              </a:spcAft>
+              <a:defRPr sz="2400">
+                <a:solidFill>
+                  <a:schemeClr val="tx1"/>
+                </a:solidFill>
+                <a:latin typeface="Arial" charset="0"/>
+                <a:ea typeface="ＭＳ Ｐゴシック" charset="0"/>
+              </a:defRPr>
+            </a:lvl9pPr>
+          </a:lstStyle>
+          <a:p>
+            <a:pPr eaLnBrk="1" hangingPunct="1"/>
+            <a:fld id="{148DC6ED-55DD-354E-B142-4C651FCA36AE}" type="slidenum">
+              <a:rPr lang="en-US" sz="1200">
+                <a:latin typeface="Calibri" charset="0"/>
+              </a:rPr>
+              <a:pPr eaLnBrk="1" hangingPunct="1"/>
+              <a:t>54</a:t>
             </a:fld>
-            <a:endParaRPr lang="en-US"/>
-          </a:p>
-        </p:txBody>
-      </p:sp>
-      <p:sp>
-        <p:nvSpPr>
-          <p:cNvPr id="119811" name="Rectangle 2"/>
-          <p:cNvSpPr>
-            <a:spLocks noGrp="1" noRot="1" noChangeAspect="1" noChangeArrowheads="1"/>
+            <a:endParaRPr lang="en-US" sz="1200">
+              <a:latin typeface="Calibri" charset="0"/>
+            </a:endParaRPr>
+          </a:p>
+        </p:txBody>
+      </p:sp>
+      <p:sp>
+        <p:nvSpPr>
+          <p:cNvPr id="79874" name="Rectangle 2"/>
+          <p:cNvSpPr>
+            <a:spLocks noGrp="1" noRot="1" noChangeAspect="1" noChangeArrowheads="1" noTextEdit="1"/>
           </p:cNvSpPr>
           <p:nvPr>
             <p:ph type="sldImg"/>
           </p:nvPr>
         </p:nvSpPr>
-        <p:spPr>
-          <a:solidFill>
-            <a:srgbClr val="FFFFFF"/>
-          </a:solidFill>
-          <a:ln/>
-        </p:spPr>
-      </p:sp>
-      <p:sp>
-        <p:nvSpPr>
-          <p:cNvPr id="119812" name="Rectangle 3"/>
-          <p:cNvSpPr>
-            <a:spLocks noGrp="1" noChangeArrowheads="1"/>
-          </p:cNvSpPr>
-          <p:nvPr>
-            <p:ph type="body" idx="1"/>
-          </p:nvPr>
-        </p:nvSpPr>
-        <p:spPr>
-          <a:solidFill>
-            <a:srgbClr val="FFFFFF"/>
-          </a:solidFill>
+        <p:spPr bwMode="auto">
+          <a:noFill/>
           <a:ln>
             <a:solidFill>
               <a:srgbClr val="000000"/>
             </a:solidFill>
+            <a:miter lim="800000"/>
+            <a:headEnd/>
+            <a:tailEnd/>
           </a:ln>
+          <a:extLst>
+            <a:ext uri="{909E8E84-426E-40dd-AFC4-6F175D3DCCD1}">
+              <a14:hiddenFill xmlns="" xmlns:a14="http://schemas.microsoft.com/office/drawing/2010/main">
+                <a:solidFill>
+                  <a:srgbClr val="FFFFFF"/>
+                </a:solidFill>
+              </a14:hiddenFill>
+            </a:ext>
+            <a:ext uri="{FAA26D3D-D897-4be2-8F04-BA451C77F1D7}">
+              <ma14:placeholderFlag xmlns="" xmlns:ma14="http://schemas.microsoft.com/office/mac/drawingml/2011/main" val="1"/>
+            </a:ext>
+          </a:extLst>
+        </p:spPr>
+      </p:sp>
+      <p:sp>
+        <p:nvSpPr>
+          <p:cNvPr id="79875" name="Rectangle 3"/>
+          <p:cNvSpPr>
+            <a:spLocks noGrp="1" noChangeArrowheads="1"/>
+          </p:cNvSpPr>
+          <p:nvPr>
+            <p:ph type="body" idx="1"/>
+          </p:nvPr>
+        </p:nvSpPr>
+        <p:spPr bwMode="auto">
+          <a:noFill/>
+          <a:extLst>
+            <a:ext uri="{909E8E84-426E-40dd-AFC4-6F175D3DCCD1}">
+              <a14:hiddenFill xmlns="" xmlns:a14="http://schemas.microsoft.com/office/drawing/2010/main">
+                <a:solidFill>
+                  <a:srgbClr val="FFFFFF"/>
+                </a:solidFill>
+              </a14:hiddenFill>
+            </a:ext>
+            <a:ext uri="{91240B29-F687-4f45-9708-019B960494DF}">
+              <a14:hiddenLine xmlns="" xmlns:a14="http://schemas.microsoft.com/office/drawing/2010/main" w="9525">
+                <a:solidFill>
+                  <a:srgbClr val="000000"/>
+                </a:solidFill>
+                <a:miter lim="800000"/>
+                <a:headEnd/>
+                <a:tailEnd/>
+              </a14:hiddenLine>
+            </a:ext>
+            <a:ext uri="{FAA26D3D-D897-4be2-8F04-BA451C77F1D7}">
+              <ma14:placeholderFlag xmlns="" xmlns:ma14="http://schemas.microsoft.com/office/mac/drawingml/2011/main" val="1"/>
+            </a:ext>
+          </a:extLst>
         </p:spPr>
         <p:txBody>
           <a:bodyPr/>
           <a:lstStyle/>
           <a:p>
             <a:pPr eaLnBrk="1" hangingPunct="1"/>
-            <a:endParaRPr lang="en-US"/>
+            <a:r>
+              <a:rPr lang="en-US" sz="2400" dirty="0">
+                <a:latin typeface="Calibri" charset="0"/>
+              </a:rPr>
+              <a:t>C(want to) went from 608 to 238, </a:t>
+            </a:r>
+            <a:r>
+              <a:rPr lang="en-US" dirty="0">
+                <a:latin typeface="Calibri" charset="0"/>
+              </a:rPr>
+              <a:t> </a:t>
+            </a:r>
+            <a:r>
+              <a:rPr lang="en-US" sz="2400" dirty="0">
+                <a:latin typeface="Calibri" charset="0"/>
+              </a:rPr>
+              <a:t>P(</a:t>
+            </a:r>
+            <a:r>
+              <a:rPr lang="en-US" sz="2400" dirty="0" err="1">
+                <a:latin typeface="Calibri" charset="0"/>
+              </a:rPr>
+              <a:t>to|want</a:t>
+            </a:r>
+            <a:r>
+              <a:rPr lang="en-US" sz="2400" dirty="0">
+                <a:latin typeface="Calibri" charset="0"/>
+              </a:rPr>
+              <a:t>) from .66 to .26!</a:t>
+            </a:r>
+          </a:p>
+          <a:p>
+            <a:pPr eaLnBrk="1" hangingPunct="1"/>
+            <a:r>
+              <a:rPr lang="en-US" sz="2400" dirty="0">
+                <a:latin typeface="Calibri" charset="0"/>
+              </a:rPr>
+              <a:t>Discount d= c*/c</a:t>
+            </a:r>
+          </a:p>
+          <a:p>
+            <a:pPr lvl="1" eaLnBrk="1" hangingPunct="1"/>
+            <a:r>
+              <a:rPr lang="en-US" sz="2000" dirty="0">
+                <a:latin typeface="Calibri" charset="0"/>
+              </a:rPr>
+              <a:t>d for “</a:t>
+            </a:r>
+            <a:r>
+              <a:rPr lang="en-US" sz="2000" dirty="0" err="1">
+                <a:latin typeface="Calibri" charset="0"/>
+              </a:rPr>
+              <a:t>chinese</a:t>
+            </a:r>
+            <a:r>
+              <a:rPr lang="en-US" sz="2000" dirty="0">
+                <a:latin typeface="Calibri" charset="0"/>
+              </a:rPr>
+              <a:t> food” =.10!!!   A 10x reduction</a:t>
+            </a:r>
+          </a:p>
+          <a:p>
+            <a:pPr eaLnBrk="1" hangingPunct="1">
+              <a:spcBef>
+                <a:spcPct val="0"/>
+              </a:spcBef>
+            </a:pPr>
+            <a:endParaRPr lang="en-US" dirty="0">
+              <a:latin typeface="Calibri" charset="0"/>
+              <a:ea typeface="ＭＳ Ｐゴシック" charset="0"/>
+              <a:cs typeface="ＭＳ Ｐゴシック" charset="0"/>
+            </a:endParaRPr>
           </a:p>
         </p:txBody>
       </p:sp>
@@ -6257,6 +6252,103 @@
       </p:grpSpPr>
       <p:sp>
         <p:nvSpPr>
+          <p:cNvPr id="119810" name="Rectangle 7"/>
+          <p:cNvSpPr>
+            <a:spLocks noGrp="1" noChangeArrowheads="1"/>
+          </p:cNvSpPr>
+          <p:nvPr>
+            <p:ph type="sldNum" sz="quarter" idx="5"/>
+          </p:nvPr>
+        </p:nvSpPr>
+        <p:spPr>
+          <a:noFill/>
+        </p:spPr>
+        <p:txBody>
+          <a:bodyPr/>
+          <a:lstStyle/>
+          <a:p>
+            <a:fld id="{7DFC8D75-8A9A-0B40-A7CB-F4679CC4E3D2}" type="slidenum">
+              <a:rPr lang="en-US"/>
+              <a:pPr/>
+              <a:t>55</a:t>
+            </a:fld>
+            <a:endParaRPr lang="en-US"/>
+          </a:p>
+        </p:txBody>
+      </p:sp>
+      <p:sp>
+        <p:nvSpPr>
+          <p:cNvPr id="119811" name="Rectangle 2"/>
+          <p:cNvSpPr>
+            <a:spLocks noGrp="1" noRot="1" noChangeAspect="1" noChangeArrowheads="1"/>
+          </p:cNvSpPr>
+          <p:nvPr>
+            <p:ph type="sldImg"/>
+          </p:nvPr>
+        </p:nvSpPr>
+        <p:spPr>
+          <a:solidFill>
+            <a:srgbClr val="FFFFFF"/>
+          </a:solidFill>
+          <a:ln/>
+        </p:spPr>
+      </p:sp>
+      <p:sp>
+        <p:nvSpPr>
+          <p:cNvPr id="119812" name="Rectangle 3"/>
+          <p:cNvSpPr>
+            <a:spLocks noGrp="1" noChangeArrowheads="1"/>
+          </p:cNvSpPr>
+          <p:nvPr>
+            <p:ph type="body" idx="1"/>
+          </p:nvPr>
+        </p:nvSpPr>
+        <p:spPr>
+          <a:solidFill>
+            <a:srgbClr val="FFFFFF"/>
+          </a:solidFill>
+          <a:ln>
+            <a:solidFill>
+              <a:srgbClr val="000000"/>
+            </a:solidFill>
+          </a:ln>
+        </p:spPr>
+        <p:txBody>
+          <a:bodyPr/>
+          <a:lstStyle/>
+          <a:p>
+            <a:pPr eaLnBrk="1" hangingPunct="1"/>
+            <a:endParaRPr lang="en-US"/>
+          </a:p>
+        </p:txBody>
+      </p:sp>
+    </p:spTree>
+  </p:cSld>
+  <p:clrMapOvr>
+    <a:masterClrMapping/>
+  </p:clrMapOvr>
+</p:notes>
+</file>
+
+<file path=ppt/notesSlides/notesSlide52.xml><?xml version="1.0" encoding="utf-8"?>
+<p:notes xmlns:a="http://schemas.openxmlformats.org/drawingml/2006/main" xmlns:r="http://schemas.openxmlformats.org/officeDocument/2006/relationships" xmlns:p="http://schemas.openxmlformats.org/presentationml/2006/main">
+  <p:cSld>
+    <p:spTree>
+      <p:nvGrpSpPr>
+        <p:cNvPr id="1" name=""/>
+        <p:cNvGrpSpPr/>
+        <p:nvPr/>
+      </p:nvGrpSpPr>
+      <p:grpSpPr>
+        <a:xfrm>
+          <a:off x="0" y="0"/>
+          <a:ext cx="0" cy="0"/>
+          <a:chOff x="0" y="0"/>
+          <a:chExt cx="0" cy="0"/>
+        </a:xfrm>
+      </p:grpSpPr>
+      <p:sp>
+        <p:nvSpPr>
           <p:cNvPr id="17410" name="Rectangle 7"/>
           <p:cNvSpPr>
             <a:spLocks noGrp="1" noChangeArrowheads="1"/>
@@ -6345,7 +6437,7 @@
       </p:grpSpPr>
       <p:sp>
         <p:nvSpPr>
-          <p:cNvPr id="70658" name="Rectangle 7"/>
+          <p:cNvPr id="68610" name="Rectangle 7"/>
           <p:cNvSpPr>
             <a:spLocks noGrp="1" noChangeArrowheads="1"/>
           </p:cNvSpPr>
@@ -6360,10 +6452,10 @@
           <a:bodyPr/>
           <a:lstStyle/>
           <a:p>
-            <a:fld id="{C24D5933-64A4-6347-B6F5-7474C2DA1EC7}" type="slidenum">
+            <a:fld id="{DAAAF750-AC54-8649-86DE-2549480B55BA}" type="slidenum">
               <a:rPr lang="en-US"/>
               <a:pPr/>
-              <a:t>7</a:t>
+              <a:t>6</a:t>
             </a:fld>
             <a:endParaRPr lang="en-US"/>
           </a:p>
@@ -6371,7 +6463,7 @@
       </p:sp>
       <p:sp>
         <p:nvSpPr>
-          <p:cNvPr id="70659" name="Rectangle 2"/>
+          <p:cNvPr id="68611" name="Rectangle 2"/>
           <p:cNvSpPr>
             <a:spLocks noGrp="1" noRot="1" noChangeAspect="1" noChangeArrowheads="1"/>
           </p:cNvSpPr>
@@ -6388,7 +6480,7 @@
       </p:sp>
       <p:sp>
         <p:nvSpPr>
-          <p:cNvPr id="70660" name="Rectangle 3"/>
+          <p:cNvPr id="68612" name="Rectangle 3"/>
           <p:cNvSpPr>
             <a:spLocks noGrp="1" noChangeArrowheads="1"/>
           </p:cNvSpPr>
@@ -6411,7 +6503,7 @@
           <a:lstStyle/>
           <a:p>
             <a:pPr eaLnBrk="1" hangingPunct="1"/>
-            <a:endParaRPr lang="en-US"/>
+            <a:endParaRPr lang="en-US" dirty="0"/>
           </a:p>
         </p:txBody>
       </p:sp>
@@ -6442,7 +6534,7 @@
       </p:grpSpPr>
       <p:sp>
         <p:nvSpPr>
-          <p:cNvPr id="72706" name="Rectangle 7"/>
+          <p:cNvPr id="70658" name="Rectangle 7"/>
           <p:cNvSpPr>
             <a:spLocks noGrp="1" noChangeArrowheads="1"/>
           </p:cNvSpPr>
@@ -6457,10 +6549,10 @@
           <a:bodyPr/>
           <a:lstStyle/>
           <a:p>
-            <a:fld id="{FDB5D5E7-7ECC-C547-B760-70A49FF3CCB1}" type="slidenum">
+            <a:fld id="{C24D5933-64A4-6347-B6F5-7474C2DA1EC7}" type="slidenum">
               <a:rPr lang="en-US"/>
               <a:pPr/>
-              <a:t>8</a:t>
+              <a:t>7</a:t>
             </a:fld>
             <a:endParaRPr lang="en-US"/>
           </a:p>
@@ -6468,21 +6560,24 @@
       </p:sp>
       <p:sp>
         <p:nvSpPr>
-          <p:cNvPr id="72707" name="Rectangle 2"/>
-          <p:cNvSpPr>
-            <a:spLocks noGrp="1" noRot="1" noChangeAspect="1" noChangeArrowheads="1" noTextEdit="1"/>
+          <p:cNvPr id="70659" name="Rectangle 2"/>
+          <p:cNvSpPr>
+            <a:spLocks noGrp="1" noRot="1" noChangeAspect="1" noChangeArrowheads="1"/>
           </p:cNvSpPr>
           <p:nvPr>
             <p:ph type="sldImg"/>
           </p:nvPr>
         </p:nvSpPr>
         <p:spPr>
+          <a:solidFill>
+            <a:srgbClr val="FFFFFF"/>
+          </a:solidFill>
           <a:ln/>
         </p:spPr>
       </p:sp>
       <p:sp>
         <p:nvSpPr>
-          <p:cNvPr id="72708" name="Rectangle 3"/>
+          <p:cNvPr id="70660" name="Rectangle 3"/>
           <p:cNvSpPr>
             <a:spLocks noGrp="1" noChangeArrowheads="1"/>
           </p:cNvSpPr>
@@ -6491,8 +6586,14 @@
           </p:nvPr>
         </p:nvSpPr>
         <p:spPr>
-          <a:noFill/>
-          <a:ln/>
+          <a:solidFill>
+            <a:srgbClr val="FFFFFF"/>
+          </a:solidFill>
+          <a:ln>
+            <a:solidFill>
+              <a:srgbClr val="000000"/>
+            </a:solidFill>
+          </a:ln>
         </p:spPr>
         <p:txBody>
           <a:bodyPr/>
@@ -6530,7 +6631,7 @@
       </p:grpSpPr>
       <p:sp>
         <p:nvSpPr>
-          <p:cNvPr id="76802" name="Rectangle 7"/>
+          <p:cNvPr id="72706" name="Rectangle 7"/>
           <p:cNvSpPr>
             <a:spLocks noGrp="1" noChangeArrowheads="1"/>
           </p:cNvSpPr>
@@ -6545,10 +6646,10 @@
           <a:bodyPr/>
           <a:lstStyle/>
           <a:p>
-            <a:fld id="{16C90346-8C42-B949-9ED1-59E585D457E3}" type="slidenum">
+            <a:fld id="{FDB5D5E7-7ECC-C547-B760-70A49FF3CCB1}" type="slidenum">
               <a:rPr lang="en-US"/>
               <a:pPr/>
-              <a:t>9</a:t>
+              <a:t>8</a:t>
             </a:fld>
             <a:endParaRPr lang="en-US"/>
           </a:p>
@@ -6556,24 +6657,21 @@
       </p:sp>
       <p:sp>
         <p:nvSpPr>
-          <p:cNvPr id="76803" name="Rectangle 2"/>
-          <p:cNvSpPr>
-            <a:spLocks noGrp="1" noRot="1" noChangeAspect="1" noChangeArrowheads="1"/>
+          <p:cNvPr id="72707" name="Rectangle 2"/>
+          <p:cNvSpPr>
+            <a:spLocks noGrp="1" noRot="1" noChangeAspect="1" noChangeArrowheads="1" noTextEdit="1"/>
           </p:cNvSpPr>
           <p:nvPr>
             <p:ph type="sldImg"/>
           </p:nvPr>
         </p:nvSpPr>
         <p:spPr>
-          <a:solidFill>
-            <a:srgbClr val="FFFFFF"/>
-          </a:solidFill>
           <a:ln/>
         </p:spPr>
       </p:sp>
       <p:sp>
         <p:nvSpPr>
-          <p:cNvPr id="76804" name="Rectangle 3"/>
+          <p:cNvPr id="72708" name="Rectangle 3"/>
           <p:cNvSpPr>
             <a:spLocks noGrp="1" noChangeArrowheads="1"/>
           </p:cNvSpPr>
@@ -6582,14 +6680,8 @@
           </p:nvPr>
         </p:nvSpPr>
         <p:spPr>
-          <a:solidFill>
-            <a:srgbClr val="FFFFFF"/>
-          </a:solidFill>
-          <a:ln>
-            <a:solidFill>
-              <a:srgbClr val="000000"/>
-            </a:solidFill>
-          </a:ln>
+          <a:noFill/>
+          <a:ln/>
         </p:spPr>
         <p:txBody>
           <a:bodyPr/>
@@ -6645,7 +6737,7 @@
             <a:fld id="{16C90346-8C42-B949-9ED1-59E585D457E3}" type="slidenum">
               <a:rPr lang="en-US"/>
               <a:pPr/>
-              <a:t>10</a:t>
+              <a:t>9</a:t>
             </a:fld>
             <a:endParaRPr lang="en-US"/>
           </a:p>
@@ -6855,7 +6947,7 @@
           <a:p>
             <a:fld id="{240CDC23-E565-C848-9AF6-12BD09C53D91}" type="datetimeFigureOut">
               <a:rPr lang="en-US" smtClean="0"/>
-              <a:t>2/9/2024</a:t>
+              <a:t>5/14/2024</a:t>
             </a:fld>
             <a:endParaRPr lang="en-US"/>
           </a:p>
@@ -8848,7 +8940,7 @@
           <a:p>
             <a:fld id="{240CDC23-E565-C848-9AF6-12BD09C53D91}" type="datetimeFigureOut">
               <a:rPr lang="en-US" smtClean="0"/>
-              <a:t>2/9/2024</a:t>
+              <a:t>5/14/2024</a:t>
             </a:fld>
             <a:endParaRPr lang="en-US"/>
           </a:p>
@@ -9155,7 +9247,7 @@
           <a:p>
             <a:fld id="{240CDC23-E565-C848-9AF6-12BD09C53D91}" type="datetimeFigureOut">
               <a:rPr lang="en-US" smtClean="0"/>
-              <a:t>2/9/2024</a:t>
+              <a:t>5/14/2024</a:t>
             </a:fld>
             <a:endParaRPr lang="en-US"/>
           </a:p>
@@ -9514,7 +9606,7 @@
           <a:p>
             <a:fld id="{240CDC23-E565-C848-9AF6-12BD09C53D91}" type="datetimeFigureOut">
               <a:rPr lang="en-US" smtClean="0"/>
-              <a:t>2/9/2024</a:t>
+              <a:t>5/14/2024</a:t>
             </a:fld>
             <a:endParaRPr lang="en-US"/>
           </a:p>
@@ -9893,7 +9985,7 @@
           <a:p>
             <a:fld id="{240CDC23-E565-C848-9AF6-12BD09C53D91}" type="datetimeFigureOut">
               <a:rPr lang="en-US" smtClean="0"/>
-              <a:t>2/9/2024</a:t>
+              <a:t>5/14/2024</a:t>
             </a:fld>
             <a:endParaRPr lang="en-US"/>
           </a:p>
@@ -10016,7 +10108,7 @@
           <a:p>
             <a:fld id="{240CDC23-E565-C848-9AF6-12BD09C53D91}" type="datetimeFigureOut">
               <a:rPr lang="en-US" smtClean="0"/>
-              <a:t>2/9/2024</a:t>
+              <a:t>5/14/2024</a:t>
             </a:fld>
             <a:endParaRPr lang="en-US"/>
           </a:p>
@@ -10362,7 +10454,7 @@
           <a:p>
             <a:fld id="{240CDC23-E565-C848-9AF6-12BD09C53D91}" type="datetimeFigureOut">
               <a:rPr lang="en-US" smtClean="0"/>
-              <a:t>2/9/2024</a:t>
+              <a:t>5/14/2024</a:t>
             </a:fld>
             <a:endParaRPr lang="en-US"/>
           </a:p>
@@ -10552,7 +10644,7 @@
           <a:p>
             <a:fld id="{240CDC23-E565-C848-9AF6-12BD09C53D91}" type="datetimeFigureOut">
               <a:rPr lang="en-US" smtClean="0"/>
-              <a:t>2/9/2024</a:t>
+              <a:t>5/14/2024</a:t>
             </a:fld>
             <a:r>
               <a:rPr lang="en-US" dirty="0" err="1"/>
@@ -11065,7 +11157,7 @@
           <a:p>
             <a:fld id="{240CDC23-E565-C848-9AF6-12BD09C53D91}" type="datetimeFigureOut">
               <a:rPr lang="en-US" smtClean="0"/>
-              <a:t>2/9/2024</a:t>
+              <a:t>5/14/2024</a:t>
             </a:fld>
             <a:endParaRPr lang="en-US"/>
           </a:p>
@@ -11572,10 +11664,6 @@
           <a:lstStyle/>
           <a:p>
             <a:pPr eaLnBrk="1" hangingPunct="1"/>
-            <a:r>
-              <a:rPr sz="4400" dirty="0"/>
-              <a:t/>
-            </a:r>
             <a:br>
               <a:rPr sz="4400" dirty="0"/>
             </a:br>
@@ -11679,7 +11767,6 @@
               <a:rPr lang="en-US" dirty="0"/>
               <a:t>Random sentence generated from a Jane Austen trigram model</a:t>
             </a:r>
-            <a:endParaRPr lang="en-US" dirty="0"/>
           </a:p>
         </p:txBody>
       </p:sp>
@@ -11693,13 +11780,6 @@
   <p:clrMapOvr>
     <a:masterClrMapping/>
   </p:clrMapOvr>
-  <p:timing>
-    <p:tnLst>
-      <p:par>
-        <p:cTn id="1" dur="indefinite" restart="never" nodeType="tmRoot"/>
-      </p:par>
-    </p:tnLst>
-  </p:timing>
 </p:sld>
 </file>
 
@@ -11831,12 +11911,12 @@
           <a:graphicData uri="http://schemas.openxmlformats.org/presentationml/2006/ole">
             <mc:AlternateContent xmlns:mc="http://schemas.openxmlformats.org/markup-compatibility/2006">
               <mc:Choice xmlns:v="urn:schemas-microsoft-com:vml" Requires="v">
-                <p:oleObj spid="_x0000_s5375" name="Equation" r:id="rId4" imgW="2311200" imgH="342720" progId="Equation.3">
+                <p:oleObj name="Equation" r:id="rId3" imgW="2311200" imgH="342720" progId="Equation.3">
                   <p:embed/>
                 </p:oleObj>
               </mc:Choice>
               <mc:Fallback>
-                <p:oleObj name="Equation" r:id="rId4" imgW="2311200" imgH="342720" progId="Equation.3">
+                <p:oleObj name="Equation" r:id="rId3" imgW="2311200" imgH="342720" progId="Equation.3">
                   <p:embed/>
                   <p:pic>
                     <p:nvPicPr>
@@ -11847,7 +11927,7 @@
                       <p:nvPr/>
                     </p:nvPicPr>
                     <p:blipFill>
-                      <a:blip r:embed="rId5"/>
+                      <a:blip r:embed="rId4"/>
                       <a:srcRect/>
                       <a:stretch>
                         <a:fillRect/>
@@ -11865,14 +11945,14 @@
                       <a:effectLst/>
                       <a:extLst>
                         <a:ext uri="{909E8E84-426E-40dd-AFC4-6F175D3DCCD1}">
-                          <a14:hiddenFill xmlns:a14="http://schemas.microsoft.com/office/drawing/2010/main" xmlns="">
+                          <a14:hiddenFill xmlns="" xmlns:a14="http://schemas.microsoft.com/office/drawing/2010/main">
                             <a:solidFill>
                               <a:srgbClr val="FFFFFF"/>
                             </a:solidFill>
                           </a14:hiddenFill>
                         </a:ext>
                         <a:ext uri="{AF507438-7753-43e0-B8FC-AC1667EBCBE1}">
-                          <a14:hiddenEffects xmlns:a14="http://schemas.microsoft.com/office/drawing/2010/main" xmlns="">
+                          <a14:hiddenEffects xmlns="" xmlns:a14="http://schemas.microsoft.com/office/drawing/2010/main">
                             <a:effectLst>
                               <a:outerShdw blurRad="63500" dist="38099" dir="2700000" algn="ctr" rotWithShape="0">
                                 <a:srgbClr val="808080">
@@ -11913,12 +11993,12 @@
           <a:graphicData uri="http://schemas.openxmlformats.org/presentationml/2006/ole">
             <mc:AlternateContent xmlns:mc="http://schemas.openxmlformats.org/markup-compatibility/2006">
               <mc:Choice xmlns:v="urn:schemas-microsoft-com:vml" Requires="v">
-                <p:oleObj spid="_x0000_s5376" name="Equation" r:id="rId6" imgW="2400120" imgH="228600" progId="Equation.3">
+                <p:oleObj name="Equation" r:id="rId5" imgW="2400120" imgH="228600" progId="Equation.3">
                   <p:embed/>
                 </p:oleObj>
               </mc:Choice>
               <mc:Fallback>
-                <p:oleObj name="Equation" r:id="rId6" imgW="2400120" imgH="228600" progId="Equation.3">
+                <p:oleObj name="Equation" r:id="rId5" imgW="2400120" imgH="228600" progId="Equation.3">
                   <p:embed/>
                   <p:pic>
                     <p:nvPicPr>
@@ -11929,7 +12009,7 @@
                       <p:nvPr/>
                     </p:nvPicPr>
                     <p:blipFill>
-                      <a:blip r:embed="rId7"/>
+                      <a:blip r:embed="rId6"/>
                       <a:srcRect/>
                       <a:stretch>
                         <a:fillRect/>
@@ -11947,14 +12027,14 @@
                       <a:effectLst/>
                       <a:extLst>
                         <a:ext uri="{909E8E84-426E-40dd-AFC4-6F175D3DCCD1}">
-                          <a14:hiddenFill xmlns:a14="http://schemas.microsoft.com/office/drawing/2010/main" xmlns="">
+                          <a14:hiddenFill xmlns="" xmlns:a14="http://schemas.microsoft.com/office/drawing/2010/main">
                             <a:solidFill>
                               <a:srgbClr val="FFFFFF"/>
                             </a:solidFill>
                           </a14:hiddenFill>
                         </a:ext>
                         <a:ext uri="{AF507438-7753-43e0-B8FC-AC1667EBCBE1}">
-                          <a14:hiddenEffects xmlns:a14="http://schemas.microsoft.com/office/drawing/2010/main" xmlns="">
+                          <a14:hiddenEffects xmlns="" xmlns:a14="http://schemas.microsoft.com/office/drawing/2010/main">
                             <a:effectLst>
                               <a:outerShdw blurRad="63500" dist="38099" dir="2700000" algn="ctr" rotWithShape="0">
                                 <a:srgbClr val="808080">
@@ -11983,13 +12063,6 @@
   <p:clrMapOvr>
     <a:masterClrMapping/>
   </p:clrMapOvr>
-  <p:timing>
-    <p:tnLst>
-      <p:par>
-        <p:cTn id="1" dur="indefinite" restart="never" nodeType="tmRoot"/>
-      </p:par>
-    </p:tnLst>
-  </p:timing>
 </p:sld>
 </file>
 
@@ -12051,7 +12124,7 @@
               </a:buClr>
               <a:buFont typeface="Wingdings" charset="2"/>
               <a:buBlip>
-                <a:blip r:embed="rId4"/>
+                <a:blip r:embed="rId3"/>
               </a:buBlip>
             </a:pPr>
             <a:endParaRPr lang="en-US" sz="2400">
@@ -12071,7 +12144,7 @@
               </a:buClr>
               <a:buFont typeface="Wingdings" charset="2"/>
               <a:buBlip>
-                <a:blip r:embed="rId4"/>
+                <a:blip r:embed="rId3"/>
               </a:buBlip>
             </a:pPr>
             <a:endParaRPr lang="en-US" sz="2400">
@@ -12091,7 +12164,7 @@
               </a:buClr>
               <a:buFont typeface="Wingdings" charset="2"/>
               <a:buBlip>
-                <a:blip r:embed="rId4"/>
+                <a:blip r:embed="rId3"/>
               </a:buBlip>
             </a:pPr>
             <a:endParaRPr lang="en-US" sz="2400">
@@ -12111,7 +12184,7 @@
               </a:buClr>
               <a:buFont typeface="Wingdings" charset="2"/>
               <a:buBlip>
-                <a:blip r:embed="rId4"/>
+                <a:blip r:embed="rId3"/>
               </a:buBlip>
             </a:pPr>
             <a:endParaRPr lang="en-US" sz="2400">
@@ -12281,12 +12354,12 @@
           <a:graphicData uri="http://schemas.openxmlformats.org/presentationml/2006/ole">
             <mc:AlternateContent xmlns:mc="http://schemas.openxmlformats.org/markup-compatibility/2006">
               <mc:Choice xmlns:v="urn:schemas-microsoft-com:vml" Requires="v">
-                <p:oleObj spid="_x0000_s6284" name="Equation" r:id="rId5" imgW="1587240" imgH="342720" progId="Equation.3">
+                <p:oleObj name="Equation" r:id="rId4" imgW="1587240" imgH="342720" progId="Equation.3">
                   <p:embed/>
                 </p:oleObj>
               </mc:Choice>
               <mc:Fallback>
-                <p:oleObj name="Equation" r:id="rId5" imgW="1587240" imgH="342720" progId="Equation.3">
+                <p:oleObj name="Equation" r:id="rId4" imgW="1587240" imgH="342720" progId="Equation.3">
                   <p:embed/>
                   <p:pic>
                     <p:nvPicPr>
@@ -12297,7 +12370,7 @@
                       <p:nvPr/>
                     </p:nvPicPr>
                     <p:blipFill>
-                      <a:blip r:embed="rId6"/>
+                      <a:blip r:embed="rId5"/>
                       <a:srcRect/>
                       <a:stretch>
                         <a:fillRect/>
@@ -12331,13 +12404,6 @@
   <p:clrMapOvr>
     <a:masterClrMapping/>
   </p:clrMapOvr>
-  <p:timing>
-    <p:tnLst>
-      <p:par>
-        <p:cTn id="1" dur="indefinite" restart="never" nodeType="tmRoot"/>
-      </p:par>
-    </p:tnLst>
-  </p:timing>
 </p:sld>
 </file>
 
@@ -12399,7 +12465,7 @@
               </a:buClr>
               <a:buFont typeface="Wingdings" charset="2"/>
               <a:buBlip>
-                <a:blip r:embed="rId4"/>
+                <a:blip r:embed="rId3"/>
               </a:buBlip>
             </a:pPr>
             <a:r>
@@ -12446,7 +12512,7 @@
               </a:buClr>
               <a:buFont typeface="Wingdings" charset="2"/>
               <a:buBlip>
-                <a:blip r:embed="rId4"/>
+                <a:blip r:embed="rId3"/>
               </a:buBlip>
             </a:pPr>
             <a:endParaRPr lang="en-US" sz="2400" dirty="0">
@@ -12466,7 +12532,7 @@
               </a:buClr>
               <a:buFont typeface="Wingdings" charset="2"/>
               <a:buBlip>
-                <a:blip r:embed="rId4"/>
+                <a:blip r:embed="rId3"/>
               </a:buBlip>
             </a:pPr>
             <a:endParaRPr lang="en-US" sz="2400" dirty="0">
@@ -12486,7 +12552,7 @@
               </a:buClr>
               <a:buFont typeface="Wingdings" charset="2"/>
               <a:buBlip>
-                <a:blip r:embed="rId4"/>
+                <a:blip r:embed="rId3"/>
               </a:buBlip>
             </a:pPr>
             <a:endParaRPr lang="en-US" sz="2400" dirty="0">
@@ -12665,12 +12731,12 @@
           <a:graphicData uri="http://schemas.openxmlformats.org/presentationml/2006/ole">
             <mc:AlternateContent xmlns:mc="http://schemas.openxmlformats.org/markup-compatibility/2006">
               <mc:Choice xmlns:v="urn:schemas-microsoft-com:vml" Requires="v">
-                <p:oleObj spid="_x0000_s7308" name="Equation" r:id="rId5" imgW="1981080" imgH="228600" progId="Equation.3">
+                <p:oleObj name="Equation" r:id="rId4" imgW="1981080" imgH="228600" progId="Equation.3">
                   <p:embed/>
                 </p:oleObj>
               </mc:Choice>
               <mc:Fallback>
-                <p:oleObj name="Equation" r:id="rId5" imgW="1981080" imgH="228600" progId="Equation.3">
+                <p:oleObj name="Equation" r:id="rId4" imgW="1981080" imgH="228600" progId="Equation.3">
                   <p:embed/>
                   <p:pic>
                     <p:nvPicPr>
@@ -12681,7 +12747,7 @@
                       <p:nvPr/>
                     </p:nvPicPr>
                     <p:blipFill>
-                      <a:blip r:embed="rId6"/>
+                      <a:blip r:embed="rId5"/>
                       <a:srcRect/>
                       <a:stretch>
                         <a:fillRect/>
@@ -12699,14 +12765,14 @@
                       <a:effectLst/>
                       <a:extLst>
                         <a:ext uri="{909E8E84-426E-40dd-AFC4-6F175D3DCCD1}">
-                          <a14:hiddenFill xmlns:a14="http://schemas.microsoft.com/office/drawing/2010/main" xmlns="">
+                          <a14:hiddenFill xmlns="" xmlns:a14="http://schemas.microsoft.com/office/drawing/2010/main">
                             <a:solidFill>
                               <a:srgbClr val="FFFFFF"/>
                             </a:solidFill>
                           </a14:hiddenFill>
                         </a:ext>
                         <a:ext uri="{AF507438-7753-43e0-B8FC-AC1667EBCBE1}">
-                          <a14:hiddenEffects xmlns:a14="http://schemas.microsoft.com/office/drawing/2010/main" xmlns="">
+                          <a14:hiddenEffects xmlns="" xmlns:a14="http://schemas.microsoft.com/office/drawing/2010/main">
                             <a:effectLst>
                               <a:outerShdw blurRad="63500" dist="38099" dir="2700000" algn="ctr" rotWithShape="0">
                                 <a:srgbClr val="808080">
@@ -12735,13 +12801,6 @@
   <p:clrMapOvr>
     <a:masterClrMapping/>
   </p:clrMapOvr>
-  <p:timing>
-    <p:tnLst>
-      <p:par>
-        <p:cTn id="1" dur="indefinite" restart="never" nodeType="tmRoot"/>
-      </p:par>
-    </p:tnLst>
-  </p:timing>
 </p:sld>
 </file>
 
@@ -13169,12 +13228,12 @@
           <a:graphicData uri="http://schemas.openxmlformats.org/presentationml/2006/ole">
             <mc:AlternateContent xmlns:mc="http://schemas.openxmlformats.org/markup-compatibility/2006">
               <mc:Choice xmlns:v="urn:schemas-microsoft-com:vml" Requires="v">
-                <p:oleObj spid="_x0000_s8452" name="Equation" r:id="rId4" imgW="1752600" imgH="406400" progId="Equation.3">
+                <p:oleObj name="Equation" r:id="rId3" imgW="1752600" imgH="406400" progId="Equation.3">
                   <p:embed/>
                 </p:oleObj>
               </mc:Choice>
               <mc:Fallback>
-                <p:oleObj name="Equation" r:id="rId4" imgW="1752600" imgH="406400" progId="Equation.3">
+                <p:oleObj name="Equation" r:id="rId3" imgW="1752600" imgH="406400" progId="Equation.3">
                   <p:embed/>
                   <p:pic>
                     <p:nvPicPr>
@@ -13185,7 +13244,7 @@
                       <p:nvPr/>
                     </p:nvPicPr>
                     <p:blipFill>
-                      <a:blip r:embed="rId5">
+                      <a:blip r:embed="rId4">
                         <a:extLst>
                           <a:ext uri="{28A0092B-C50C-407E-A947-70E740481C1C}">
                             <a14:useLocalDpi xmlns:a14="http://schemas.microsoft.com/office/drawing/2010/main" val="0"/>
@@ -13240,12 +13299,12 @@
           <a:graphicData uri="http://schemas.openxmlformats.org/presentationml/2006/ole">
             <mc:AlternateContent xmlns:mc="http://schemas.openxmlformats.org/markup-compatibility/2006">
               <mc:Choice xmlns:v="urn:schemas-microsoft-com:vml" Requires="v">
-                <p:oleObj spid="_x0000_s8453" name="Equation" r:id="rId6" imgW="1485900" imgH="406400" progId="Equation.3">
+                <p:oleObj name="Equation" r:id="rId5" imgW="1485900" imgH="406400" progId="Equation.3">
                   <p:embed/>
                 </p:oleObj>
               </mc:Choice>
               <mc:Fallback>
-                <p:oleObj name="Equation" r:id="rId6" imgW="1485900" imgH="406400" progId="Equation.3">
+                <p:oleObj name="Equation" r:id="rId5" imgW="1485900" imgH="406400" progId="Equation.3">
                   <p:embed/>
                   <p:pic>
                     <p:nvPicPr>
@@ -13256,7 +13315,7 @@
                       <p:nvPr/>
                     </p:nvPicPr>
                     <p:blipFill>
-                      <a:blip r:embed="rId7">
+                      <a:blip r:embed="rId6">
                         <a:extLst>
                           <a:ext uri="{28A0092B-C50C-407E-A947-70E740481C1C}">
                             <a14:useLocalDpi xmlns:a14="http://schemas.microsoft.com/office/drawing/2010/main" val="0"/>
@@ -13299,13 +13358,6 @@
   <p:clrMapOvr>
     <a:masterClrMapping/>
   </p:clrMapOvr>
-  <p:timing>
-    <p:tnLst>
-      <p:par>
-        <p:cTn id="1" dur="indefinite" restart="never" nodeType="tmRoot"/>
-      </p:par>
-    </p:tnLst>
-  </p:timing>
 </p:sld>
 </file>
 
@@ -13497,7 +13549,7 @@
           <p:nvPr/>
         </p:nvPicPr>
         <p:blipFill>
-          <a:blip r:embed="rId4"/>
+          <a:blip r:embed="rId3"/>
           <a:srcRect/>
           <a:stretch>
             <a:fillRect/>
@@ -13542,12 +13594,12 @@
           <a:graphicData uri="http://schemas.openxmlformats.org/presentationml/2006/ole">
             <mc:AlternateContent xmlns:mc="http://schemas.openxmlformats.org/markup-compatibility/2006">
               <mc:Choice xmlns:v="urn:schemas-microsoft-com:vml" Requires="v">
-                <p:oleObj spid="_x0000_s10371" name="Equation" r:id="rId5" imgW="1485900" imgH="406400" progId="Equation.3">
+                <p:oleObj name="Equation" r:id="rId4" imgW="1485900" imgH="406400" progId="Equation.3">
                   <p:embed/>
                 </p:oleObj>
               </mc:Choice>
               <mc:Fallback>
-                <p:oleObj name="Equation" r:id="rId5" imgW="1485900" imgH="406400" progId="Equation.3">
+                <p:oleObj name="Equation" r:id="rId4" imgW="1485900" imgH="406400" progId="Equation.3">
                   <p:embed/>
                   <p:pic>
                     <p:nvPicPr>
@@ -13558,7 +13610,7 @@
                       <p:nvPr/>
                     </p:nvPicPr>
                     <p:blipFill>
-                      <a:blip r:embed="rId6">
+                      <a:blip r:embed="rId5">
                         <a:extLst>
                           <a:ext uri="{28A0092B-C50C-407E-A947-70E740481C1C}">
                             <a14:useLocalDpi xmlns:a14="http://schemas.microsoft.com/office/drawing/2010/main" val="0"/>
@@ -13956,13 +14008,6 @@
   <p:clrMapOvr>
     <a:masterClrMapping/>
   </p:clrMapOvr>
-  <p:timing>
-    <p:tnLst>
-      <p:par>
-        <p:cTn id="1" dur="indefinite" restart="never" nodeType="tmRoot"/>
-      </p:par>
-    </p:tnLst>
-  </p:timing>
 </p:sld>
 </file>
 
@@ -14083,13 +14128,6 @@
   <p:clrMapOvr>
     <a:masterClrMapping/>
   </p:clrMapOvr>
-  <p:timing>
-    <p:tnLst>
-      <p:par>
-        <p:cTn id="1" dur="indefinite" restart="never" nodeType="tmRoot"/>
-      </p:par>
-    </p:tnLst>
-  </p:timing>
 </p:sld>
 </file>
 
@@ -14251,13 +14289,6 @@
   <p:clrMapOvr>
     <a:masterClrMapping/>
   </p:clrMapOvr>
-  <p:timing>
-    <p:tnLst>
-      <p:par>
-        <p:cTn id="1" dur="indefinite" restart="never" nodeType="tmRoot"/>
-      </p:par>
-    </p:tnLst>
-  </p:timing>
 </p:sld>
 </file>
 
@@ -14464,13 +14495,6 @@
   <p:clrMapOvr>
     <a:masterClrMapping/>
   </p:clrMapOvr>
-  <p:timing>
-    <p:tnLst>
-      <p:par>
-        <p:cTn id="1" dur="indefinite" restart="never" nodeType="tmRoot"/>
-      </p:par>
-    </p:tnLst>
-  </p:timing>
 </p:sld>
 </file>
 
@@ -14507,12 +14531,8 @@
           <a:lstStyle/>
           <a:p>
             <a:r>
-              <a:rPr lang="en-US" dirty="0" smtClean="0"/>
-              <a:t>      Probabilistic </a:t>
-            </a:r>
-            <a:r>
               <a:rPr lang="en-US" dirty="0"/>
-              <a:t>Language Models</a:t>
+              <a:t>      Probabilistic Language Models</a:t>
             </a:r>
           </a:p>
         </p:txBody>
@@ -14542,21 +14562,8 @@
             <a:pPr algn="just"/>
             <a:r>
               <a:rPr lang="en-US" b="1" i="1" dirty="0"/>
-              <a:t>“You are uniformly charming!” cried he, with a smile of associating and </a:t>
-            </a:r>
-            <a:r>
-              <a:rPr lang="en-US" b="1" i="1" dirty="0" smtClean="0"/>
-              <a:t>now and </a:t>
-            </a:r>
-            <a:r>
-              <a:rPr lang="en-US" b="1" i="1" dirty="0"/>
-              <a:t>then I bowed and they perceived a chaise and four to wish for</a:t>
-            </a:r>
-            <a:r>
-              <a:rPr lang="en-US" b="1" i="1" dirty="0" smtClean="0"/>
-              <a:t>.</a:t>
-            </a:r>
-            <a:endParaRPr lang="en-US" b="1" i="1" dirty="0"/>
+              <a:t>“You are uniformly charming!” cried he, with a smile of associating and now and then I bowed and they perceived a chaise and four to wish for.</a:t>
+            </a:r>
           </a:p>
         </p:txBody>
       </p:sp>
@@ -14594,7 +14601,6 @@
               <a:rPr lang="en-US" sz="1600" dirty="0"/>
               <a:t>trigram model</a:t>
             </a:r>
-            <a:endParaRPr lang="en-US" sz="1600" dirty="0"/>
           </a:p>
         </p:txBody>
       </p:sp>
@@ -14964,13 +14970,6 @@
   <p:clrMapOvr>
     <a:masterClrMapping/>
   </p:clrMapOvr>
-  <p:timing>
-    <p:tnLst>
-      <p:par>
-        <p:cTn id="1" dur="indefinite" restart="never" nodeType="tmRoot"/>
-      </p:par>
-    </p:tnLst>
-  </p:timing>
 </p:sld>
 </file>
 
@@ -15079,12 +15078,12 @@
           <a:graphicData uri="http://schemas.openxmlformats.org/presentationml/2006/ole">
             <mc:AlternateContent xmlns:mc="http://schemas.openxmlformats.org/markup-compatibility/2006">
               <mc:Choice xmlns:v="urn:schemas-microsoft-com:vml" Requires="v">
-                <p:oleObj spid="_x0000_s26743" name="Equation" r:id="rId4" imgW="3276600" imgH="215900" progId="Equation.3">
+                <p:oleObj name="Equation" r:id="rId3" imgW="3276600" imgH="215900" progId="Equation.3">
                   <p:embed/>
                 </p:oleObj>
               </mc:Choice>
               <mc:Fallback>
-                <p:oleObj name="Equation" r:id="rId4" imgW="3276600" imgH="215900" progId="Equation.3">
+                <p:oleObj name="Equation" r:id="rId3" imgW="3276600" imgH="215900" progId="Equation.3">
                   <p:embed/>
                   <p:pic>
                     <p:nvPicPr>
@@ -15093,7 +15092,7 @@
                       <p:nvPr/>
                     </p:nvPicPr>
                     <p:blipFill>
-                      <a:blip r:embed="rId5"/>
+                      <a:blip r:embed="rId4"/>
                       <a:stretch>
                         <a:fillRect/>
                       </a:stretch>
@@ -15124,13 +15123,6 @@
   <p:clrMapOvr>
     <a:masterClrMapping/>
   </p:clrMapOvr>
-  <p:timing>
-    <p:tnLst>
-      <p:par>
-        <p:cTn id="1" dur="indefinite" restart="never" nodeType="tmRoot"/>
-      </p:par>
-    </p:tnLst>
-  </p:timing>
 </p:sld>
 </file>
 
@@ -15251,13 +15243,6 @@
   <p:clrMapOvr>
     <a:masterClrMapping/>
   </p:clrMapOvr>
-  <p:timing>
-    <p:tnLst>
-      <p:par>
-        <p:cTn id="1" dur="indefinite" restart="never" nodeType="tmRoot"/>
-      </p:par>
-    </p:tnLst>
-  </p:timing>
 </p:sld>
 </file>
 
@@ -15520,10 +15505,6 @@
           <a:lstStyle/>
           <a:p>
             <a:pPr eaLnBrk="1" hangingPunct="1"/>
-            <a:r>
-              <a:rPr sz="4400"/>
-              <a:t/>
-            </a:r>
             <a:br>
               <a:rPr sz="4400"/>
             </a:br>
@@ -15658,10 +15639,6 @@
           <a:lstStyle/>
           <a:p>
             <a:pPr eaLnBrk="1" hangingPunct="1"/>
-            <a:r>
-              <a:rPr sz="4400"/>
-              <a:t/>
-            </a:r>
             <a:br>
               <a:rPr sz="4400"/>
             </a:br>
@@ -18136,14 +18113,14 @@
           </a:ln>
           <a:extLst>
             <a:ext uri="{909E8E84-426E-40dd-AFC4-6F175D3DCCD1}">
-              <a14:hiddenFill xmlns:a14="http://schemas.microsoft.com/office/drawing/2010/main" xmlns="">
+              <a14:hiddenFill xmlns="" xmlns:a14="http://schemas.microsoft.com/office/drawing/2010/main">
                 <a:solidFill>
                   <a:srgbClr val="FFFFFF"/>
                 </a:solidFill>
               </a14:hiddenFill>
             </a:ext>
             <a:ext uri="{91240B29-F687-4f45-9708-019B960494DF}">
-              <a14:hiddenLine xmlns:a14="http://schemas.microsoft.com/office/drawing/2010/main" xmlns="" w="9525">
+              <a14:hiddenLine xmlns="" xmlns:a14="http://schemas.microsoft.com/office/drawing/2010/main" w="9525">
                 <a:solidFill>
                   <a:srgbClr val="000000"/>
                 </a:solidFill>
@@ -18361,14 +18338,14 @@
           </a:ln>
           <a:extLst>
             <a:ext uri="{909E8E84-426E-40dd-AFC4-6F175D3DCCD1}">
-              <a14:hiddenFill xmlns:a14="http://schemas.microsoft.com/office/drawing/2010/main" xmlns="">
+              <a14:hiddenFill xmlns="" xmlns:a14="http://schemas.microsoft.com/office/drawing/2010/main">
                 <a:solidFill>
                   <a:srgbClr val="FFFFFF"/>
                 </a:solidFill>
               </a14:hiddenFill>
             </a:ext>
             <a:ext uri="{91240B29-F687-4f45-9708-019B960494DF}">
-              <a14:hiddenLine xmlns:a14="http://schemas.microsoft.com/office/drawing/2010/main" xmlns="" w="9525">
+              <a14:hiddenLine xmlns="" xmlns:a14="http://schemas.microsoft.com/office/drawing/2010/main" w="9525">
                 <a:solidFill>
                   <a:srgbClr val="000000"/>
                 </a:solidFill>
@@ -18600,7 +18577,7 @@
           </a:ln>
           <a:extLst>
             <a:ext uri="{909E8E84-426E-40dd-AFC4-6F175D3DCCD1}">
-              <a14:hiddenFill xmlns:a14="http://schemas.microsoft.com/office/drawing/2010/main" xmlns="">
+              <a14:hiddenFill xmlns="" xmlns:a14="http://schemas.microsoft.com/office/drawing/2010/main">
                 <a:solidFill>
                   <a:srgbClr val="FFFFFF"/>
                 </a:solidFill>
@@ -19032,7 +19009,7 @@
           <p:nvPr/>
         </p:nvPicPr>
         <p:blipFill>
-          <a:blip r:embed="rId4"/>
+          <a:blip r:embed="rId3"/>
           <a:srcRect/>
           <a:stretch>
             <a:fillRect/>
@@ -19064,7 +19041,7 @@
           <p:nvPr/>
         </p:nvPicPr>
         <p:blipFill>
-          <a:blip r:embed="rId5"/>
+          <a:blip r:embed="rId4"/>
           <a:srcRect/>
           <a:stretch>
             <a:fillRect/>
@@ -19141,14 +19118,14 @@
           </a:ln>
           <a:extLst>
             <a:ext uri="{909E8E84-426E-40dd-AFC4-6F175D3DCCD1}">
-              <a14:hiddenFill xmlns:a14="http://schemas.microsoft.com/office/drawing/2010/main" xmlns="">
+              <a14:hiddenFill xmlns="" xmlns:a14="http://schemas.microsoft.com/office/drawing/2010/main">
                 <a:solidFill>
                   <a:srgbClr val="FFFFFF"/>
                 </a:solidFill>
               </a14:hiddenFill>
             </a:ext>
             <a:ext uri="{91240B29-F687-4f45-9708-019B960494DF}">
-              <a14:hiddenLine xmlns:a14="http://schemas.microsoft.com/office/drawing/2010/main" xmlns="" w="9525">
+              <a14:hiddenLine xmlns="" xmlns:a14="http://schemas.microsoft.com/office/drawing/2010/main" w="9525">
                 <a:solidFill>
                   <a:srgbClr val="000000"/>
                 </a:solidFill>
@@ -19158,7 +19135,7 @@
               </a14:hiddenLine>
             </a:ext>
             <a:ext uri="{FAA26D3D-D897-4be2-8F04-BA451C77F1D7}">
-              <ma14:placeholderFlag xmlns:ma14="http://schemas.microsoft.com/office/mac/drawingml/2011/main" xmlns="" val="1"/>
+              <ma14:placeholderFlag xmlns="" xmlns:ma14="http://schemas.microsoft.com/office/mac/drawingml/2011/main" val="1"/>
             </a:ext>
           </a:extLst>
         </p:spPr>
@@ -19395,12 +19372,12 @@
           <a:graphicData uri="http://schemas.openxmlformats.org/presentationml/2006/ole">
             <mc:AlternateContent xmlns:mc="http://schemas.openxmlformats.org/markup-compatibility/2006">
               <mc:Choice xmlns:v="urn:schemas-microsoft-com:vml" Requires="v">
-                <p:oleObj spid="_x0000_s68641" name="Equation" r:id="rId6" imgW="2159000" imgH="1320800" progId="Equation.3">
+                <p:oleObj name="Equation" r:id="rId5" imgW="2159000" imgH="1320800" progId="Equation.3">
                   <p:embed/>
                 </p:oleObj>
               </mc:Choice>
               <mc:Fallback>
-                <p:oleObj name="Equation" r:id="rId6" imgW="2159000" imgH="1320800" progId="Equation.3">
+                <p:oleObj name="Equation" r:id="rId5" imgW="2159000" imgH="1320800" progId="Equation.3">
                   <p:embed/>
                   <p:pic>
                     <p:nvPicPr>
@@ -19409,7 +19386,7 @@
                       <p:nvPr/>
                     </p:nvPicPr>
                     <p:blipFill>
-                      <a:blip r:embed="rId7"/>
+                      <a:blip r:embed="rId6"/>
                       <a:stretch>
                         <a:fillRect/>
                       </a:stretch>
@@ -20688,10 +20665,6 @@
           <a:lstStyle/>
           <a:p>
             <a:pPr eaLnBrk="1" hangingPunct="1"/>
-            <a:r>
-              <a:rPr sz="4400"/>
-              <a:t/>
-            </a:r>
             <a:br>
               <a:rPr sz="4400"/>
             </a:br>
@@ -20826,10 +20799,6 @@
           <a:lstStyle/>
           <a:p>
             <a:pPr eaLnBrk="1" hangingPunct="1"/>
-            <a:r>
-              <a:rPr sz="4400"/>
-              <a:t/>
-            </a:r>
             <a:br>
               <a:rPr sz="4400"/>
             </a:br>
@@ -21071,14 +21040,14 @@
           </a:ln>
           <a:extLst>
             <a:ext uri="{909E8E84-426E-40dd-AFC4-6F175D3DCCD1}">
-              <a14:hiddenFill xmlns:a14="http://schemas.microsoft.com/office/drawing/2010/main" xmlns="">
+              <a14:hiddenFill xmlns="" xmlns:a14="http://schemas.microsoft.com/office/drawing/2010/main">
                 <a:solidFill>
                   <a:srgbClr val="FFFFFF"/>
                 </a:solidFill>
               </a14:hiddenFill>
             </a:ext>
             <a:ext uri="{91240B29-F687-4f45-9708-019B960494DF}">
-              <a14:hiddenLine xmlns:a14="http://schemas.microsoft.com/office/drawing/2010/main" xmlns="" w="9525">
+              <a14:hiddenLine xmlns="" xmlns:a14="http://schemas.microsoft.com/office/drawing/2010/main" w="9525">
                 <a:solidFill>
                   <a:srgbClr val="000000"/>
                 </a:solidFill>
@@ -21088,7 +21057,7 @@
               </a14:hiddenLine>
             </a:ext>
             <a:ext uri="{FAA26D3D-D897-4be2-8F04-BA451C77F1D7}">
-              <ma14:placeholderFlag xmlns:ma14="http://schemas.microsoft.com/office/mac/drawingml/2011/main" xmlns="" val="1"/>
+              <ma14:placeholderFlag xmlns="" xmlns:ma14="http://schemas.microsoft.com/office/mac/drawingml/2011/main" val="1"/>
             </a:ext>
           </a:extLst>
         </p:spPr>
@@ -24226,14 +24195,14 @@
           </a:ln>
           <a:extLst>
             <a:ext uri="{909E8E84-426E-40dd-AFC4-6F175D3DCCD1}">
-              <a14:hiddenFill xmlns:a14="http://schemas.microsoft.com/office/drawing/2010/main" xmlns="">
+              <a14:hiddenFill xmlns="" xmlns:a14="http://schemas.microsoft.com/office/drawing/2010/main">
                 <a:solidFill>
                   <a:srgbClr val="FFFFFF"/>
                 </a:solidFill>
               </a14:hiddenFill>
             </a:ext>
             <a:ext uri="{91240B29-F687-4f45-9708-019B960494DF}">
-              <a14:hiddenLine xmlns:a14="http://schemas.microsoft.com/office/drawing/2010/main" xmlns="" w="9525">
+              <a14:hiddenLine xmlns="" xmlns:a14="http://schemas.microsoft.com/office/drawing/2010/main" w="9525">
                 <a:solidFill>
                   <a:srgbClr val="000000"/>
                 </a:solidFill>
@@ -24243,7 +24212,7 @@
               </a14:hiddenLine>
             </a:ext>
             <a:ext uri="{FAA26D3D-D897-4be2-8F04-BA451C77F1D7}">
-              <ma14:placeholderFlag xmlns:ma14="http://schemas.microsoft.com/office/mac/drawingml/2011/main" xmlns="" val="1"/>
+              <ma14:placeholderFlag xmlns="" xmlns:ma14="http://schemas.microsoft.com/office/mac/drawingml/2011/main" val="1"/>
             </a:ext>
           </a:extLst>
         </p:spPr>
@@ -24905,10 +24874,6 @@
           <a:lstStyle/>
           <a:p>
             <a:pPr eaLnBrk="1" hangingPunct="1"/>
-            <a:r>
-              <a:rPr sz="4400"/>
-              <a:t/>
-            </a:r>
             <a:br>
               <a:rPr sz="4400"/>
             </a:br>
@@ -25043,10 +25008,6 @@
           <a:lstStyle/>
           <a:p>
             <a:pPr eaLnBrk="1" hangingPunct="1"/>
-            <a:r>
-              <a:rPr sz="4400"/>
-              <a:t/>
-            </a:r>
             <a:br>
               <a:rPr sz="4400"/>
             </a:br>
@@ -25454,14 +25415,14 @@
           </a:ln>
           <a:extLst>
             <a:ext uri="{909E8E84-426E-40dd-AFC4-6F175D3DCCD1}">
-              <a14:hiddenFill xmlns:a14="http://schemas.microsoft.com/office/drawing/2010/main" xmlns="">
+              <a14:hiddenFill xmlns="" xmlns:a14="http://schemas.microsoft.com/office/drawing/2010/main">
                 <a:solidFill>
                   <a:srgbClr val="FFFFFF"/>
                 </a:solidFill>
               </a14:hiddenFill>
             </a:ext>
             <a:ext uri="{91240B29-F687-4f45-9708-019B960494DF}">
-              <a14:hiddenLine xmlns:a14="http://schemas.microsoft.com/office/drawing/2010/main" xmlns="" w="9525">
+              <a14:hiddenLine xmlns="" xmlns:a14="http://schemas.microsoft.com/office/drawing/2010/main" w="9525">
                 <a:solidFill>
                   <a:srgbClr val="000000"/>
                 </a:solidFill>
@@ -25675,14 +25636,14 @@
           </a:ln>
           <a:extLst>
             <a:ext uri="{909E8E84-426E-40dd-AFC4-6F175D3DCCD1}">
-              <a14:hiddenFill xmlns:a14="http://schemas.microsoft.com/office/drawing/2010/main" xmlns="">
+              <a14:hiddenFill xmlns="" xmlns:a14="http://schemas.microsoft.com/office/drawing/2010/main">
                 <a:solidFill>
                   <a:srgbClr val="FFFFFF"/>
                 </a:solidFill>
               </a14:hiddenFill>
             </a:ext>
             <a:ext uri="{91240B29-F687-4f45-9708-019B960494DF}">
-              <a14:hiddenLine xmlns:a14="http://schemas.microsoft.com/office/drawing/2010/main" xmlns="" w="9525">
+              <a14:hiddenLine xmlns="" xmlns:a14="http://schemas.microsoft.com/office/drawing/2010/main" w="9525">
                 <a:solidFill>
                   <a:srgbClr val="000000"/>
                 </a:solidFill>
@@ -25921,7 +25882,7 @@
           </a:ln>
           <a:extLst>
             <a:ext uri="{909E8E84-426E-40dd-AFC4-6F175D3DCCD1}">
-              <a14:hiddenFill xmlns:a14="http://schemas.microsoft.com/office/drawing/2010/main" xmlns="">
+              <a14:hiddenFill xmlns="" xmlns:a14="http://schemas.microsoft.com/office/drawing/2010/main">
                 <a:solidFill>
                   <a:srgbClr val="FFFFFF"/>
                 </a:solidFill>
@@ -26079,14 +26040,14 @@
           </a:ln>
           <a:extLst>
             <a:ext uri="{909E8E84-426E-40dd-AFC4-6F175D3DCCD1}">
-              <a14:hiddenFill xmlns:a14="http://schemas.microsoft.com/office/drawing/2010/main" xmlns="">
+              <a14:hiddenFill xmlns="" xmlns:a14="http://schemas.microsoft.com/office/drawing/2010/main">
                 <a:solidFill>
                   <a:srgbClr val="FFFFFF"/>
                 </a:solidFill>
               </a14:hiddenFill>
             </a:ext>
             <a:ext uri="{91240B29-F687-4f45-9708-019B960494DF}">
-              <a14:hiddenLine xmlns:a14="http://schemas.microsoft.com/office/drawing/2010/main" xmlns="" w="9525">
+              <a14:hiddenLine xmlns="" xmlns:a14="http://schemas.microsoft.com/office/drawing/2010/main" w="9525">
                 <a:solidFill>
                   <a:srgbClr val="000000"/>
                 </a:solidFill>
@@ -26284,14 +26245,14 @@
           </a:ln>
           <a:extLst>
             <a:ext uri="{909E8E84-426E-40dd-AFC4-6F175D3DCCD1}">
-              <a14:hiddenFill xmlns:a14="http://schemas.microsoft.com/office/drawing/2010/main" xmlns="">
+              <a14:hiddenFill xmlns="" xmlns:a14="http://schemas.microsoft.com/office/drawing/2010/main">
                 <a:solidFill>
                   <a:srgbClr val="FFFFFF"/>
                 </a:solidFill>
               </a14:hiddenFill>
             </a:ext>
             <a:ext uri="{91240B29-F687-4f45-9708-019B960494DF}">
-              <a14:hiddenLine xmlns:a14="http://schemas.microsoft.com/office/drawing/2010/main" xmlns="" w="9525">
+              <a14:hiddenLine xmlns="" xmlns:a14="http://schemas.microsoft.com/office/drawing/2010/main" w="9525">
                 <a:solidFill>
                   <a:srgbClr val="000000"/>
                 </a:solidFill>
@@ -26449,14 +26410,14 @@
           </a:ln>
           <a:extLst>
             <a:ext uri="{909E8E84-426E-40dd-AFC4-6F175D3DCCD1}">
-              <a14:hiddenFill xmlns:a14="http://schemas.microsoft.com/office/drawing/2010/main" xmlns="">
+              <a14:hiddenFill xmlns="" xmlns:a14="http://schemas.microsoft.com/office/drawing/2010/main">
                 <a:solidFill>
                   <a:srgbClr val="FFFFFF"/>
                 </a:solidFill>
               </a14:hiddenFill>
             </a:ext>
             <a:ext uri="{91240B29-F687-4f45-9708-019B960494DF}">
-              <a14:hiddenLine xmlns:a14="http://schemas.microsoft.com/office/drawing/2010/main" xmlns="" w="9525">
+              <a14:hiddenLine xmlns="" xmlns:a14="http://schemas.microsoft.com/office/drawing/2010/main" w="9525">
                 <a:solidFill>
                   <a:srgbClr val="000000"/>
                 </a:solidFill>
@@ -26614,14 +26575,14 @@
           </a:ln>
           <a:extLst>
             <a:ext uri="{909E8E84-426E-40dd-AFC4-6F175D3DCCD1}">
-              <a14:hiddenFill xmlns:a14="http://schemas.microsoft.com/office/drawing/2010/main" xmlns="">
+              <a14:hiddenFill xmlns="" xmlns:a14="http://schemas.microsoft.com/office/drawing/2010/main">
                 <a:solidFill>
                   <a:srgbClr val="FFFFFF"/>
                 </a:solidFill>
               </a14:hiddenFill>
             </a:ext>
             <a:ext uri="{91240B29-F687-4f45-9708-019B960494DF}">
-              <a14:hiddenLine xmlns:a14="http://schemas.microsoft.com/office/drawing/2010/main" xmlns="" w="9525">
+              <a14:hiddenLine xmlns="" xmlns:a14="http://schemas.microsoft.com/office/drawing/2010/main" w="9525">
                 <a:solidFill>
                   <a:srgbClr val="000000"/>
                 </a:solidFill>
@@ -26784,7 +26745,7 @@
           </a:ln>
           <a:extLst>
             <a:ext uri="{909E8E84-426E-40dd-AFC4-6F175D3DCCD1}">
-              <a14:hiddenFill xmlns:a14="http://schemas.microsoft.com/office/drawing/2010/main" xmlns="">
+              <a14:hiddenFill xmlns="" xmlns:a14="http://schemas.microsoft.com/office/drawing/2010/main">
                 <a:solidFill>
                   <a:srgbClr val="FFFFFF"/>
                 </a:solidFill>
@@ -26936,14 +26897,14 @@
           </a:ln>
           <a:extLst>
             <a:ext uri="{909E8E84-426E-40dd-AFC4-6F175D3DCCD1}">
-              <a14:hiddenFill xmlns:a14="http://schemas.microsoft.com/office/drawing/2010/main" xmlns="">
+              <a14:hiddenFill xmlns="" xmlns:a14="http://schemas.microsoft.com/office/drawing/2010/main">
                 <a:solidFill>
                   <a:srgbClr val="FFFFFF"/>
                 </a:solidFill>
               </a14:hiddenFill>
             </a:ext>
             <a:ext uri="{91240B29-F687-4f45-9708-019B960494DF}">
-              <a14:hiddenLine xmlns:a14="http://schemas.microsoft.com/office/drawing/2010/main" xmlns="" w="9525">
+              <a14:hiddenLine xmlns="" xmlns:a14="http://schemas.microsoft.com/office/drawing/2010/main" w="9525">
                 <a:solidFill>
                   <a:srgbClr val="000000"/>
                 </a:solidFill>
@@ -27138,14 +27099,14 @@
           </a:ln>
           <a:extLst>
             <a:ext uri="{909E8E84-426E-40dd-AFC4-6F175D3DCCD1}">
-              <a14:hiddenFill xmlns:a14="http://schemas.microsoft.com/office/drawing/2010/main" xmlns="">
+              <a14:hiddenFill xmlns="" xmlns:a14="http://schemas.microsoft.com/office/drawing/2010/main">
                 <a:solidFill>
                   <a:srgbClr val="FFFFFF"/>
                 </a:solidFill>
               </a14:hiddenFill>
             </a:ext>
             <a:ext uri="{91240B29-F687-4f45-9708-019B960494DF}">
-              <a14:hiddenLine xmlns:a14="http://schemas.microsoft.com/office/drawing/2010/main" xmlns="" w="9525">
+              <a14:hiddenLine xmlns="" xmlns:a14="http://schemas.microsoft.com/office/drawing/2010/main" w="9525">
                 <a:solidFill>
                   <a:srgbClr val="000000"/>
                 </a:solidFill>
@@ -27303,14 +27264,14 @@
           </a:ln>
           <a:extLst>
             <a:ext uri="{909E8E84-426E-40dd-AFC4-6F175D3DCCD1}">
-              <a14:hiddenFill xmlns:a14="http://schemas.microsoft.com/office/drawing/2010/main" xmlns="">
+              <a14:hiddenFill xmlns="" xmlns:a14="http://schemas.microsoft.com/office/drawing/2010/main">
                 <a:solidFill>
                   <a:srgbClr val="FFFFFF"/>
                 </a:solidFill>
               </a14:hiddenFill>
             </a:ext>
             <a:ext uri="{91240B29-F687-4f45-9708-019B960494DF}">
-              <a14:hiddenLine xmlns:a14="http://schemas.microsoft.com/office/drawing/2010/main" xmlns="" w="9525">
+              <a14:hiddenLine xmlns="" xmlns:a14="http://schemas.microsoft.com/office/drawing/2010/main" w="9525">
                 <a:solidFill>
                   <a:srgbClr val="000000"/>
                 </a:solidFill>
@@ -27468,14 +27429,14 @@
           </a:ln>
           <a:extLst>
             <a:ext uri="{909E8E84-426E-40dd-AFC4-6F175D3DCCD1}">
-              <a14:hiddenFill xmlns:a14="http://schemas.microsoft.com/office/drawing/2010/main" xmlns="">
+              <a14:hiddenFill xmlns="" xmlns:a14="http://schemas.microsoft.com/office/drawing/2010/main">
                 <a:solidFill>
                   <a:srgbClr val="FFFFFF"/>
                 </a:solidFill>
               </a14:hiddenFill>
             </a:ext>
             <a:ext uri="{91240B29-F687-4f45-9708-019B960494DF}">
-              <a14:hiddenLine xmlns:a14="http://schemas.microsoft.com/office/drawing/2010/main" xmlns="" w="9525">
+              <a14:hiddenLine xmlns="" xmlns:a14="http://schemas.microsoft.com/office/drawing/2010/main" w="9525">
                 <a:solidFill>
                   <a:srgbClr val="000000"/>
                 </a:solidFill>
@@ -28043,12 +28004,12 @@
           <a:graphicData uri="http://schemas.openxmlformats.org/presentationml/2006/ole">
             <mc:AlternateContent xmlns:mc="http://schemas.openxmlformats.org/markup-compatibility/2006">
               <mc:Choice xmlns:v="urn:schemas-microsoft-com:vml" Requires="v">
-                <p:oleObj spid="_x0000_s1253" name="Equation" r:id="rId4" imgW="1612900" imgH="431800" progId="Equation.3">
+                <p:oleObj name="Equation" r:id="rId3" imgW="1612900" imgH="431800" progId="Equation.3">
                   <p:embed/>
                 </p:oleObj>
               </mc:Choice>
               <mc:Fallback>
-                <p:oleObj name="Equation" r:id="rId4" imgW="1612900" imgH="431800" progId="Equation.3">
+                <p:oleObj name="Equation" r:id="rId3" imgW="1612900" imgH="431800" progId="Equation.3">
                   <p:embed/>
                   <p:pic>
                     <p:nvPicPr>
@@ -28059,7 +28020,7 @@
                       <p:nvPr/>
                     </p:nvPicPr>
                     <p:blipFill>
-                      <a:blip r:embed="rId5"/>
+                      <a:blip r:embed="rId4"/>
                       <a:srcRect/>
                       <a:stretch>
                         <a:fillRect/>
@@ -28108,12 +28069,12 @@
           <a:graphicData uri="http://schemas.openxmlformats.org/presentationml/2006/ole">
             <mc:AlternateContent xmlns:mc="http://schemas.openxmlformats.org/markup-compatibility/2006">
               <mc:Choice xmlns:v="urn:schemas-microsoft-com:vml" Requires="v">
-                <p:oleObj spid="_x0000_s1254" name="Equation" r:id="rId6" imgW="1841500" imgH="431800" progId="Equation.3">
+                <p:oleObj name="Equation" r:id="rId5" imgW="1841500" imgH="431800" progId="Equation.3">
                   <p:embed/>
                 </p:oleObj>
               </mc:Choice>
               <mc:Fallback>
-                <p:oleObj name="Equation" r:id="rId6" imgW="1841500" imgH="431800" progId="Equation.3">
+                <p:oleObj name="Equation" r:id="rId5" imgW="1841500" imgH="431800" progId="Equation.3">
                   <p:embed/>
                   <p:pic>
                     <p:nvPicPr>
@@ -28124,7 +28085,7 @@
                       <p:nvPr/>
                     </p:nvPicPr>
                     <p:blipFill>
-                      <a:blip r:embed="rId7"/>
+                      <a:blip r:embed="rId6"/>
                       <a:srcRect/>
                       <a:stretch>
                         <a:fillRect/>
@@ -28536,13 +28497,6 @@
   <p:clrMapOvr>
     <a:masterClrMapping/>
   </p:clrMapOvr>
-  <p:timing>
-    <p:tnLst>
-      <p:par>
-        <p:cTn id="1" dur="indefinite" restart="never" nodeType="tmRoot"/>
-      </p:par>
-    </p:tnLst>
-  </p:timing>
 </p:sld>
 </file>
 
@@ -29599,14 +29553,14 @@
           </a:ln>
           <a:extLst>
             <a:ext uri="{909E8E84-426E-40dd-AFC4-6F175D3DCCD1}">
-              <a14:hiddenFill xmlns:a14="http://schemas.microsoft.com/office/drawing/2010/main" xmlns="">
+              <a14:hiddenFill xmlns="" xmlns:a14="http://schemas.microsoft.com/office/drawing/2010/main">
                 <a:solidFill>
                   <a:srgbClr val="FFFFFF"/>
                 </a:solidFill>
               </a14:hiddenFill>
             </a:ext>
             <a:ext uri="{91240B29-F687-4f45-9708-019B960494DF}">
-              <a14:hiddenLine xmlns:a14="http://schemas.microsoft.com/office/drawing/2010/main" xmlns="" w="9525">
+              <a14:hiddenLine xmlns="" xmlns:a14="http://schemas.microsoft.com/office/drawing/2010/main" w="9525">
                 <a:solidFill>
                   <a:srgbClr val="000000"/>
                 </a:solidFill>
@@ -29953,10 +29907,6 @@
           <a:lstStyle/>
           <a:p>
             <a:pPr eaLnBrk="1" hangingPunct="1"/>
-            <a:r>
-              <a:rPr sz="4400"/>
-              <a:t/>
-            </a:r>
             <a:br>
               <a:rPr sz="4400"/>
             </a:br>
@@ -30924,12 +30874,12 @@
           <a:graphicData uri="http://schemas.openxmlformats.org/presentationml/2006/ole">
             <mc:AlternateContent xmlns:mc="http://schemas.openxmlformats.org/markup-compatibility/2006">
               <mc:Choice xmlns:v="urn:schemas-microsoft-com:vml" Requires="v">
-                <p:oleObj spid="_x0000_s2188" name="Equation" r:id="rId4" imgW="2361960" imgH="342720" progId="Equation.3">
+                <p:oleObj name="Equation" r:id="rId3" imgW="2361960" imgH="342720" progId="Equation.3">
                   <p:embed/>
                 </p:oleObj>
               </mc:Choice>
               <mc:Fallback>
-                <p:oleObj name="Equation" r:id="rId4" imgW="2361960" imgH="342720" progId="Equation.3">
+                <p:oleObj name="Equation" r:id="rId3" imgW="2361960" imgH="342720" progId="Equation.3">
                   <p:embed/>
                   <p:pic>
                     <p:nvPicPr>
@@ -30940,7 +30890,7 @@
                       <p:nvPr/>
                     </p:nvPicPr>
                     <p:blipFill>
-                      <a:blip r:embed="rId5"/>
+                      <a:blip r:embed="rId4"/>
                       <a:srcRect/>
                       <a:stretch>
                         <a:fillRect/>
@@ -30958,14 +30908,14 @@
                       <a:effectLst/>
                       <a:extLst>
                         <a:ext uri="{909E8E84-426E-40dd-AFC4-6F175D3DCCD1}">
-                          <a14:hiddenFill xmlns:a14="http://schemas.microsoft.com/office/drawing/2010/main" xmlns="">
+                          <a14:hiddenFill xmlns="" xmlns:a14="http://schemas.microsoft.com/office/drawing/2010/main">
                             <a:solidFill>
                               <a:srgbClr val="FFFFFF"/>
                             </a:solidFill>
                           </a14:hiddenFill>
                         </a:ext>
                         <a:ext uri="{AF507438-7753-43e0-B8FC-AC1667EBCBE1}">
-                          <a14:hiddenEffects xmlns:a14="http://schemas.microsoft.com/office/drawing/2010/main" xmlns="">
+                          <a14:hiddenEffects xmlns="" xmlns:a14="http://schemas.microsoft.com/office/drawing/2010/main">
                             <a:effectLst>
                               <a:outerShdw blurRad="63500" dist="38099" dir="2700000" algn="ctr" rotWithShape="0">
                                 <a:srgbClr val="808080">
@@ -31371,12 +31321,12 @@
           <a:graphicData uri="http://schemas.openxmlformats.org/presentationml/2006/ole">
             <mc:AlternateContent xmlns:mc="http://schemas.openxmlformats.org/markup-compatibility/2006">
               <mc:Choice xmlns:v="urn:schemas-microsoft-com:vml" Requires="v">
-                <p:oleObj spid="_x0000_s3212" name="Equation" r:id="rId4" imgW="2578100" imgH="850900" progId="Equation.3">
+                <p:oleObj name="Equation" r:id="rId3" imgW="2578100" imgH="850900" progId="Equation.3">
                   <p:embed/>
                 </p:oleObj>
               </mc:Choice>
               <mc:Fallback>
-                <p:oleObj name="Equation" r:id="rId4" imgW="2578100" imgH="850900" progId="Equation.3">
+                <p:oleObj name="Equation" r:id="rId3" imgW="2578100" imgH="850900" progId="Equation.3">
                   <p:embed/>
                   <p:pic>
                     <p:nvPicPr>
@@ -31387,7 +31337,7 @@
                       <p:nvPr/>
                     </p:nvPicPr>
                     <p:blipFill>
-                      <a:blip r:embed="rId5">
+                      <a:blip r:embed="rId4">
                         <a:extLst>
                           <a:ext uri="{28A0092B-C50C-407E-A947-70E740481C1C}">
                             <a14:useLocalDpi xmlns:a14="http://schemas.microsoft.com/office/drawing/2010/main" val="0"/>
@@ -31798,12 +31748,12 @@
           <a:graphicData uri="http://schemas.openxmlformats.org/presentationml/2006/ole">
             <mc:AlternateContent xmlns:mc="http://schemas.openxmlformats.org/markup-compatibility/2006">
               <mc:Choice xmlns:v="urn:schemas-microsoft-com:vml" Requires="v">
-                <p:oleObj spid="_x0000_s4353" name="Equation" r:id="rId4" imgW="3187700" imgH="419100" progId="Equation.3">
+                <p:oleObj name="Equation" r:id="rId3" imgW="3187700" imgH="419100" progId="Equation.3">
                   <p:embed/>
                 </p:oleObj>
               </mc:Choice>
               <mc:Fallback>
-                <p:oleObj name="Equation" r:id="rId4" imgW="3187700" imgH="419100" progId="Equation.3">
+                <p:oleObj name="Equation" r:id="rId3" imgW="3187700" imgH="419100" progId="Equation.3">
                   <p:embed/>
                   <p:pic>
                     <p:nvPicPr>
@@ -31814,7 +31764,7 @@
                       <p:nvPr/>
                     </p:nvPicPr>
                     <p:blipFill>
-                      <a:blip r:embed="rId5">
+                      <a:blip r:embed="rId4">
                         <a:extLst>
                           <a:ext uri="{28A0092B-C50C-407E-A947-70E740481C1C}">
                             <a14:useLocalDpi xmlns:a14="http://schemas.microsoft.com/office/drawing/2010/main" val="0"/>
@@ -31866,12 +31816,12 @@
           <a:graphicData uri="http://schemas.openxmlformats.org/presentationml/2006/ole">
             <mc:AlternateContent xmlns:mc="http://schemas.openxmlformats.org/markup-compatibility/2006">
               <mc:Choice xmlns:v="urn:schemas-microsoft-com:vml" Requires="v">
-                <p:oleObj spid="_x0000_s4354" name="Equation" r:id="rId6" imgW="3898900" imgH="419100" progId="Equation.3">
+                <p:oleObj name="Equation" r:id="rId5" imgW="3898900" imgH="419100" progId="Equation.3">
                   <p:embed/>
                 </p:oleObj>
               </mc:Choice>
               <mc:Fallback>
-                <p:oleObj name="Equation" r:id="rId6" imgW="3898900" imgH="419100" progId="Equation.3">
+                <p:oleObj name="Equation" r:id="rId5" imgW="3898900" imgH="419100" progId="Equation.3">
                   <p:embed/>
                   <p:pic>
                     <p:nvPicPr>
@@ -31882,7 +31832,7 @@
                       <p:nvPr/>
                     </p:nvPicPr>
                     <p:blipFill>
-                      <a:blip r:embed="rId7">
+                      <a:blip r:embed="rId6">
                         <a:extLst>
                           <a:ext uri="{28A0092B-C50C-407E-A947-70E740481C1C}">
                             <a14:useLocalDpi xmlns:a14="http://schemas.microsoft.com/office/drawing/2010/main" val="0"/>
@@ -31906,14 +31856,14 @@
                       <a:effectLst/>
                       <a:extLst>
                         <a:ext uri="{909E8E84-426E-40dd-AFC4-6F175D3DCCD1}">
-                          <a14:hiddenFill xmlns:a14="http://schemas.microsoft.com/office/drawing/2010/main" xmlns="">
+                          <a14:hiddenFill xmlns="" xmlns:a14="http://schemas.microsoft.com/office/drawing/2010/main">
                             <a:solidFill>
                               <a:srgbClr val="FFFFFF"/>
                             </a:solidFill>
                           </a14:hiddenFill>
                         </a:ext>
                         <a:ext uri="{AF507438-7753-43e0-B8FC-AC1667EBCBE1}">
-                          <a14:hiddenEffects xmlns:a14="http://schemas.microsoft.com/office/drawing/2010/main" xmlns="">
+                          <a14:hiddenEffects xmlns="" xmlns:a14="http://schemas.microsoft.com/office/drawing/2010/main">
                             <a:effectLst>
                               <a:outerShdw blurRad="63500" dist="38099" dir="2700000" algn="ctr" rotWithShape="0">
                                 <a:srgbClr val="808080">
@@ -31941,7 +31891,7 @@
           <p:nvPr/>
         </p:nvPicPr>
         <p:blipFill>
-          <a:blip r:embed="rId8">
+          <a:blip r:embed="rId7">
             <a:extLst>
               <a:ext uri="{28A0092B-C50C-407E-A947-70E740481C1C}">
                 <a14:useLocalDpi xmlns:a14="http://schemas.microsoft.com/office/drawing/2010/main" val="0"/>
